--- a/Additional/ReportManuscript/dExpParam.pptx
+++ b/Additional/ReportManuscript/dExpParam.pptx
@@ -4,12 +4,62 @@
   <p:sldMasterIdLst>
     <p:sldMasterId id="2147483648" r:id="rId1"/>
   </p:sldMasterIdLst>
+  <p:notesMasterIdLst>
+    <p:notesMasterId r:id="rId54"/>
+  </p:notesMasterIdLst>
   <p:sldIdLst>
     <p:sldId id="256" r:id="rId2"/>
-    <p:sldId id="257" r:id="rId3"/>
-    <p:sldId id="258" r:id="rId4"/>
-    <p:sldId id="259" r:id="rId5"/>
-    <p:sldId id="260" r:id="rId6"/>
+    <p:sldId id="261" r:id="rId3"/>
+    <p:sldId id="260" r:id="rId4"/>
+    <p:sldId id="262" r:id="rId5"/>
+    <p:sldId id="263" r:id="rId6"/>
+    <p:sldId id="264" r:id="rId7"/>
+    <p:sldId id="265" r:id="rId8"/>
+    <p:sldId id="268" r:id="rId9"/>
+    <p:sldId id="271" r:id="rId10"/>
+    <p:sldId id="270" r:id="rId11"/>
+    <p:sldId id="266" r:id="rId12"/>
+    <p:sldId id="267" r:id="rId13"/>
+    <p:sldId id="272" r:id="rId14"/>
+    <p:sldId id="276" r:id="rId15"/>
+    <p:sldId id="274" r:id="rId16"/>
+    <p:sldId id="275" r:id="rId17"/>
+    <p:sldId id="283" r:id="rId18"/>
+    <p:sldId id="281" r:id="rId19"/>
+    <p:sldId id="282" r:id="rId20"/>
+    <p:sldId id="277" r:id="rId21"/>
+    <p:sldId id="278" r:id="rId22"/>
+    <p:sldId id="279" r:id="rId23"/>
+    <p:sldId id="280" r:id="rId24"/>
+    <p:sldId id="286" r:id="rId25"/>
+    <p:sldId id="287" r:id="rId26"/>
+    <p:sldId id="285" r:id="rId27"/>
+    <p:sldId id="288" r:id="rId28"/>
+    <p:sldId id="289" r:id="rId29"/>
+    <p:sldId id="290" r:id="rId30"/>
+    <p:sldId id="291" r:id="rId31"/>
+    <p:sldId id="292" r:id="rId32"/>
+    <p:sldId id="294" r:id="rId33"/>
+    <p:sldId id="295" r:id="rId34"/>
+    <p:sldId id="293" r:id="rId35"/>
+    <p:sldId id="296" r:id="rId36"/>
+    <p:sldId id="297" r:id="rId37"/>
+    <p:sldId id="298" r:id="rId38"/>
+    <p:sldId id="299" r:id="rId39"/>
+    <p:sldId id="300" r:id="rId40"/>
+    <p:sldId id="301" r:id="rId41"/>
+    <p:sldId id="302" r:id="rId42"/>
+    <p:sldId id="303" r:id="rId43"/>
+    <p:sldId id="304" r:id="rId44"/>
+    <p:sldId id="305" r:id="rId45"/>
+    <p:sldId id="308" r:id="rId46"/>
+    <p:sldId id="306" r:id="rId47"/>
+    <p:sldId id="307" r:id="rId48"/>
+    <p:sldId id="309" r:id="rId49"/>
+    <p:sldId id="310" r:id="rId50"/>
+    <p:sldId id="311" r:id="rId51"/>
+    <p:sldId id="312" r:id="rId52"/>
+    <p:sldId id="313" r:id="rId53"/>
   </p:sldIdLst>
   <p:sldSz cx="12192000" cy="6858000"/>
   <p:notesSz cx="6858000" cy="9144000"/>
@@ -116,6 +166,537 @@
 </p:presentation>
 </file>
 
+<file path=ppt/notesMasters/notesMaster1.xml><?xml version="1.0" encoding="utf-8"?>
+<p:notesMaster xmlns:a="http://schemas.openxmlformats.org/drawingml/2006/main" xmlns:r="http://schemas.openxmlformats.org/officeDocument/2006/relationships" xmlns:p="http://schemas.openxmlformats.org/presentationml/2006/main">
+  <p:cSld>
+    <p:bg>
+      <p:bgRef idx="1001">
+        <a:schemeClr val="bg1"/>
+      </p:bgRef>
+    </p:bg>
+    <p:spTree>
+      <p:nvGrpSpPr>
+        <p:cNvPr id="1" name=""/>
+        <p:cNvGrpSpPr/>
+        <p:nvPr/>
+      </p:nvGrpSpPr>
+      <p:grpSpPr>
+        <a:xfrm>
+          <a:off x="0" y="0"/>
+          <a:ext cx="0" cy="0"/>
+          <a:chOff x="0" y="0"/>
+          <a:chExt cx="0" cy="0"/>
+        </a:xfrm>
+      </p:grpSpPr>
+      <p:sp>
+        <p:nvSpPr>
+          <p:cNvPr id="2" name="Header Placeholder 1"/>
+          <p:cNvSpPr>
+            <a:spLocks noGrp="1"/>
+          </p:cNvSpPr>
+          <p:nvPr>
+            <p:ph type="hdr" sz="quarter"/>
+          </p:nvPr>
+        </p:nvSpPr>
+        <p:spPr>
+          <a:xfrm>
+            <a:off x="0" y="0"/>
+            <a:ext cx="2971800" cy="458788"/>
+          </a:xfrm>
+          <a:prstGeom prst="rect">
+            <a:avLst/>
+          </a:prstGeom>
+        </p:spPr>
+        <p:txBody>
+          <a:bodyPr vert="horz" lIns="91440" tIns="45720" rIns="91440" bIns="45720" rtlCol="0"/>
+          <a:lstStyle>
+            <a:lvl1pPr algn="l">
+              <a:defRPr sz="1200"/>
+            </a:lvl1pPr>
+          </a:lstStyle>
+          <a:p>
+            <a:endParaRPr lang="en-US"/>
+          </a:p>
+        </p:txBody>
+      </p:sp>
+      <p:sp>
+        <p:nvSpPr>
+          <p:cNvPr id="3" name="Date Placeholder 2"/>
+          <p:cNvSpPr>
+            <a:spLocks noGrp="1"/>
+          </p:cNvSpPr>
+          <p:nvPr>
+            <p:ph type="dt" idx="1"/>
+          </p:nvPr>
+        </p:nvSpPr>
+        <p:spPr>
+          <a:xfrm>
+            <a:off x="3884613" y="0"/>
+            <a:ext cx="2971800" cy="458788"/>
+          </a:xfrm>
+          <a:prstGeom prst="rect">
+            <a:avLst/>
+          </a:prstGeom>
+        </p:spPr>
+        <p:txBody>
+          <a:bodyPr vert="horz" lIns="91440" tIns="45720" rIns="91440" bIns="45720" rtlCol="0"/>
+          <a:lstStyle>
+            <a:lvl1pPr algn="r">
+              <a:defRPr sz="1200"/>
+            </a:lvl1pPr>
+          </a:lstStyle>
+          <a:p>
+            <a:fld id="{E90B8FF1-2611-4970-AE3E-B0FD3A5186C0}" type="datetimeFigureOut">
+              <a:rPr lang="en-US" smtClean="0"/>
+              <a:t>8/3/2024</a:t>
+            </a:fld>
+            <a:endParaRPr lang="en-US"/>
+          </a:p>
+        </p:txBody>
+      </p:sp>
+      <p:sp>
+        <p:nvSpPr>
+          <p:cNvPr id="4" name="Slide Image Placeholder 3"/>
+          <p:cNvSpPr>
+            <a:spLocks noGrp="1" noRot="1" noChangeAspect="1"/>
+          </p:cNvSpPr>
+          <p:nvPr>
+            <p:ph type="sldImg" idx="2"/>
+          </p:nvPr>
+        </p:nvSpPr>
+        <p:spPr>
+          <a:xfrm>
+            <a:off x="685800" y="1143000"/>
+            <a:ext cx="5486400" cy="3086100"/>
+          </a:xfrm>
+          <a:prstGeom prst="rect">
+            <a:avLst/>
+          </a:prstGeom>
+          <a:noFill/>
+          <a:ln w="12700">
+            <a:solidFill>
+              <a:prstClr val="black"/>
+            </a:solidFill>
+          </a:ln>
+        </p:spPr>
+        <p:txBody>
+          <a:bodyPr vert="horz" lIns="91440" tIns="45720" rIns="91440" bIns="45720" rtlCol="0" anchor="ctr"/>
+          <a:lstStyle/>
+          <a:p>
+            <a:endParaRPr lang="en-US"/>
+          </a:p>
+        </p:txBody>
+      </p:sp>
+      <p:sp>
+        <p:nvSpPr>
+          <p:cNvPr id="5" name="Notes Placeholder 4"/>
+          <p:cNvSpPr>
+            <a:spLocks noGrp="1"/>
+          </p:cNvSpPr>
+          <p:nvPr>
+            <p:ph type="body" sz="quarter" idx="3"/>
+          </p:nvPr>
+        </p:nvSpPr>
+        <p:spPr>
+          <a:xfrm>
+            <a:off x="685800" y="4400550"/>
+            <a:ext cx="5486400" cy="3600450"/>
+          </a:xfrm>
+          <a:prstGeom prst="rect">
+            <a:avLst/>
+          </a:prstGeom>
+        </p:spPr>
+        <p:txBody>
+          <a:bodyPr vert="horz" lIns="91440" tIns="45720" rIns="91440" bIns="45720" rtlCol="0"/>
+          <a:lstStyle/>
+          <a:p>
+            <a:pPr lvl="0"/>
+            <a:r>
+              <a:rPr lang="en-US"/>
+              <a:t>Click to edit Master text styles</a:t>
+            </a:r>
+          </a:p>
+          <a:p>
+            <a:pPr lvl="1"/>
+            <a:r>
+              <a:rPr lang="en-US"/>
+              <a:t>Second level</a:t>
+            </a:r>
+          </a:p>
+          <a:p>
+            <a:pPr lvl="2"/>
+            <a:r>
+              <a:rPr lang="en-US"/>
+              <a:t>Third level</a:t>
+            </a:r>
+          </a:p>
+          <a:p>
+            <a:pPr lvl="3"/>
+            <a:r>
+              <a:rPr lang="en-US"/>
+              <a:t>Fourth level</a:t>
+            </a:r>
+          </a:p>
+          <a:p>
+            <a:pPr lvl="4"/>
+            <a:r>
+              <a:rPr lang="en-US"/>
+              <a:t>Fifth level</a:t>
+            </a:r>
+          </a:p>
+        </p:txBody>
+      </p:sp>
+      <p:sp>
+        <p:nvSpPr>
+          <p:cNvPr id="6" name="Footer Placeholder 5"/>
+          <p:cNvSpPr>
+            <a:spLocks noGrp="1"/>
+          </p:cNvSpPr>
+          <p:nvPr>
+            <p:ph type="ftr" sz="quarter" idx="4"/>
+          </p:nvPr>
+        </p:nvSpPr>
+        <p:spPr>
+          <a:xfrm>
+            <a:off x="0" y="8685213"/>
+            <a:ext cx="2971800" cy="458787"/>
+          </a:xfrm>
+          <a:prstGeom prst="rect">
+            <a:avLst/>
+          </a:prstGeom>
+        </p:spPr>
+        <p:txBody>
+          <a:bodyPr vert="horz" lIns="91440" tIns="45720" rIns="91440" bIns="45720" rtlCol="0" anchor="b"/>
+          <a:lstStyle>
+            <a:lvl1pPr algn="l">
+              <a:defRPr sz="1200"/>
+            </a:lvl1pPr>
+          </a:lstStyle>
+          <a:p>
+            <a:endParaRPr lang="en-US"/>
+          </a:p>
+        </p:txBody>
+      </p:sp>
+      <p:sp>
+        <p:nvSpPr>
+          <p:cNvPr id="7" name="Slide Number Placeholder 6"/>
+          <p:cNvSpPr>
+            <a:spLocks noGrp="1"/>
+          </p:cNvSpPr>
+          <p:nvPr>
+            <p:ph type="sldNum" sz="quarter" idx="5"/>
+          </p:nvPr>
+        </p:nvSpPr>
+        <p:spPr>
+          <a:xfrm>
+            <a:off x="3884613" y="8685213"/>
+            <a:ext cx="2971800" cy="458787"/>
+          </a:xfrm>
+          <a:prstGeom prst="rect">
+            <a:avLst/>
+          </a:prstGeom>
+        </p:spPr>
+        <p:txBody>
+          <a:bodyPr vert="horz" lIns="91440" tIns="45720" rIns="91440" bIns="45720" rtlCol="0" anchor="b"/>
+          <a:lstStyle>
+            <a:lvl1pPr algn="r">
+              <a:defRPr sz="1200"/>
+            </a:lvl1pPr>
+          </a:lstStyle>
+          <a:p>
+            <a:fld id="{434665D9-F2B1-44B3-9334-973FCDC98F7B}" type="slidenum">
+              <a:rPr lang="en-US" smtClean="0"/>
+              <a:t>‹#›</a:t>
+            </a:fld>
+            <a:endParaRPr lang="en-US"/>
+          </a:p>
+        </p:txBody>
+      </p:sp>
+    </p:spTree>
+    <p:extLst>
+      <p:ext uri="{BB962C8B-B14F-4D97-AF65-F5344CB8AC3E}">
+        <p14:creationId xmlns:p14="http://schemas.microsoft.com/office/powerpoint/2010/main" val="1125882839"/>
+      </p:ext>
+    </p:extLst>
+  </p:cSld>
+  <p:clrMap bg1="lt1" tx1="dk1" bg2="lt2" tx2="dk2" accent1="accent1" accent2="accent2" accent3="accent3" accent4="accent4" accent5="accent5" accent6="accent6" hlink="hlink" folHlink="folHlink"/>
+  <p:notesStyle>
+    <a:lvl1pPr marL="0" algn="l" defTabSz="914400" rtl="0" eaLnBrk="1" latinLnBrk="0" hangingPunct="1">
+      <a:defRPr sz="1200" kern="1200">
+        <a:solidFill>
+          <a:schemeClr val="tx1"/>
+        </a:solidFill>
+        <a:latin typeface="+mn-lt"/>
+        <a:ea typeface="+mn-ea"/>
+        <a:cs typeface="+mn-cs"/>
+      </a:defRPr>
+    </a:lvl1pPr>
+    <a:lvl2pPr marL="457200" algn="l" defTabSz="914400" rtl="0" eaLnBrk="1" latinLnBrk="0" hangingPunct="1">
+      <a:defRPr sz="1200" kern="1200">
+        <a:solidFill>
+          <a:schemeClr val="tx1"/>
+        </a:solidFill>
+        <a:latin typeface="+mn-lt"/>
+        <a:ea typeface="+mn-ea"/>
+        <a:cs typeface="+mn-cs"/>
+      </a:defRPr>
+    </a:lvl2pPr>
+    <a:lvl3pPr marL="914400" algn="l" defTabSz="914400" rtl="0" eaLnBrk="1" latinLnBrk="0" hangingPunct="1">
+      <a:defRPr sz="1200" kern="1200">
+        <a:solidFill>
+          <a:schemeClr val="tx1"/>
+        </a:solidFill>
+        <a:latin typeface="+mn-lt"/>
+        <a:ea typeface="+mn-ea"/>
+        <a:cs typeface="+mn-cs"/>
+      </a:defRPr>
+    </a:lvl3pPr>
+    <a:lvl4pPr marL="1371600" algn="l" defTabSz="914400" rtl="0" eaLnBrk="1" latinLnBrk="0" hangingPunct="1">
+      <a:defRPr sz="1200" kern="1200">
+        <a:solidFill>
+          <a:schemeClr val="tx1"/>
+        </a:solidFill>
+        <a:latin typeface="+mn-lt"/>
+        <a:ea typeface="+mn-ea"/>
+        <a:cs typeface="+mn-cs"/>
+      </a:defRPr>
+    </a:lvl4pPr>
+    <a:lvl5pPr marL="1828800" algn="l" defTabSz="914400" rtl="0" eaLnBrk="1" latinLnBrk="0" hangingPunct="1">
+      <a:defRPr sz="1200" kern="1200">
+        <a:solidFill>
+          <a:schemeClr val="tx1"/>
+        </a:solidFill>
+        <a:latin typeface="+mn-lt"/>
+        <a:ea typeface="+mn-ea"/>
+        <a:cs typeface="+mn-cs"/>
+      </a:defRPr>
+    </a:lvl5pPr>
+    <a:lvl6pPr marL="2286000" algn="l" defTabSz="914400" rtl="0" eaLnBrk="1" latinLnBrk="0" hangingPunct="1">
+      <a:defRPr sz="1200" kern="1200">
+        <a:solidFill>
+          <a:schemeClr val="tx1"/>
+        </a:solidFill>
+        <a:latin typeface="+mn-lt"/>
+        <a:ea typeface="+mn-ea"/>
+        <a:cs typeface="+mn-cs"/>
+      </a:defRPr>
+    </a:lvl6pPr>
+    <a:lvl7pPr marL="2743200" algn="l" defTabSz="914400" rtl="0" eaLnBrk="1" latinLnBrk="0" hangingPunct="1">
+      <a:defRPr sz="1200" kern="1200">
+        <a:solidFill>
+          <a:schemeClr val="tx1"/>
+        </a:solidFill>
+        <a:latin typeface="+mn-lt"/>
+        <a:ea typeface="+mn-ea"/>
+        <a:cs typeface="+mn-cs"/>
+      </a:defRPr>
+    </a:lvl7pPr>
+    <a:lvl8pPr marL="3200400" algn="l" defTabSz="914400" rtl="0" eaLnBrk="1" latinLnBrk="0" hangingPunct="1">
+      <a:defRPr sz="1200" kern="1200">
+        <a:solidFill>
+          <a:schemeClr val="tx1"/>
+        </a:solidFill>
+        <a:latin typeface="+mn-lt"/>
+        <a:ea typeface="+mn-ea"/>
+        <a:cs typeface="+mn-cs"/>
+      </a:defRPr>
+    </a:lvl8pPr>
+    <a:lvl9pPr marL="3657600" algn="l" defTabSz="914400" rtl="0" eaLnBrk="1" latinLnBrk="0" hangingPunct="1">
+      <a:defRPr sz="1200" kern="1200">
+        <a:solidFill>
+          <a:schemeClr val="tx1"/>
+        </a:solidFill>
+        <a:latin typeface="+mn-lt"/>
+        <a:ea typeface="+mn-ea"/>
+        <a:cs typeface="+mn-cs"/>
+      </a:defRPr>
+    </a:lvl9pPr>
+  </p:notesStyle>
+</p:notesMaster>
+</file>
+
+<file path=ppt/notesSlides/notesSlide1.xml><?xml version="1.0" encoding="utf-8"?>
+<p:notes xmlns:a="http://schemas.openxmlformats.org/drawingml/2006/main" xmlns:r="http://schemas.openxmlformats.org/officeDocument/2006/relationships" xmlns:p="http://schemas.openxmlformats.org/presentationml/2006/main">
+  <p:cSld>
+    <p:spTree>
+      <p:nvGrpSpPr>
+        <p:cNvPr id="1" name=""/>
+        <p:cNvGrpSpPr/>
+        <p:nvPr/>
+      </p:nvGrpSpPr>
+      <p:grpSpPr>
+        <a:xfrm>
+          <a:off x="0" y="0"/>
+          <a:ext cx="0" cy="0"/>
+          <a:chOff x="0" y="0"/>
+          <a:chExt cx="0" cy="0"/>
+        </a:xfrm>
+      </p:grpSpPr>
+      <p:sp>
+        <p:nvSpPr>
+          <p:cNvPr id="2" name="Slide Image Placeholder 1"/>
+          <p:cNvSpPr>
+            <a:spLocks noGrp="1" noRot="1" noChangeAspect="1"/>
+          </p:cNvSpPr>
+          <p:nvPr>
+            <p:ph type="sldImg"/>
+          </p:nvPr>
+        </p:nvSpPr>
+        <p:spPr/>
+      </p:sp>
+      <p:sp>
+        <p:nvSpPr>
+          <p:cNvPr id="3" name="Notes Placeholder 2"/>
+          <p:cNvSpPr>
+            <a:spLocks noGrp="1"/>
+          </p:cNvSpPr>
+          <p:nvPr>
+            <p:ph type="body" idx="1"/>
+          </p:nvPr>
+        </p:nvSpPr>
+        <p:spPr/>
+        <p:txBody>
+          <a:bodyPr/>
+          <a:lstStyle/>
+          <a:p>
+            <a:r>
+              <a:rPr lang="en-US" dirty="0" err="1"/>
+              <a:t>dTickTime</a:t>
+            </a:r>
+            <a:r>
+              <a:rPr lang="en-US" dirty="0"/>
+              <a:t> 2</a:t>
+            </a:r>
+          </a:p>
+        </p:txBody>
+      </p:sp>
+      <p:sp>
+        <p:nvSpPr>
+          <p:cNvPr id="4" name="Slide Number Placeholder 3"/>
+          <p:cNvSpPr>
+            <a:spLocks noGrp="1"/>
+          </p:cNvSpPr>
+          <p:nvPr>
+            <p:ph type="sldNum" sz="quarter" idx="5"/>
+          </p:nvPr>
+        </p:nvSpPr>
+        <p:spPr/>
+        <p:txBody>
+          <a:bodyPr/>
+          <a:lstStyle/>
+          <a:p>
+            <a:fld id="{434665D9-F2B1-44B3-9334-973FCDC98F7B}" type="slidenum">
+              <a:rPr lang="en-US" smtClean="0"/>
+              <a:t>20</a:t>
+            </a:fld>
+            <a:endParaRPr lang="en-US"/>
+          </a:p>
+        </p:txBody>
+      </p:sp>
+    </p:spTree>
+    <p:extLst>
+      <p:ext uri="{BB962C8B-B14F-4D97-AF65-F5344CB8AC3E}">
+        <p14:creationId xmlns:p14="http://schemas.microsoft.com/office/powerpoint/2010/main" val="3795890619"/>
+      </p:ext>
+    </p:extLst>
+  </p:cSld>
+  <p:clrMapOvr>
+    <a:masterClrMapping/>
+  </p:clrMapOvr>
+</p:notes>
+</file>
+
+<file path=ppt/notesSlides/notesSlide2.xml><?xml version="1.0" encoding="utf-8"?>
+<p:notes xmlns:a="http://schemas.openxmlformats.org/drawingml/2006/main" xmlns:r="http://schemas.openxmlformats.org/officeDocument/2006/relationships" xmlns:p="http://schemas.openxmlformats.org/presentationml/2006/main">
+  <p:cSld>
+    <p:spTree>
+      <p:nvGrpSpPr>
+        <p:cNvPr id="1" name=""/>
+        <p:cNvGrpSpPr/>
+        <p:nvPr/>
+      </p:nvGrpSpPr>
+      <p:grpSpPr>
+        <a:xfrm>
+          <a:off x="0" y="0"/>
+          <a:ext cx="0" cy="0"/>
+          <a:chOff x="0" y="0"/>
+          <a:chExt cx="0" cy="0"/>
+        </a:xfrm>
+      </p:grpSpPr>
+      <p:sp>
+        <p:nvSpPr>
+          <p:cNvPr id="2" name="Slide Image Placeholder 1"/>
+          <p:cNvSpPr>
+            <a:spLocks noGrp="1" noRot="1" noChangeAspect="1"/>
+          </p:cNvSpPr>
+          <p:nvPr>
+            <p:ph type="sldImg"/>
+          </p:nvPr>
+        </p:nvSpPr>
+        <p:spPr/>
+      </p:sp>
+      <p:sp>
+        <p:nvSpPr>
+          <p:cNvPr id="3" name="Notes Placeholder 2"/>
+          <p:cNvSpPr>
+            <a:spLocks noGrp="1"/>
+          </p:cNvSpPr>
+          <p:nvPr>
+            <p:ph type="body" idx="1"/>
+          </p:nvPr>
+        </p:nvSpPr>
+        <p:spPr/>
+        <p:txBody>
+          <a:bodyPr/>
+          <a:lstStyle/>
+          <a:p>
+            <a:r>
+              <a:rPr lang="en-US" dirty="0" err="1"/>
+              <a:t>dtickTime</a:t>
+            </a:r>
+            <a:r>
+              <a:rPr lang="en-US" dirty="0"/>
+              <a:t> 4</a:t>
+            </a:r>
+          </a:p>
+        </p:txBody>
+      </p:sp>
+      <p:sp>
+        <p:nvSpPr>
+          <p:cNvPr id="4" name="Slide Number Placeholder 3"/>
+          <p:cNvSpPr>
+            <a:spLocks noGrp="1"/>
+          </p:cNvSpPr>
+          <p:nvPr>
+            <p:ph type="sldNum" sz="quarter" idx="5"/>
+          </p:nvPr>
+        </p:nvSpPr>
+        <p:spPr/>
+        <p:txBody>
+          <a:bodyPr/>
+          <a:lstStyle/>
+          <a:p>
+            <a:fld id="{434665D9-F2B1-44B3-9334-973FCDC98F7B}" type="slidenum">
+              <a:rPr lang="en-US" smtClean="0"/>
+              <a:t>21</a:t>
+            </a:fld>
+            <a:endParaRPr lang="en-US"/>
+          </a:p>
+        </p:txBody>
+      </p:sp>
+    </p:spTree>
+    <p:extLst>
+      <p:ext uri="{BB962C8B-B14F-4D97-AF65-F5344CB8AC3E}">
+        <p14:creationId xmlns:p14="http://schemas.microsoft.com/office/powerpoint/2010/main" val="2377716807"/>
+      </p:ext>
+    </p:extLst>
+  </p:cSld>
+  <p:clrMapOvr>
+    <a:masterClrMapping/>
+  </p:clrMapOvr>
+</p:notes>
+</file>
+
 <file path=ppt/slideLayouts/slideLayout1.xml><?xml version="1.0" encoding="utf-8"?>
 <p:sldLayout xmlns:a="http://schemas.openxmlformats.org/drawingml/2006/main" xmlns:r="http://schemas.openxmlformats.org/officeDocument/2006/relationships" xmlns:p="http://schemas.openxmlformats.org/presentationml/2006/main" type="title" preserve="1">
   <p:cSld name="Title Slide">
@@ -265,7 +846,7 @@
           <a:p>
             <a:fld id="{115833ED-4CA4-4274-9C3C-AEB29F156C3C}" type="datetimeFigureOut">
               <a:rPr lang="en-IN" smtClean="0"/>
-              <a:t>24-07-2024</a:t>
+              <a:t>02-08-2024</a:t>
             </a:fld>
             <a:endParaRPr lang="en-IN"/>
           </a:p>
@@ -465,7 +1046,7 @@
           <a:p>
             <a:fld id="{115833ED-4CA4-4274-9C3C-AEB29F156C3C}" type="datetimeFigureOut">
               <a:rPr lang="en-IN" smtClean="0"/>
-              <a:t>24-07-2024</a:t>
+              <a:t>02-08-2024</a:t>
             </a:fld>
             <a:endParaRPr lang="en-IN"/>
           </a:p>
@@ -675,7 +1256,7 @@
           <a:p>
             <a:fld id="{115833ED-4CA4-4274-9C3C-AEB29F156C3C}" type="datetimeFigureOut">
               <a:rPr lang="en-IN" smtClean="0"/>
-              <a:t>24-07-2024</a:t>
+              <a:t>02-08-2024</a:t>
             </a:fld>
             <a:endParaRPr lang="en-IN"/>
           </a:p>
@@ -875,7 +1456,7 @@
           <a:p>
             <a:fld id="{115833ED-4CA4-4274-9C3C-AEB29F156C3C}" type="datetimeFigureOut">
               <a:rPr lang="en-IN" smtClean="0"/>
-              <a:t>24-07-2024</a:t>
+              <a:t>02-08-2024</a:t>
             </a:fld>
             <a:endParaRPr lang="en-IN"/>
           </a:p>
@@ -1151,7 +1732,7 @@
           <a:p>
             <a:fld id="{115833ED-4CA4-4274-9C3C-AEB29F156C3C}" type="datetimeFigureOut">
               <a:rPr lang="en-IN" smtClean="0"/>
-              <a:t>24-07-2024</a:t>
+              <a:t>02-08-2024</a:t>
             </a:fld>
             <a:endParaRPr lang="en-IN"/>
           </a:p>
@@ -1419,7 +2000,7 @@
           <a:p>
             <a:fld id="{115833ED-4CA4-4274-9C3C-AEB29F156C3C}" type="datetimeFigureOut">
               <a:rPr lang="en-IN" smtClean="0"/>
-              <a:t>24-07-2024</a:t>
+              <a:t>02-08-2024</a:t>
             </a:fld>
             <a:endParaRPr lang="en-IN"/>
           </a:p>
@@ -1834,7 +2415,7 @@
           <a:p>
             <a:fld id="{115833ED-4CA4-4274-9C3C-AEB29F156C3C}" type="datetimeFigureOut">
               <a:rPr lang="en-IN" smtClean="0"/>
-              <a:t>24-07-2024</a:t>
+              <a:t>02-08-2024</a:t>
             </a:fld>
             <a:endParaRPr lang="en-IN"/>
           </a:p>
@@ -1976,7 +2557,7 @@
           <a:p>
             <a:fld id="{115833ED-4CA4-4274-9C3C-AEB29F156C3C}" type="datetimeFigureOut">
               <a:rPr lang="en-IN" smtClean="0"/>
-              <a:t>24-07-2024</a:t>
+              <a:t>02-08-2024</a:t>
             </a:fld>
             <a:endParaRPr lang="en-IN"/>
           </a:p>
@@ -2089,7 +2670,7 @@
           <a:p>
             <a:fld id="{115833ED-4CA4-4274-9C3C-AEB29F156C3C}" type="datetimeFigureOut">
               <a:rPr lang="en-IN" smtClean="0"/>
-              <a:t>24-07-2024</a:t>
+              <a:t>02-08-2024</a:t>
             </a:fld>
             <a:endParaRPr lang="en-IN"/>
           </a:p>
@@ -2402,7 +2983,7 @@
           <a:p>
             <a:fld id="{115833ED-4CA4-4274-9C3C-AEB29F156C3C}" type="datetimeFigureOut">
               <a:rPr lang="en-IN" smtClean="0"/>
-              <a:t>24-07-2024</a:t>
+              <a:t>02-08-2024</a:t>
             </a:fld>
             <a:endParaRPr lang="en-IN"/>
           </a:p>
@@ -2691,7 +3272,7 @@
           <a:p>
             <a:fld id="{115833ED-4CA4-4274-9C3C-AEB29F156C3C}" type="datetimeFigureOut">
               <a:rPr lang="en-IN" smtClean="0"/>
-              <a:t>24-07-2024</a:t>
+              <a:t>02-08-2024</a:t>
             </a:fld>
             <a:endParaRPr lang="en-IN"/>
           </a:p>
@@ -2934,7 +3515,7 @@
           <a:p>
             <a:fld id="{115833ED-4CA4-4274-9C3C-AEB29F156C3C}" type="datetimeFigureOut">
               <a:rPr lang="en-IN" smtClean="0"/>
-              <a:t>24-07-2024</a:t>
+              <a:t>02-08-2024</a:t>
             </a:fld>
             <a:endParaRPr lang="en-IN"/>
           </a:p>
@@ -3373,12 +3954,8 @@
           <a:lstStyle/>
           <a:p>
             <a:r>
-              <a:rPr lang="en-IN" dirty="0" err="1"/>
-              <a:t>dExpParam</a:t>
-            </a:r>
-            <a:r>
               <a:rPr lang="en-IN" dirty="0"/>
-              <a:t> exploration</a:t>
+              <a:t>Figures</a:t>
             </a:r>
           </a:p>
         </p:txBody>
@@ -3387,6 +3964,1184 @@
     <p:extLst>
       <p:ext uri="{BB962C8B-B14F-4D97-AF65-F5344CB8AC3E}">
         <p14:creationId xmlns:p14="http://schemas.microsoft.com/office/powerpoint/2010/main" val="1834008679"/>
+      </p:ext>
+    </p:extLst>
+  </p:cSld>
+  <p:clrMapOvr>
+    <a:masterClrMapping/>
+  </p:clrMapOvr>
+</p:sld>
+</file>
+
+<file path=ppt/slides/slide10.xml><?xml version="1.0" encoding="utf-8"?>
+<p:sld xmlns:a="http://schemas.openxmlformats.org/drawingml/2006/main" xmlns:r="http://schemas.openxmlformats.org/officeDocument/2006/relationships" xmlns:p="http://schemas.openxmlformats.org/presentationml/2006/main">
+  <p:cSld>
+    <p:spTree>
+      <p:nvGrpSpPr>
+        <p:cNvPr id="1" name=""/>
+        <p:cNvGrpSpPr/>
+        <p:nvPr/>
+      </p:nvGrpSpPr>
+      <p:grpSpPr>
+        <a:xfrm>
+          <a:off x="0" y="0"/>
+          <a:ext cx="0" cy="0"/>
+          <a:chOff x="0" y="0"/>
+          <a:chExt cx="0" cy="0"/>
+        </a:xfrm>
+      </p:grpSpPr>
+      <p:sp>
+        <p:nvSpPr>
+          <p:cNvPr id="2" name="Title 1">
+            <a:extLst>
+              <a:ext uri="{FF2B5EF4-FFF2-40B4-BE49-F238E27FC236}">
+                <a16:creationId xmlns:a16="http://schemas.microsoft.com/office/drawing/2014/main" id="{84DC87A8-8964-DB92-16EA-0F92FE7FD647}"/>
+              </a:ext>
+            </a:extLst>
+          </p:cNvPr>
+          <p:cNvSpPr>
+            <a:spLocks noGrp="1"/>
+          </p:cNvSpPr>
+          <p:nvPr>
+            <p:ph type="title"/>
+          </p:nvPr>
+        </p:nvSpPr>
+        <p:spPr/>
+        <p:txBody>
+          <a:bodyPr/>
+          <a:lstStyle/>
+          <a:p>
+            <a:endParaRPr lang="en-US"/>
+          </a:p>
+        </p:txBody>
+      </p:sp>
+      <p:sp>
+        <p:nvSpPr>
+          <p:cNvPr id="3" name="Content Placeholder 2">
+            <a:extLst>
+              <a:ext uri="{FF2B5EF4-FFF2-40B4-BE49-F238E27FC236}">
+                <a16:creationId xmlns:a16="http://schemas.microsoft.com/office/drawing/2014/main" id="{C2EB7371-2D15-B76A-B956-F1538A41974D}"/>
+              </a:ext>
+            </a:extLst>
+          </p:cNvPr>
+          <p:cNvSpPr>
+            <a:spLocks noGrp="1"/>
+          </p:cNvSpPr>
+          <p:nvPr>
+            <p:ph idx="1"/>
+          </p:nvPr>
+        </p:nvSpPr>
+        <p:spPr/>
+        <p:txBody>
+          <a:bodyPr/>
+          <a:lstStyle/>
+          <a:p>
+            <a:endParaRPr lang="en-US"/>
+          </a:p>
+        </p:txBody>
+      </p:sp>
+      <p:pic>
+        <p:nvPicPr>
+          <p:cNvPr id="5" name="Picture 4">
+            <a:extLst>
+              <a:ext uri="{FF2B5EF4-FFF2-40B4-BE49-F238E27FC236}">
+                <a16:creationId xmlns:a16="http://schemas.microsoft.com/office/drawing/2014/main" id="{B4C5E96D-6122-5156-E258-E70DF22C26C3}"/>
+              </a:ext>
+            </a:extLst>
+          </p:cNvPr>
+          <p:cNvPicPr>
+            <a:picLocks noChangeAspect="1"/>
+          </p:cNvPicPr>
+          <p:nvPr/>
+        </p:nvPicPr>
+        <p:blipFill>
+          <a:blip r:embed="rId2"/>
+          <a:stretch>
+            <a:fillRect/>
+          </a:stretch>
+        </p:blipFill>
+        <p:spPr>
+          <a:xfrm>
+            <a:off x="235679" y="0"/>
+            <a:ext cx="11720641" cy="6858000"/>
+          </a:xfrm>
+          <a:prstGeom prst="rect">
+            <a:avLst/>
+          </a:prstGeom>
+        </p:spPr>
+      </p:pic>
+    </p:spTree>
+    <p:extLst>
+      <p:ext uri="{BB962C8B-B14F-4D97-AF65-F5344CB8AC3E}">
+        <p14:creationId xmlns:p14="http://schemas.microsoft.com/office/powerpoint/2010/main" val="4197500084"/>
+      </p:ext>
+    </p:extLst>
+  </p:cSld>
+  <p:clrMapOvr>
+    <a:masterClrMapping/>
+  </p:clrMapOvr>
+</p:sld>
+</file>
+
+<file path=ppt/slides/slide11.xml><?xml version="1.0" encoding="utf-8"?>
+<p:sld xmlns:a="http://schemas.openxmlformats.org/drawingml/2006/main" xmlns:r="http://schemas.openxmlformats.org/officeDocument/2006/relationships" xmlns:p="http://schemas.openxmlformats.org/presentationml/2006/main">
+  <p:cSld>
+    <p:spTree>
+      <p:nvGrpSpPr>
+        <p:cNvPr id="1" name=""/>
+        <p:cNvGrpSpPr/>
+        <p:nvPr/>
+      </p:nvGrpSpPr>
+      <p:grpSpPr>
+        <a:xfrm>
+          <a:off x="0" y="0"/>
+          <a:ext cx="0" cy="0"/>
+          <a:chOff x="0" y="0"/>
+          <a:chExt cx="0" cy="0"/>
+        </a:xfrm>
+      </p:grpSpPr>
+      <p:sp>
+        <p:nvSpPr>
+          <p:cNvPr id="2" name="Title 1">
+            <a:extLst>
+              <a:ext uri="{FF2B5EF4-FFF2-40B4-BE49-F238E27FC236}">
+                <a16:creationId xmlns:a16="http://schemas.microsoft.com/office/drawing/2014/main" id="{5E9C810E-8156-297D-3614-D8D6F5EA5966}"/>
+              </a:ext>
+            </a:extLst>
+          </p:cNvPr>
+          <p:cNvSpPr>
+            <a:spLocks noGrp="1"/>
+          </p:cNvSpPr>
+          <p:nvPr>
+            <p:ph type="title"/>
+          </p:nvPr>
+        </p:nvSpPr>
+        <p:spPr/>
+        <p:txBody>
+          <a:bodyPr/>
+          <a:lstStyle/>
+          <a:p>
+            <a:r>
+              <a:rPr lang="en-US" dirty="0" err="1"/>
+              <a:t>dExpParam</a:t>
+            </a:r>
+            <a:r>
+              <a:rPr lang="en-US" dirty="0"/>
+              <a:t> Exploration</a:t>
+            </a:r>
+          </a:p>
+        </p:txBody>
+      </p:sp>
+      <p:sp>
+        <p:nvSpPr>
+          <p:cNvPr id="3" name="Content Placeholder 2">
+            <a:extLst>
+              <a:ext uri="{FF2B5EF4-FFF2-40B4-BE49-F238E27FC236}">
+                <a16:creationId xmlns:a16="http://schemas.microsoft.com/office/drawing/2014/main" id="{9D49ECF0-A604-7843-9B4E-F0BB2CF4F02D}"/>
+              </a:ext>
+            </a:extLst>
+          </p:cNvPr>
+          <p:cNvSpPr>
+            <a:spLocks noGrp="1"/>
+          </p:cNvSpPr>
+          <p:nvPr>
+            <p:ph idx="1"/>
+          </p:nvPr>
+        </p:nvSpPr>
+        <p:spPr/>
+        <p:txBody>
+          <a:bodyPr/>
+          <a:lstStyle/>
+          <a:p>
+            <a:r>
+              <a:rPr lang="en-US" dirty="0"/>
+              <a:t>Values = {0.001, 0.01, 0.1, 1/30, 1/50}</a:t>
+            </a:r>
+          </a:p>
+          <a:p>
+            <a:r>
+              <a:rPr lang="en-US" dirty="0"/>
+              <a:t>Population extinction happens</a:t>
+            </a:r>
+          </a:p>
+          <a:p>
+            <a:endParaRPr lang="en-US" dirty="0"/>
+          </a:p>
+        </p:txBody>
+      </p:sp>
+    </p:spTree>
+    <p:extLst>
+      <p:ext uri="{BB962C8B-B14F-4D97-AF65-F5344CB8AC3E}">
+        <p14:creationId xmlns:p14="http://schemas.microsoft.com/office/powerpoint/2010/main" val="3432196326"/>
+      </p:ext>
+    </p:extLst>
+  </p:cSld>
+  <p:clrMapOvr>
+    <a:masterClrMapping/>
+  </p:clrMapOvr>
+</p:sld>
+</file>
+
+<file path=ppt/slides/slide12.xml><?xml version="1.0" encoding="utf-8"?>
+<p:sld xmlns:a="http://schemas.openxmlformats.org/drawingml/2006/main" xmlns:r="http://schemas.openxmlformats.org/officeDocument/2006/relationships" xmlns:p="http://schemas.openxmlformats.org/presentationml/2006/main">
+  <p:cSld>
+    <p:spTree>
+      <p:nvGrpSpPr>
+        <p:cNvPr id="1" name=""/>
+        <p:cNvGrpSpPr/>
+        <p:nvPr/>
+      </p:nvGrpSpPr>
+      <p:grpSpPr>
+        <a:xfrm>
+          <a:off x="0" y="0"/>
+          <a:ext cx="0" cy="0"/>
+          <a:chOff x="0" y="0"/>
+          <a:chExt cx="0" cy="0"/>
+        </a:xfrm>
+      </p:grpSpPr>
+      <p:pic>
+        <p:nvPicPr>
+          <p:cNvPr id="13" name="Picture 12">
+            <a:extLst>
+              <a:ext uri="{FF2B5EF4-FFF2-40B4-BE49-F238E27FC236}">
+                <a16:creationId xmlns:a16="http://schemas.microsoft.com/office/drawing/2014/main" id="{808DBEAA-BA62-7901-4B06-1AF12E0537F1}"/>
+              </a:ext>
+            </a:extLst>
+          </p:cNvPr>
+          <p:cNvPicPr>
+            <a:picLocks noChangeAspect="1"/>
+          </p:cNvPicPr>
+          <p:nvPr/>
+        </p:nvPicPr>
+        <p:blipFill rotWithShape="1">
+          <a:blip r:embed="rId2"/>
+          <a:srcRect t="7969" b="18117"/>
+          <a:stretch/>
+        </p:blipFill>
+        <p:spPr>
+          <a:xfrm>
+            <a:off x="659764" y="193040"/>
+            <a:ext cx="5233035" cy="2921155"/>
+          </a:xfrm>
+          <a:prstGeom prst="rect">
+            <a:avLst/>
+          </a:prstGeom>
+        </p:spPr>
+      </p:pic>
+      <p:pic>
+        <p:nvPicPr>
+          <p:cNvPr id="15" name="Picture 14">
+            <a:extLst>
+              <a:ext uri="{FF2B5EF4-FFF2-40B4-BE49-F238E27FC236}">
+                <a16:creationId xmlns:a16="http://schemas.microsoft.com/office/drawing/2014/main" id="{04E8D30E-8880-A993-9F3F-845067D6C01F}"/>
+              </a:ext>
+            </a:extLst>
+          </p:cNvPr>
+          <p:cNvPicPr>
+            <a:picLocks noChangeAspect="1"/>
+          </p:cNvPicPr>
+          <p:nvPr/>
+        </p:nvPicPr>
+        <p:blipFill rotWithShape="1">
+          <a:blip r:embed="rId3"/>
+          <a:srcRect t="9589"/>
+          <a:stretch/>
+        </p:blipFill>
+        <p:spPr>
+          <a:xfrm>
+            <a:off x="659763" y="3114195"/>
+            <a:ext cx="5233035" cy="3573144"/>
+          </a:xfrm>
+          <a:prstGeom prst="rect">
+            <a:avLst/>
+          </a:prstGeom>
+        </p:spPr>
+      </p:pic>
+      <p:pic>
+        <p:nvPicPr>
+          <p:cNvPr id="17" name="Picture 16">
+            <a:extLst>
+              <a:ext uri="{FF2B5EF4-FFF2-40B4-BE49-F238E27FC236}">
+                <a16:creationId xmlns:a16="http://schemas.microsoft.com/office/drawing/2014/main" id="{3AEBADE1-7BF7-9E14-B64B-6EAC5FDC3DC4}"/>
+              </a:ext>
+            </a:extLst>
+          </p:cNvPr>
+          <p:cNvPicPr>
+            <a:picLocks noChangeAspect="1"/>
+          </p:cNvPicPr>
+          <p:nvPr/>
+        </p:nvPicPr>
+        <p:blipFill rotWithShape="1">
+          <a:blip r:embed="rId4"/>
+          <a:srcRect t="9842"/>
+          <a:stretch/>
+        </p:blipFill>
+        <p:spPr>
+          <a:xfrm>
+            <a:off x="6299204" y="3217632"/>
+            <a:ext cx="5110476" cy="3479700"/>
+          </a:xfrm>
+          <a:prstGeom prst="rect">
+            <a:avLst/>
+          </a:prstGeom>
+        </p:spPr>
+      </p:pic>
+      <p:pic>
+        <p:nvPicPr>
+          <p:cNvPr id="19" name="Picture 18">
+            <a:extLst>
+              <a:ext uri="{FF2B5EF4-FFF2-40B4-BE49-F238E27FC236}">
+                <a16:creationId xmlns:a16="http://schemas.microsoft.com/office/drawing/2014/main" id="{2913293C-E0F0-2F2C-675D-C72E9A65B135}"/>
+              </a:ext>
+            </a:extLst>
+          </p:cNvPr>
+          <p:cNvPicPr>
+            <a:picLocks noChangeAspect="1"/>
+          </p:cNvPicPr>
+          <p:nvPr/>
+        </p:nvPicPr>
+        <p:blipFill rotWithShape="1">
+          <a:blip r:embed="rId5"/>
+          <a:srcRect t="8788" b="19014"/>
+          <a:stretch/>
+        </p:blipFill>
+        <p:spPr>
+          <a:xfrm>
+            <a:off x="6299203" y="260353"/>
+            <a:ext cx="5110476" cy="2786528"/>
+          </a:xfrm>
+          <a:prstGeom prst="rect">
+            <a:avLst/>
+          </a:prstGeom>
+        </p:spPr>
+      </p:pic>
+      <p:pic>
+        <p:nvPicPr>
+          <p:cNvPr id="21" name="Graphic 20" descr="Star with solid fill">
+            <a:extLst>
+              <a:ext uri="{FF2B5EF4-FFF2-40B4-BE49-F238E27FC236}">
+                <a16:creationId xmlns:a16="http://schemas.microsoft.com/office/drawing/2014/main" id="{429157D2-DEDF-93A5-1C5D-AAF51F48A7B7}"/>
+              </a:ext>
+            </a:extLst>
+          </p:cNvPr>
+          <p:cNvPicPr>
+            <a:picLocks noChangeAspect="1"/>
+          </p:cNvPicPr>
+          <p:nvPr/>
+        </p:nvPicPr>
+        <p:blipFill>
+          <a:blip r:embed="rId6">
+            <a:extLst>
+              <a:ext uri="{96DAC541-7B7A-43D3-8B79-37D633B846F1}">
+                <asvg:svgBlip xmlns:asvg="http://schemas.microsoft.com/office/drawing/2016/SVG/main" r:embed="rId7"/>
+              </a:ext>
+            </a:extLst>
+          </a:blip>
+          <a:stretch>
+            <a:fillRect/>
+          </a:stretch>
+        </p:blipFill>
+        <p:spPr>
+          <a:xfrm>
+            <a:off x="11075036" y="31753"/>
+            <a:ext cx="457200" cy="457200"/>
+          </a:xfrm>
+          <a:prstGeom prst="rect">
+            <a:avLst/>
+          </a:prstGeom>
+        </p:spPr>
+      </p:pic>
+      <p:cxnSp>
+        <p:nvCxnSpPr>
+          <p:cNvPr id="23" name="Straight Connector 22">
+            <a:extLst>
+              <a:ext uri="{FF2B5EF4-FFF2-40B4-BE49-F238E27FC236}">
+                <a16:creationId xmlns:a16="http://schemas.microsoft.com/office/drawing/2014/main" id="{E209D8A7-E212-75AC-188E-3464831B12B7}"/>
+              </a:ext>
+            </a:extLst>
+          </p:cNvPr>
+          <p:cNvCxnSpPr/>
+          <p:nvPr/>
+        </p:nvCxnSpPr>
+        <p:spPr>
+          <a:xfrm>
+            <a:off x="6096000" y="193040"/>
+            <a:ext cx="0" cy="6390640"/>
+          </a:xfrm>
+          <a:prstGeom prst="line">
+            <a:avLst/>
+          </a:prstGeom>
+          <a:ln w="38100">
+            <a:solidFill>
+              <a:schemeClr val="tx1"/>
+            </a:solidFill>
+          </a:ln>
+        </p:spPr>
+        <p:style>
+          <a:lnRef idx="2">
+            <a:schemeClr val="accent1"/>
+          </a:lnRef>
+          <a:fillRef idx="0">
+            <a:schemeClr val="accent1"/>
+          </a:fillRef>
+          <a:effectRef idx="1">
+            <a:schemeClr val="accent1"/>
+          </a:effectRef>
+          <a:fontRef idx="minor">
+            <a:schemeClr val="tx1"/>
+          </a:fontRef>
+        </p:style>
+      </p:cxnSp>
+    </p:spTree>
+    <p:extLst>
+      <p:ext uri="{BB962C8B-B14F-4D97-AF65-F5344CB8AC3E}">
+        <p14:creationId xmlns:p14="http://schemas.microsoft.com/office/powerpoint/2010/main" val="772461963"/>
+      </p:ext>
+    </p:extLst>
+  </p:cSld>
+  <p:clrMapOvr>
+    <a:masterClrMapping/>
+  </p:clrMapOvr>
+</p:sld>
+</file>
+
+<file path=ppt/slides/slide13.xml><?xml version="1.0" encoding="utf-8"?>
+<p:sld xmlns:a="http://schemas.openxmlformats.org/drawingml/2006/main" xmlns:r="http://schemas.openxmlformats.org/officeDocument/2006/relationships" xmlns:p="http://schemas.openxmlformats.org/presentationml/2006/main">
+  <p:cSld>
+    <p:spTree>
+      <p:nvGrpSpPr>
+        <p:cNvPr id="1" name=""/>
+        <p:cNvGrpSpPr/>
+        <p:nvPr/>
+      </p:nvGrpSpPr>
+      <p:grpSpPr>
+        <a:xfrm>
+          <a:off x="0" y="0"/>
+          <a:ext cx="0" cy="0"/>
+          <a:chOff x="0" y="0"/>
+          <a:chExt cx="0" cy="0"/>
+        </a:xfrm>
+      </p:grpSpPr>
+      <p:sp>
+        <p:nvSpPr>
+          <p:cNvPr id="2" name="Title 1">
+            <a:extLst>
+              <a:ext uri="{FF2B5EF4-FFF2-40B4-BE49-F238E27FC236}">
+                <a16:creationId xmlns:a16="http://schemas.microsoft.com/office/drawing/2014/main" id="{950EC830-2563-3DD6-81FD-D534FE15928E}"/>
+              </a:ext>
+            </a:extLst>
+          </p:cNvPr>
+          <p:cNvSpPr>
+            <a:spLocks noGrp="1"/>
+          </p:cNvSpPr>
+          <p:nvPr>
+            <p:ph type="title"/>
+          </p:nvPr>
+        </p:nvSpPr>
+        <p:spPr/>
+        <p:txBody>
+          <a:bodyPr/>
+          <a:lstStyle/>
+          <a:p>
+            <a:r>
+              <a:rPr lang="en-US" dirty="0" err="1"/>
+              <a:t>dMutationStrengthCues</a:t>
+            </a:r>
+            <a:endParaRPr lang="en-US" dirty="0"/>
+          </a:p>
+        </p:txBody>
+      </p:sp>
+      <p:pic>
+        <p:nvPicPr>
+          <p:cNvPr id="5" name="Picture 4">
+            <a:extLst>
+              <a:ext uri="{FF2B5EF4-FFF2-40B4-BE49-F238E27FC236}">
+                <a16:creationId xmlns:a16="http://schemas.microsoft.com/office/drawing/2014/main" id="{8FA3545D-DCB0-A026-074F-41CBF9627C10}"/>
+              </a:ext>
+            </a:extLst>
+          </p:cNvPr>
+          <p:cNvPicPr>
+            <a:picLocks noChangeAspect="1"/>
+          </p:cNvPicPr>
+          <p:nvPr/>
+        </p:nvPicPr>
+        <p:blipFill>
+          <a:blip r:embed="rId2"/>
+          <a:stretch>
+            <a:fillRect/>
+          </a:stretch>
+        </p:blipFill>
+        <p:spPr>
+          <a:xfrm>
+            <a:off x="1443037" y="1451550"/>
+            <a:ext cx="9305925" cy="4725413"/>
+          </a:xfrm>
+          <a:prstGeom prst="rect">
+            <a:avLst/>
+          </a:prstGeom>
+        </p:spPr>
+      </p:pic>
+    </p:spTree>
+    <p:extLst>
+      <p:ext uri="{BB962C8B-B14F-4D97-AF65-F5344CB8AC3E}">
+        <p14:creationId xmlns:p14="http://schemas.microsoft.com/office/powerpoint/2010/main" val="3050076251"/>
+      </p:ext>
+    </p:extLst>
+  </p:cSld>
+  <p:clrMapOvr>
+    <a:masterClrMapping/>
+  </p:clrMapOvr>
+</p:sld>
+</file>
+
+<file path=ppt/slides/slide14.xml><?xml version="1.0" encoding="utf-8"?>
+<p:sld xmlns:a="http://schemas.openxmlformats.org/drawingml/2006/main" xmlns:r="http://schemas.openxmlformats.org/officeDocument/2006/relationships" xmlns:p="http://schemas.openxmlformats.org/presentationml/2006/main">
+  <p:cSld>
+    <p:spTree>
+      <p:nvGrpSpPr>
+        <p:cNvPr id="1" name=""/>
+        <p:cNvGrpSpPr/>
+        <p:nvPr/>
+      </p:nvGrpSpPr>
+      <p:grpSpPr>
+        <a:xfrm>
+          <a:off x="0" y="0"/>
+          <a:ext cx="0" cy="0"/>
+          <a:chOff x="0" y="0"/>
+          <a:chExt cx="0" cy="0"/>
+        </a:xfrm>
+      </p:grpSpPr>
+      <p:sp>
+        <p:nvSpPr>
+          <p:cNvPr id="2" name="Title 1">
+            <a:extLst>
+              <a:ext uri="{FF2B5EF4-FFF2-40B4-BE49-F238E27FC236}">
+                <a16:creationId xmlns:a16="http://schemas.microsoft.com/office/drawing/2014/main" id="{961B2C9C-7C92-E65E-0B7B-F53DAF48E61B}"/>
+              </a:ext>
+            </a:extLst>
+          </p:cNvPr>
+          <p:cNvSpPr>
+            <a:spLocks noGrp="1"/>
+          </p:cNvSpPr>
+          <p:nvPr>
+            <p:ph type="title"/>
+          </p:nvPr>
+        </p:nvSpPr>
+        <p:spPr/>
+        <p:txBody>
+          <a:bodyPr/>
+          <a:lstStyle/>
+          <a:p>
+            <a:endParaRPr lang="en-US"/>
+          </a:p>
+        </p:txBody>
+      </p:sp>
+      <p:sp>
+        <p:nvSpPr>
+          <p:cNvPr id="3" name="Content Placeholder 2">
+            <a:extLst>
+              <a:ext uri="{FF2B5EF4-FFF2-40B4-BE49-F238E27FC236}">
+                <a16:creationId xmlns:a16="http://schemas.microsoft.com/office/drawing/2014/main" id="{97783DA6-AE9C-6801-80C1-9572E9B5CED6}"/>
+              </a:ext>
+            </a:extLst>
+          </p:cNvPr>
+          <p:cNvSpPr>
+            <a:spLocks noGrp="1"/>
+          </p:cNvSpPr>
+          <p:nvPr>
+            <p:ph idx="1"/>
+          </p:nvPr>
+        </p:nvSpPr>
+        <p:spPr/>
+        <p:txBody>
+          <a:bodyPr/>
+          <a:lstStyle/>
+          <a:p>
+            <a:endParaRPr lang="en-US"/>
+          </a:p>
+        </p:txBody>
+      </p:sp>
+      <p:pic>
+        <p:nvPicPr>
+          <p:cNvPr id="5" name="Picture 4">
+            <a:extLst>
+              <a:ext uri="{FF2B5EF4-FFF2-40B4-BE49-F238E27FC236}">
+                <a16:creationId xmlns:a16="http://schemas.microsoft.com/office/drawing/2014/main" id="{12B6D98E-1736-A4BD-CA50-6BFD392D044A}"/>
+              </a:ext>
+            </a:extLst>
+          </p:cNvPr>
+          <p:cNvPicPr>
+            <a:picLocks noChangeAspect="1"/>
+          </p:cNvPicPr>
+          <p:nvPr/>
+        </p:nvPicPr>
+        <p:blipFill>
+          <a:blip r:embed="rId2"/>
+          <a:stretch>
+            <a:fillRect/>
+          </a:stretch>
+        </p:blipFill>
+        <p:spPr>
+          <a:xfrm>
+            <a:off x="1334370" y="498475"/>
+            <a:ext cx="4265461" cy="5225614"/>
+          </a:xfrm>
+          <a:prstGeom prst="rect">
+            <a:avLst/>
+          </a:prstGeom>
+        </p:spPr>
+      </p:pic>
+      <p:pic>
+        <p:nvPicPr>
+          <p:cNvPr id="7" name="Picture 6">
+            <a:extLst>
+              <a:ext uri="{FF2B5EF4-FFF2-40B4-BE49-F238E27FC236}">
+                <a16:creationId xmlns:a16="http://schemas.microsoft.com/office/drawing/2014/main" id="{F1BCF613-235A-7FEE-D16A-F0661A403777}"/>
+              </a:ext>
+            </a:extLst>
+          </p:cNvPr>
+          <p:cNvPicPr>
+            <a:picLocks noChangeAspect="1"/>
+          </p:cNvPicPr>
+          <p:nvPr/>
+        </p:nvPicPr>
+        <p:blipFill rotWithShape="1">
+          <a:blip r:embed="rId3"/>
+          <a:srcRect l="2693"/>
+          <a:stretch/>
+        </p:blipFill>
+        <p:spPr>
+          <a:xfrm>
+            <a:off x="6096000" y="681037"/>
+            <a:ext cx="4271104" cy="4806950"/>
+          </a:xfrm>
+          <a:prstGeom prst="rect">
+            <a:avLst/>
+          </a:prstGeom>
+        </p:spPr>
+      </p:pic>
+    </p:spTree>
+    <p:extLst>
+      <p:ext uri="{BB962C8B-B14F-4D97-AF65-F5344CB8AC3E}">
+        <p14:creationId xmlns:p14="http://schemas.microsoft.com/office/powerpoint/2010/main" val="75919297"/>
+      </p:ext>
+    </p:extLst>
+  </p:cSld>
+  <p:clrMapOvr>
+    <a:masterClrMapping/>
+  </p:clrMapOvr>
+</p:sld>
+</file>
+
+<file path=ppt/slides/slide15.xml><?xml version="1.0" encoding="utf-8"?>
+<p:sld xmlns:a="http://schemas.openxmlformats.org/drawingml/2006/main" xmlns:r="http://schemas.openxmlformats.org/officeDocument/2006/relationships" xmlns:p="http://schemas.openxmlformats.org/presentationml/2006/main">
+  <p:cSld>
+    <p:spTree>
+      <p:nvGrpSpPr>
+        <p:cNvPr id="1" name=""/>
+        <p:cNvGrpSpPr/>
+        <p:nvPr/>
+      </p:nvGrpSpPr>
+      <p:grpSpPr>
+        <a:xfrm>
+          <a:off x="0" y="0"/>
+          <a:ext cx="0" cy="0"/>
+          <a:chOff x="0" y="0"/>
+          <a:chExt cx="0" cy="0"/>
+        </a:xfrm>
+      </p:grpSpPr>
+      <p:pic>
+        <p:nvPicPr>
+          <p:cNvPr id="7" name="Picture 6">
+            <a:extLst>
+              <a:ext uri="{FF2B5EF4-FFF2-40B4-BE49-F238E27FC236}">
+                <a16:creationId xmlns:a16="http://schemas.microsoft.com/office/drawing/2014/main" id="{788D6435-1233-4EAE-32F5-1B915A75CE9C}"/>
+              </a:ext>
+            </a:extLst>
+          </p:cNvPr>
+          <p:cNvPicPr>
+            <a:picLocks noChangeAspect="1"/>
+          </p:cNvPicPr>
+          <p:nvPr/>
+        </p:nvPicPr>
+        <p:blipFill>
+          <a:blip r:embed="rId2"/>
+          <a:stretch>
+            <a:fillRect/>
+          </a:stretch>
+        </p:blipFill>
+        <p:spPr>
+          <a:xfrm>
+            <a:off x="590550" y="633412"/>
+            <a:ext cx="11010900" cy="5591175"/>
+          </a:xfrm>
+          <a:prstGeom prst="rect">
+            <a:avLst/>
+          </a:prstGeom>
+        </p:spPr>
+      </p:pic>
+    </p:spTree>
+    <p:extLst>
+      <p:ext uri="{BB962C8B-B14F-4D97-AF65-F5344CB8AC3E}">
+        <p14:creationId xmlns:p14="http://schemas.microsoft.com/office/powerpoint/2010/main" val="3880205503"/>
+      </p:ext>
+    </p:extLst>
+  </p:cSld>
+  <p:clrMapOvr>
+    <a:masterClrMapping/>
+  </p:clrMapOvr>
+</p:sld>
+</file>
+
+<file path=ppt/slides/slide16.xml><?xml version="1.0" encoding="utf-8"?>
+<p:sld xmlns:a="http://schemas.openxmlformats.org/drawingml/2006/main" xmlns:r="http://schemas.openxmlformats.org/officeDocument/2006/relationships" xmlns:p="http://schemas.openxmlformats.org/presentationml/2006/main">
+  <p:cSld>
+    <p:spTree>
+      <p:nvGrpSpPr>
+        <p:cNvPr id="1" name=""/>
+        <p:cNvGrpSpPr/>
+        <p:nvPr/>
+      </p:nvGrpSpPr>
+      <p:grpSpPr>
+        <a:xfrm>
+          <a:off x="0" y="0"/>
+          <a:ext cx="0" cy="0"/>
+          <a:chOff x="0" y="0"/>
+          <a:chExt cx="0" cy="0"/>
+        </a:xfrm>
+      </p:grpSpPr>
+      <p:sp>
+        <p:nvSpPr>
+          <p:cNvPr id="2" name="Title 1">
+            <a:extLst>
+              <a:ext uri="{FF2B5EF4-FFF2-40B4-BE49-F238E27FC236}">
+                <a16:creationId xmlns:a16="http://schemas.microsoft.com/office/drawing/2014/main" id="{92AE7C14-183E-7EF6-401E-FC07FD1E4DA8}"/>
+              </a:ext>
+            </a:extLst>
+          </p:cNvPr>
+          <p:cNvSpPr>
+            <a:spLocks noGrp="1"/>
+          </p:cNvSpPr>
+          <p:nvPr>
+            <p:ph type="title"/>
+          </p:nvPr>
+        </p:nvSpPr>
+        <p:spPr/>
+        <p:txBody>
+          <a:bodyPr/>
+          <a:lstStyle/>
+          <a:p>
+            <a:endParaRPr lang="en-US"/>
+          </a:p>
+        </p:txBody>
+      </p:sp>
+      <p:sp>
+        <p:nvSpPr>
+          <p:cNvPr id="3" name="Content Placeholder 2">
+            <a:extLst>
+              <a:ext uri="{FF2B5EF4-FFF2-40B4-BE49-F238E27FC236}">
+                <a16:creationId xmlns:a16="http://schemas.microsoft.com/office/drawing/2014/main" id="{799139D9-BB72-A423-83B5-56612CFD77A8}"/>
+              </a:ext>
+            </a:extLst>
+          </p:cNvPr>
+          <p:cNvSpPr>
+            <a:spLocks noGrp="1"/>
+          </p:cNvSpPr>
+          <p:nvPr>
+            <p:ph idx="1"/>
+          </p:nvPr>
+        </p:nvSpPr>
+        <p:spPr/>
+        <p:txBody>
+          <a:bodyPr/>
+          <a:lstStyle/>
+          <a:p>
+            <a:endParaRPr lang="en-US"/>
+          </a:p>
+        </p:txBody>
+      </p:sp>
+      <p:pic>
+        <p:nvPicPr>
+          <p:cNvPr id="5" name="Picture 4">
+            <a:extLst>
+              <a:ext uri="{FF2B5EF4-FFF2-40B4-BE49-F238E27FC236}">
+                <a16:creationId xmlns:a16="http://schemas.microsoft.com/office/drawing/2014/main" id="{FE67DF2A-8A66-857D-08DA-A53960B7426A}"/>
+              </a:ext>
+            </a:extLst>
+          </p:cNvPr>
+          <p:cNvPicPr>
+            <a:picLocks noChangeAspect="1"/>
+          </p:cNvPicPr>
+          <p:nvPr/>
+        </p:nvPicPr>
+        <p:blipFill>
+          <a:blip r:embed="rId2"/>
+          <a:stretch>
+            <a:fillRect/>
+          </a:stretch>
+        </p:blipFill>
+        <p:spPr>
+          <a:xfrm>
+            <a:off x="590550" y="633412"/>
+            <a:ext cx="11010900" cy="5591175"/>
+          </a:xfrm>
+          <a:prstGeom prst="rect">
+            <a:avLst/>
+          </a:prstGeom>
+        </p:spPr>
+      </p:pic>
+    </p:spTree>
+    <p:extLst>
+      <p:ext uri="{BB962C8B-B14F-4D97-AF65-F5344CB8AC3E}">
+        <p14:creationId xmlns:p14="http://schemas.microsoft.com/office/powerpoint/2010/main" val="54538927"/>
+      </p:ext>
+    </p:extLst>
+  </p:cSld>
+  <p:clrMapOvr>
+    <a:masterClrMapping/>
+  </p:clrMapOvr>
+</p:sld>
+</file>
+
+<file path=ppt/slides/slide17.xml><?xml version="1.0" encoding="utf-8"?>
+<p:sld xmlns:a="http://schemas.openxmlformats.org/drawingml/2006/main" xmlns:r="http://schemas.openxmlformats.org/officeDocument/2006/relationships" xmlns:p="http://schemas.openxmlformats.org/presentationml/2006/main">
+  <p:cSld>
+    <p:spTree>
+      <p:nvGrpSpPr>
+        <p:cNvPr id="1" name=""/>
+        <p:cNvGrpSpPr/>
+        <p:nvPr/>
+      </p:nvGrpSpPr>
+      <p:grpSpPr>
+        <a:xfrm>
+          <a:off x="0" y="0"/>
+          <a:ext cx="0" cy="0"/>
+          <a:chOff x="0" y="0"/>
+          <a:chExt cx="0" cy="0"/>
+        </a:xfrm>
+      </p:grpSpPr>
+      <p:sp>
+        <p:nvSpPr>
+          <p:cNvPr id="2" name="Title 1">
+            <a:extLst>
+              <a:ext uri="{FF2B5EF4-FFF2-40B4-BE49-F238E27FC236}">
+                <a16:creationId xmlns:a16="http://schemas.microsoft.com/office/drawing/2014/main" id="{B336CE99-9301-71B7-F4EE-95EE0AF5307C}"/>
+              </a:ext>
+            </a:extLst>
+          </p:cNvPr>
+          <p:cNvSpPr>
+            <a:spLocks noGrp="1"/>
+          </p:cNvSpPr>
+          <p:nvPr>
+            <p:ph type="title"/>
+          </p:nvPr>
+        </p:nvSpPr>
+        <p:spPr/>
+        <p:txBody>
+          <a:bodyPr/>
+          <a:lstStyle/>
+          <a:p>
+            <a:endParaRPr lang="en-US"/>
+          </a:p>
+        </p:txBody>
+      </p:sp>
+      <p:sp>
+        <p:nvSpPr>
+          <p:cNvPr id="3" name="Content Placeholder 2">
+            <a:extLst>
+              <a:ext uri="{FF2B5EF4-FFF2-40B4-BE49-F238E27FC236}">
+                <a16:creationId xmlns:a16="http://schemas.microsoft.com/office/drawing/2014/main" id="{08B1880D-2448-C7DB-AE8D-4F5CFD6A3CD6}"/>
+              </a:ext>
+            </a:extLst>
+          </p:cNvPr>
+          <p:cNvSpPr>
+            <a:spLocks noGrp="1"/>
+          </p:cNvSpPr>
+          <p:nvPr>
+            <p:ph idx="1"/>
+          </p:nvPr>
+        </p:nvSpPr>
+        <p:spPr/>
+        <p:txBody>
+          <a:bodyPr/>
+          <a:lstStyle/>
+          <a:p>
+            <a:endParaRPr lang="en-US"/>
+          </a:p>
+        </p:txBody>
+      </p:sp>
+      <p:pic>
+        <p:nvPicPr>
+          <p:cNvPr id="5" name="Picture 4">
+            <a:extLst>
+              <a:ext uri="{FF2B5EF4-FFF2-40B4-BE49-F238E27FC236}">
+                <a16:creationId xmlns:a16="http://schemas.microsoft.com/office/drawing/2014/main" id="{D5957DB8-5A5A-EF63-6979-18F72769CE69}"/>
+              </a:ext>
+            </a:extLst>
+          </p:cNvPr>
+          <p:cNvPicPr>
+            <a:picLocks noChangeAspect="1"/>
+          </p:cNvPicPr>
+          <p:nvPr/>
+        </p:nvPicPr>
+        <p:blipFill>
+          <a:blip r:embed="rId2"/>
+          <a:stretch>
+            <a:fillRect/>
+          </a:stretch>
+        </p:blipFill>
+        <p:spPr>
+          <a:xfrm>
+            <a:off x="1044722" y="0"/>
+            <a:ext cx="10102555" cy="6858000"/>
+          </a:xfrm>
+          <a:prstGeom prst="rect">
+            <a:avLst/>
+          </a:prstGeom>
+        </p:spPr>
+      </p:pic>
+    </p:spTree>
+    <p:extLst>
+      <p:ext uri="{BB962C8B-B14F-4D97-AF65-F5344CB8AC3E}">
+        <p14:creationId xmlns:p14="http://schemas.microsoft.com/office/powerpoint/2010/main" val="709900749"/>
+      </p:ext>
+    </p:extLst>
+  </p:cSld>
+  <p:clrMapOvr>
+    <a:masterClrMapping/>
+  </p:clrMapOvr>
+</p:sld>
+</file>
+
+<file path=ppt/slides/slide18.xml><?xml version="1.0" encoding="utf-8"?>
+<p:sld xmlns:a="http://schemas.openxmlformats.org/drawingml/2006/main" xmlns:r="http://schemas.openxmlformats.org/officeDocument/2006/relationships" xmlns:p="http://schemas.openxmlformats.org/presentationml/2006/main">
+  <p:cSld>
+    <p:spTree>
+      <p:nvGrpSpPr>
+        <p:cNvPr id="1" name=""/>
+        <p:cNvGrpSpPr/>
+        <p:nvPr/>
+      </p:nvGrpSpPr>
+      <p:grpSpPr>
+        <a:xfrm>
+          <a:off x="0" y="0"/>
+          <a:ext cx="0" cy="0"/>
+          <a:chOff x="0" y="0"/>
+          <a:chExt cx="0" cy="0"/>
+        </a:xfrm>
+      </p:grpSpPr>
+      <p:sp>
+        <p:nvSpPr>
+          <p:cNvPr id="2" name="Title 1">
+            <a:extLst>
+              <a:ext uri="{FF2B5EF4-FFF2-40B4-BE49-F238E27FC236}">
+                <a16:creationId xmlns:a16="http://schemas.microsoft.com/office/drawing/2014/main" id="{403D7F58-0F84-1AF9-A68F-5C81E5340F4C}"/>
+              </a:ext>
+            </a:extLst>
+          </p:cNvPr>
+          <p:cNvSpPr>
+            <a:spLocks noGrp="1"/>
+          </p:cNvSpPr>
+          <p:nvPr>
+            <p:ph type="title"/>
+          </p:nvPr>
+        </p:nvSpPr>
+        <p:spPr/>
+        <p:txBody>
+          <a:bodyPr/>
+          <a:lstStyle/>
+          <a:p>
+            <a:endParaRPr lang="en-US"/>
+          </a:p>
+        </p:txBody>
+      </p:sp>
+      <p:sp>
+        <p:nvSpPr>
+          <p:cNvPr id="4" name="AutoShape 2">
+            <a:extLst>
+              <a:ext uri="{FF2B5EF4-FFF2-40B4-BE49-F238E27FC236}">
+                <a16:creationId xmlns:a16="http://schemas.microsoft.com/office/drawing/2014/main" id="{BA5C4927-B261-78B1-4D6B-647D20822A7C}"/>
+              </a:ext>
+            </a:extLst>
+          </p:cNvPr>
+          <p:cNvSpPr>
+            <a:spLocks noGrp="1" noChangeAspect="1" noChangeArrowheads="1"/>
+          </p:cNvSpPr>
+          <p:nvPr>
+            <p:ph idx="1"/>
+          </p:nvPr>
+        </p:nvSpPr>
+        <p:spPr bwMode="auto">
+          <a:prstGeom prst="rect">
+            <a:avLst/>
+          </a:prstGeom>
+          <a:noFill/>
+          <a:extLst>
+            <a:ext uri="{909E8E84-426E-40DD-AFC4-6F175D3DCCD1}">
+              <a14:hiddenFill xmlns:a14="http://schemas.microsoft.com/office/drawing/2010/main">
+                <a:solidFill>
+                  <a:srgbClr val="FFFFFF"/>
+                </a:solidFill>
+              </a14:hiddenFill>
+            </a:ext>
+          </a:extLst>
+        </p:spPr>
+        <p:txBody>
+          <a:bodyPr vert="horz" wrap="square" lIns="91440" tIns="45720" rIns="91440" bIns="45720" numCol="1" anchor="t" anchorCtr="0" compatLnSpc="1">
+            <a:prstTxWarp prst="textNoShape">
+              <a:avLst/>
+            </a:prstTxWarp>
+          </a:bodyPr>
+          <a:lstStyle/>
+          <a:p>
+            <a:endParaRPr lang="en-US"/>
+          </a:p>
+        </p:txBody>
+      </p:sp>
+      <p:pic>
+        <p:nvPicPr>
+          <p:cNvPr id="6" name="Picture 5">
+            <a:extLst>
+              <a:ext uri="{FF2B5EF4-FFF2-40B4-BE49-F238E27FC236}">
+                <a16:creationId xmlns:a16="http://schemas.microsoft.com/office/drawing/2014/main" id="{C63484B2-2200-719F-D821-DF0924B57791}"/>
+              </a:ext>
+            </a:extLst>
+          </p:cNvPr>
+          <p:cNvPicPr>
+            <a:picLocks noChangeAspect="1"/>
+          </p:cNvPicPr>
+          <p:nvPr/>
+        </p:nvPicPr>
+        <p:blipFill>
+          <a:blip r:embed="rId2"/>
+          <a:stretch>
+            <a:fillRect/>
+          </a:stretch>
+        </p:blipFill>
+        <p:spPr>
+          <a:xfrm>
+            <a:off x="838200" y="0"/>
+            <a:ext cx="10102554" cy="6858000"/>
+          </a:xfrm>
+          <a:prstGeom prst="rect">
+            <a:avLst/>
+          </a:prstGeom>
+        </p:spPr>
+      </p:pic>
+    </p:spTree>
+    <p:extLst>
+      <p:ext uri="{BB962C8B-B14F-4D97-AF65-F5344CB8AC3E}">
+        <p14:creationId xmlns:p14="http://schemas.microsoft.com/office/powerpoint/2010/main" val="3588907874"/>
+      </p:ext>
+    </p:extLst>
+  </p:cSld>
+  <p:clrMapOvr>
+    <a:masterClrMapping/>
+  </p:clrMapOvr>
+</p:sld>
+</file>
+
+<file path=ppt/slides/slide19.xml><?xml version="1.0" encoding="utf-8"?>
+<p:sld xmlns:a="http://schemas.openxmlformats.org/drawingml/2006/main" xmlns:r="http://schemas.openxmlformats.org/officeDocument/2006/relationships" xmlns:p="http://schemas.openxmlformats.org/presentationml/2006/main">
+  <p:cSld>
+    <p:spTree>
+      <p:nvGrpSpPr>
+        <p:cNvPr id="1" name=""/>
+        <p:cNvGrpSpPr/>
+        <p:nvPr/>
+      </p:nvGrpSpPr>
+      <p:grpSpPr>
+        <a:xfrm>
+          <a:off x="0" y="0"/>
+          <a:ext cx="0" cy="0"/>
+          <a:chOff x="0" y="0"/>
+          <a:chExt cx="0" cy="0"/>
+        </a:xfrm>
+      </p:grpSpPr>
+      <p:sp>
+        <p:nvSpPr>
+          <p:cNvPr id="2" name="Title 1">
+            <a:extLst>
+              <a:ext uri="{FF2B5EF4-FFF2-40B4-BE49-F238E27FC236}">
+                <a16:creationId xmlns:a16="http://schemas.microsoft.com/office/drawing/2014/main" id="{F121270A-4E32-E305-C500-BCD2165E32FC}"/>
+              </a:ext>
+            </a:extLst>
+          </p:cNvPr>
+          <p:cNvSpPr>
+            <a:spLocks noGrp="1"/>
+          </p:cNvSpPr>
+          <p:nvPr>
+            <p:ph type="title"/>
+          </p:nvPr>
+        </p:nvSpPr>
+        <p:spPr/>
+        <p:txBody>
+          <a:bodyPr/>
+          <a:lstStyle/>
+          <a:p>
+            <a:endParaRPr lang="en-US"/>
+          </a:p>
+        </p:txBody>
+      </p:sp>
+      <p:sp>
+        <p:nvSpPr>
+          <p:cNvPr id="3" name="Content Placeholder 2">
+            <a:extLst>
+              <a:ext uri="{FF2B5EF4-FFF2-40B4-BE49-F238E27FC236}">
+                <a16:creationId xmlns:a16="http://schemas.microsoft.com/office/drawing/2014/main" id="{7AF6DF00-2A01-BC8E-9EDC-C03EF2A257B6}"/>
+              </a:ext>
+            </a:extLst>
+          </p:cNvPr>
+          <p:cNvSpPr>
+            <a:spLocks noGrp="1"/>
+          </p:cNvSpPr>
+          <p:nvPr>
+            <p:ph idx="1"/>
+          </p:nvPr>
+        </p:nvSpPr>
+        <p:spPr/>
+        <p:txBody>
+          <a:bodyPr/>
+          <a:lstStyle/>
+          <a:p>
+            <a:endParaRPr lang="en-US"/>
+          </a:p>
+        </p:txBody>
+      </p:sp>
+      <p:pic>
+        <p:nvPicPr>
+          <p:cNvPr id="5" name="Picture 4">
+            <a:extLst>
+              <a:ext uri="{FF2B5EF4-FFF2-40B4-BE49-F238E27FC236}">
+                <a16:creationId xmlns:a16="http://schemas.microsoft.com/office/drawing/2014/main" id="{3D5FB4EF-E55A-C226-AF9B-9FACAB52ABA2}"/>
+              </a:ext>
+            </a:extLst>
+          </p:cNvPr>
+          <p:cNvPicPr>
+            <a:picLocks noChangeAspect="1"/>
+          </p:cNvPicPr>
+          <p:nvPr/>
+        </p:nvPicPr>
+        <p:blipFill>
+          <a:blip r:embed="rId2"/>
+          <a:stretch>
+            <a:fillRect/>
+          </a:stretch>
+        </p:blipFill>
+        <p:spPr>
+          <a:xfrm>
+            <a:off x="838200" y="0"/>
+            <a:ext cx="10102555" cy="6858000"/>
+          </a:xfrm>
+          <a:prstGeom prst="rect">
+            <a:avLst/>
+          </a:prstGeom>
+        </p:spPr>
+      </p:pic>
+    </p:spTree>
+    <p:extLst>
+      <p:ext uri="{BB962C8B-B14F-4D97-AF65-F5344CB8AC3E}">
+        <p14:creationId xmlns:p14="http://schemas.microsoft.com/office/powerpoint/2010/main" val="3063989681"/>
       </p:ext>
     </p:extLst>
   </p:cSld>
@@ -3418,7 +5173,7 @@
           <p:cNvPr id="2" name="Title 1">
             <a:extLst>
               <a:ext uri="{FF2B5EF4-FFF2-40B4-BE49-F238E27FC236}">
-                <a16:creationId xmlns:a16="http://schemas.microsoft.com/office/drawing/2014/main" id="{833C9EE2-9E10-EB7D-11E9-3DF8E7ADEE87}"/>
+                <a16:creationId xmlns:a16="http://schemas.microsoft.com/office/drawing/2014/main" id="{5E9C810E-8156-297D-3614-D8D6F5EA5966}"/>
               </a:ext>
             </a:extLst>
           </p:cNvPr>
@@ -3435,8 +5190,8 @@
           <a:lstStyle/>
           <a:p>
             <a:r>
-              <a:rPr lang="en-IN" dirty="0"/>
-              <a:t>First round of exploration</a:t>
+              <a:rPr lang="en-US" dirty="0"/>
+              <a:t>Model Choice</a:t>
             </a:r>
           </a:p>
         </p:txBody>
@@ -3446,7 +5201,7 @@
           <p:cNvPr id="3" name="Content Placeholder 2">
             <a:extLst>
               <a:ext uri="{FF2B5EF4-FFF2-40B4-BE49-F238E27FC236}">
-                <a16:creationId xmlns:a16="http://schemas.microsoft.com/office/drawing/2014/main" id="{CBE94B8D-7AC6-BFDC-B55C-D536D36CD6B2}"/>
+                <a16:creationId xmlns:a16="http://schemas.microsoft.com/office/drawing/2014/main" id="{9D49ECF0-A604-7843-9B4E-F0BB2CF4F02D}"/>
               </a:ext>
             </a:extLst>
           </p:cNvPr>
@@ -3462,46 +5217,21 @@
           <a:bodyPr/>
           <a:lstStyle/>
           <a:p>
-            <a:pPr marL="0" indent="0">
-              <a:buNone/>
-            </a:pPr>
             <a:r>
-              <a:rPr lang="en-IN" dirty="0"/>
-              <a:t>Varied </a:t>
+              <a:rPr lang="en-US" dirty="0"/>
+              <a:t>Comparing previous results to new ones</a:t>
             </a:r>
+          </a:p>
+          <a:p>
             <a:r>
-              <a:rPr lang="en-IN" dirty="0" err="1"/>
-              <a:t>dExpParam</a:t>
+              <a:rPr lang="en-US" dirty="0"/>
+              <a:t>Redefining control definitions</a:t>
             </a:r>
+          </a:p>
+          <a:p>
             <a:r>
-              <a:rPr lang="en-IN" dirty="0"/>
-              <a:t> -&gt; 0.1, 0.01, 0.001</a:t>
-            </a:r>
-          </a:p>
-          <a:p>
-            <a:pPr marL="0" indent="0">
-              <a:buNone/>
-            </a:pPr>
-            <a:r>
-              <a:rPr lang="en-IN" dirty="0"/>
-              <a:t>Most populations with 0.01 and 0.001 went extinct, probably cause the distance a fair bit between them and thus all stealing were unsuccessful.</a:t>
-            </a:r>
-          </a:p>
-          <a:p>
-            <a:pPr marL="0" indent="0">
-              <a:buNone/>
-            </a:pPr>
-            <a:r>
-              <a:rPr lang="en-IN" dirty="0"/>
-              <a:t>Varied </a:t>
-            </a:r>
-            <a:r>
-              <a:rPr lang="en-IN" dirty="0" err="1"/>
-              <a:t>dExpParam</a:t>
-            </a:r>
-            <a:r>
-              <a:rPr lang="en-IN" dirty="0"/>
-              <a:t> -&gt; 0.1, 0.3333, 0.02</a:t>
+              <a:rPr lang="en-US" dirty="0"/>
+              <a:t>Comparing old formulae models to new ones</a:t>
             </a:r>
           </a:p>
         </p:txBody>
@@ -3509,7 +5239,1066 @@
     </p:spTree>
     <p:extLst>
       <p:ext uri="{BB962C8B-B14F-4D97-AF65-F5344CB8AC3E}">
-        <p14:creationId xmlns:p14="http://schemas.microsoft.com/office/powerpoint/2010/main" val="3868350248"/>
+        <p14:creationId xmlns:p14="http://schemas.microsoft.com/office/powerpoint/2010/main" val="2987935372"/>
+      </p:ext>
+    </p:extLst>
+  </p:cSld>
+  <p:clrMapOvr>
+    <a:masterClrMapping/>
+  </p:clrMapOvr>
+</p:sld>
+</file>
+
+<file path=ppt/slides/slide20.xml><?xml version="1.0" encoding="utf-8"?>
+<p:sld xmlns:a="http://schemas.openxmlformats.org/drawingml/2006/main" xmlns:r="http://schemas.openxmlformats.org/officeDocument/2006/relationships" xmlns:p="http://schemas.openxmlformats.org/presentationml/2006/main">
+  <p:cSld>
+    <p:spTree>
+      <p:nvGrpSpPr>
+        <p:cNvPr id="1" name=""/>
+        <p:cNvGrpSpPr/>
+        <p:nvPr/>
+      </p:nvGrpSpPr>
+      <p:grpSpPr>
+        <a:xfrm>
+          <a:off x="0" y="0"/>
+          <a:ext cx="0" cy="0"/>
+          <a:chOff x="0" y="0"/>
+          <a:chExt cx="0" cy="0"/>
+        </a:xfrm>
+      </p:grpSpPr>
+      <p:sp>
+        <p:nvSpPr>
+          <p:cNvPr id="2" name="Title 1">
+            <a:extLst>
+              <a:ext uri="{FF2B5EF4-FFF2-40B4-BE49-F238E27FC236}">
+                <a16:creationId xmlns:a16="http://schemas.microsoft.com/office/drawing/2014/main" id="{73B877B8-B411-56F2-B9E6-2216F2361537}"/>
+              </a:ext>
+            </a:extLst>
+          </p:cNvPr>
+          <p:cNvSpPr>
+            <a:spLocks noGrp="1"/>
+          </p:cNvSpPr>
+          <p:nvPr>
+            <p:ph type="title"/>
+          </p:nvPr>
+        </p:nvSpPr>
+        <p:spPr/>
+        <p:txBody>
+          <a:bodyPr/>
+          <a:lstStyle/>
+          <a:p>
+            <a:endParaRPr lang="en-US"/>
+          </a:p>
+        </p:txBody>
+      </p:sp>
+      <p:sp>
+        <p:nvSpPr>
+          <p:cNvPr id="3" name="Content Placeholder 2">
+            <a:extLst>
+              <a:ext uri="{FF2B5EF4-FFF2-40B4-BE49-F238E27FC236}">
+                <a16:creationId xmlns:a16="http://schemas.microsoft.com/office/drawing/2014/main" id="{BFE368A9-7151-D392-7765-DBBDA9FC28F8}"/>
+              </a:ext>
+            </a:extLst>
+          </p:cNvPr>
+          <p:cNvSpPr>
+            <a:spLocks noGrp="1"/>
+          </p:cNvSpPr>
+          <p:nvPr>
+            <p:ph idx="1"/>
+          </p:nvPr>
+        </p:nvSpPr>
+        <p:spPr/>
+        <p:txBody>
+          <a:bodyPr/>
+          <a:lstStyle/>
+          <a:p>
+            <a:endParaRPr lang="en-US"/>
+          </a:p>
+        </p:txBody>
+      </p:sp>
+      <p:pic>
+        <p:nvPicPr>
+          <p:cNvPr id="5" name="Picture 4">
+            <a:extLst>
+              <a:ext uri="{FF2B5EF4-FFF2-40B4-BE49-F238E27FC236}">
+                <a16:creationId xmlns:a16="http://schemas.microsoft.com/office/drawing/2014/main" id="{D9F4D9A1-D1BA-B4FD-E373-0B94EE8A6D6C}"/>
+              </a:ext>
+            </a:extLst>
+          </p:cNvPr>
+          <p:cNvPicPr>
+            <a:picLocks noChangeAspect="1"/>
+          </p:cNvPicPr>
+          <p:nvPr/>
+        </p:nvPicPr>
+        <p:blipFill>
+          <a:blip r:embed="rId3"/>
+          <a:stretch>
+            <a:fillRect/>
+          </a:stretch>
+        </p:blipFill>
+        <p:spPr>
+          <a:xfrm>
+            <a:off x="0" y="361156"/>
+            <a:ext cx="12192000" cy="6135688"/>
+          </a:xfrm>
+          <a:prstGeom prst="rect">
+            <a:avLst/>
+          </a:prstGeom>
+        </p:spPr>
+      </p:pic>
+    </p:spTree>
+    <p:extLst>
+      <p:ext uri="{BB962C8B-B14F-4D97-AF65-F5344CB8AC3E}">
+        <p14:creationId xmlns:p14="http://schemas.microsoft.com/office/powerpoint/2010/main" val="3349073963"/>
+      </p:ext>
+    </p:extLst>
+  </p:cSld>
+  <p:clrMapOvr>
+    <a:masterClrMapping/>
+  </p:clrMapOvr>
+</p:sld>
+</file>
+
+<file path=ppt/slides/slide21.xml><?xml version="1.0" encoding="utf-8"?>
+<p:sld xmlns:a="http://schemas.openxmlformats.org/drawingml/2006/main" xmlns:r="http://schemas.openxmlformats.org/officeDocument/2006/relationships" xmlns:p="http://schemas.openxmlformats.org/presentationml/2006/main">
+  <p:cSld>
+    <p:spTree>
+      <p:nvGrpSpPr>
+        <p:cNvPr id="1" name=""/>
+        <p:cNvGrpSpPr/>
+        <p:nvPr/>
+      </p:nvGrpSpPr>
+      <p:grpSpPr>
+        <a:xfrm>
+          <a:off x="0" y="0"/>
+          <a:ext cx="0" cy="0"/>
+          <a:chOff x="0" y="0"/>
+          <a:chExt cx="0" cy="0"/>
+        </a:xfrm>
+      </p:grpSpPr>
+      <p:sp>
+        <p:nvSpPr>
+          <p:cNvPr id="2" name="Title 1">
+            <a:extLst>
+              <a:ext uri="{FF2B5EF4-FFF2-40B4-BE49-F238E27FC236}">
+                <a16:creationId xmlns:a16="http://schemas.microsoft.com/office/drawing/2014/main" id="{8A873897-ABEB-C305-EB26-C61B36A75A0F}"/>
+              </a:ext>
+            </a:extLst>
+          </p:cNvPr>
+          <p:cNvSpPr>
+            <a:spLocks noGrp="1"/>
+          </p:cNvSpPr>
+          <p:nvPr>
+            <p:ph type="title"/>
+          </p:nvPr>
+        </p:nvSpPr>
+        <p:spPr/>
+        <p:txBody>
+          <a:bodyPr/>
+          <a:lstStyle/>
+          <a:p>
+            <a:endParaRPr lang="en-US"/>
+          </a:p>
+        </p:txBody>
+      </p:sp>
+      <p:pic>
+        <p:nvPicPr>
+          <p:cNvPr id="5" name="Picture 4">
+            <a:extLst>
+              <a:ext uri="{FF2B5EF4-FFF2-40B4-BE49-F238E27FC236}">
+                <a16:creationId xmlns:a16="http://schemas.microsoft.com/office/drawing/2014/main" id="{ADFA0E09-3758-7C2F-65A3-048684A4D1A8}"/>
+              </a:ext>
+            </a:extLst>
+          </p:cNvPr>
+          <p:cNvPicPr>
+            <a:picLocks noChangeAspect="1"/>
+          </p:cNvPicPr>
+          <p:nvPr/>
+        </p:nvPicPr>
+        <p:blipFill>
+          <a:blip r:embed="rId3"/>
+          <a:stretch>
+            <a:fillRect/>
+          </a:stretch>
+        </p:blipFill>
+        <p:spPr>
+          <a:xfrm>
+            <a:off x="0" y="361156"/>
+            <a:ext cx="12192000" cy="6135688"/>
+          </a:xfrm>
+          <a:prstGeom prst="rect">
+            <a:avLst/>
+          </a:prstGeom>
+        </p:spPr>
+      </p:pic>
+    </p:spTree>
+    <p:extLst>
+      <p:ext uri="{BB962C8B-B14F-4D97-AF65-F5344CB8AC3E}">
+        <p14:creationId xmlns:p14="http://schemas.microsoft.com/office/powerpoint/2010/main" val="3184087270"/>
+      </p:ext>
+    </p:extLst>
+  </p:cSld>
+  <p:clrMapOvr>
+    <a:masterClrMapping/>
+  </p:clrMapOvr>
+</p:sld>
+</file>
+
+<file path=ppt/slides/slide22.xml><?xml version="1.0" encoding="utf-8"?>
+<p:sld xmlns:a="http://schemas.openxmlformats.org/drawingml/2006/main" xmlns:r="http://schemas.openxmlformats.org/officeDocument/2006/relationships" xmlns:p="http://schemas.openxmlformats.org/presentationml/2006/main">
+  <p:cSld>
+    <p:spTree>
+      <p:nvGrpSpPr>
+        <p:cNvPr id="1" name=""/>
+        <p:cNvGrpSpPr/>
+        <p:nvPr/>
+      </p:nvGrpSpPr>
+      <p:grpSpPr>
+        <a:xfrm>
+          <a:off x="0" y="0"/>
+          <a:ext cx="0" cy="0"/>
+          <a:chOff x="0" y="0"/>
+          <a:chExt cx="0" cy="0"/>
+        </a:xfrm>
+      </p:grpSpPr>
+      <p:sp>
+        <p:nvSpPr>
+          <p:cNvPr id="2" name="Title 1">
+            <a:extLst>
+              <a:ext uri="{FF2B5EF4-FFF2-40B4-BE49-F238E27FC236}">
+                <a16:creationId xmlns:a16="http://schemas.microsoft.com/office/drawing/2014/main" id="{690B40B3-788B-90E4-0D07-CC3BCC210BBC}"/>
+              </a:ext>
+            </a:extLst>
+          </p:cNvPr>
+          <p:cNvSpPr>
+            <a:spLocks noGrp="1"/>
+          </p:cNvSpPr>
+          <p:nvPr>
+            <p:ph type="title"/>
+          </p:nvPr>
+        </p:nvSpPr>
+        <p:spPr/>
+        <p:txBody>
+          <a:bodyPr/>
+          <a:lstStyle/>
+          <a:p>
+            <a:endParaRPr lang="en-US"/>
+          </a:p>
+        </p:txBody>
+      </p:sp>
+      <p:sp>
+        <p:nvSpPr>
+          <p:cNvPr id="3" name="Content Placeholder 2">
+            <a:extLst>
+              <a:ext uri="{FF2B5EF4-FFF2-40B4-BE49-F238E27FC236}">
+                <a16:creationId xmlns:a16="http://schemas.microsoft.com/office/drawing/2014/main" id="{FD0775F1-C5C6-3C49-3350-F527C28194E6}"/>
+              </a:ext>
+            </a:extLst>
+          </p:cNvPr>
+          <p:cNvSpPr>
+            <a:spLocks noGrp="1"/>
+          </p:cNvSpPr>
+          <p:nvPr>
+            <p:ph idx="1"/>
+          </p:nvPr>
+        </p:nvSpPr>
+        <p:spPr/>
+        <p:txBody>
+          <a:bodyPr/>
+          <a:lstStyle/>
+          <a:p>
+            <a:endParaRPr lang="en-US"/>
+          </a:p>
+        </p:txBody>
+      </p:sp>
+      <p:pic>
+        <p:nvPicPr>
+          <p:cNvPr id="5" name="Picture 4">
+            <a:extLst>
+              <a:ext uri="{FF2B5EF4-FFF2-40B4-BE49-F238E27FC236}">
+                <a16:creationId xmlns:a16="http://schemas.microsoft.com/office/drawing/2014/main" id="{7C6AB0B2-D1AB-D6FF-5377-405BDF1BABD4}"/>
+              </a:ext>
+            </a:extLst>
+          </p:cNvPr>
+          <p:cNvPicPr>
+            <a:picLocks noChangeAspect="1"/>
+          </p:cNvPicPr>
+          <p:nvPr/>
+        </p:nvPicPr>
+        <p:blipFill>
+          <a:blip r:embed="rId2"/>
+          <a:stretch>
+            <a:fillRect/>
+          </a:stretch>
+        </p:blipFill>
+        <p:spPr>
+          <a:xfrm>
+            <a:off x="0" y="361156"/>
+            <a:ext cx="12192000" cy="6135688"/>
+          </a:xfrm>
+          <a:prstGeom prst="rect">
+            <a:avLst/>
+          </a:prstGeom>
+        </p:spPr>
+      </p:pic>
+    </p:spTree>
+    <p:extLst>
+      <p:ext uri="{BB962C8B-B14F-4D97-AF65-F5344CB8AC3E}">
+        <p14:creationId xmlns:p14="http://schemas.microsoft.com/office/powerpoint/2010/main" val="1495475265"/>
+      </p:ext>
+    </p:extLst>
+  </p:cSld>
+  <p:clrMapOvr>
+    <a:masterClrMapping/>
+  </p:clrMapOvr>
+</p:sld>
+</file>
+
+<file path=ppt/slides/slide23.xml><?xml version="1.0" encoding="utf-8"?>
+<p:sld xmlns:a="http://schemas.openxmlformats.org/drawingml/2006/main" xmlns:r="http://schemas.openxmlformats.org/officeDocument/2006/relationships" xmlns:p="http://schemas.openxmlformats.org/presentationml/2006/main">
+  <p:cSld>
+    <p:spTree>
+      <p:nvGrpSpPr>
+        <p:cNvPr id="1" name=""/>
+        <p:cNvGrpSpPr/>
+        <p:nvPr/>
+      </p:nvGrpSpPr>
+      <p:grpSpPr>
+        <a:xfrm>
+          <a:off x="0" y="0"/>
+          <a:ext cx="0" cy="0"/>
+          <a:chOff x="0" y="0"/>
+          <a:chExt cx="0" cy="0"/>
+        </a:xfrm>
+      </p:grpSpPr>
+      <p:sp>
+        <p:nvSpPr>
+          <p:cNvPr id="2" name="Title 1">
+            <a:extLst>
+              <a:ext uri="{FF2B5EF4-FFF2-40B4-BE49-F238E27FC236}">
+                <a16:creationId xmlns:a16="http://schemas.microsoft.com/office/drawing/2014/main" id="{398D57C8-3A75-D9DD-FE24-0884619B38C9}"/>
+              </a:ext>
+            </a:extLst>
+          </p:cNvPr>
+          <p:cNvSpPr>
+            <a:spLocks noGrp="1"/>
+          </p:cNvSpPr>
+          <p:nvPr>
+            <p:ph type="title"/>
+          </p:nvPr>
+        </p:nvSpPr>
+        <p:spPr/>
+        <p:txBody>
+          <a:bodyPr/>
+          <a:lstStyle/>
+          <a:p>
+            <a:endParaRPr lang="en-US"/>
+          </a:p>
+        </p:txBody>
+      </p:sp>
+      <p:sp>
+        <p:nvSpPr>
+          <p:cNvPr id="3" name="Content Placeholder 2">
+            <a:extLst>
+              <a:ext uri="{FF2B5EF4-FFF2-40B4-BE49-F238E27FC236}">
+                <a16:creationId xmlns:a16="http://schemas.microsoft.com/office/drawing/2014/main" id="{7DC71633-ECE9-712E-A23C-647CA11181ED}"/>
+              </a:ext>
+            </a:extLst>
+          </p:cNvPr>
+          <p:cNvSpPr>
+            <a:spLocks noGrp="1"/>
+          </p:cNvSpPr>
+          <p:nvPr>
+            <p:ph idx="1"/>
+          </p:nvPr>
+        </p:nvSpPr>
+        <p:spPr/>
+        <p:txBody>
+          <a:bodyPr/>
+          <a:lstStyle/>
+          <a:p>
+            <a:endParaRPr lang="en-US"/>
+          </a:p>
+        </p:txBody>
+      </p:sp>
+      <p:pic>
+        <p:nvPicPr>
+          <p:cNvPr id="5" name="Picture 4">
+            <a:extLst>
+              <a:ext uri="{FF2B5EF4-FFF2-40B4-BE49-F238E27FC236}">
+                <a16:creationId xmlns:a16="http://schemas.microsoft.com/office/drawing/2014/main" id="{5023DF00-AC19-9715-C87E-28EE5EC5FB25}"/>
+              </a:ext>
+            </a:extLst>
+          </p:cNvPr>
+          <p:cNvPicPr>
+            <a:picLocks noChangeAspect="1"/>
+          </p:cNvPicPr>
+          <p:nvPr/>
+        </p:nvPicPr>
+        <p:blipFill>
+          <a:blip r:embed="rId2"/>
+          <a:stretch>
+            <a:fillRect/>
+          </a:stretch>
+        </p:blipFill>
+        <p:spPr>
+          <a:xfrm>
+            <a:off x="0" y="361156"/>
+            <a:ext cx="12192000" cy="6135688"/>
+          </a:xfrm>
+          <a:prstGeom prst="rect">
+            <a:avLst/>
+          </a:prstGeom>
+        </p:spPr>
+      </p:pic>
+    </p:spTree>
+    <p:extLst>
+      <p:ext uri="{BB962C8B-B14F-4D97-AF65-F5344CB8AC3E}">
+        <p14:creationId xmlns:p14="http://schemas.microsoft.com/office/powerpoint/2010/main" val="682331829"/>
+      </p:ext>
+    </p:extLst>
+  </p:cSld>
+  <p:clrMapOvr>
+    <a:masterClrMapping/>
+  </p:clrMapOvr>
+</p:sld>
+</file>
+
+<file path=ppt/slides/slide24.xml><?xml version="1.0" encoding="utf-8"?>
+<p:sld xmlns:a="http://schemas.openxmlformats.org/drawingml/2006/main" xmlns:r="http://schemas.openxmlformats.org/officeDocument/2006/relationships" xmlns:p="http://schemas.openxmlformats.org/presentationml/2006/main">
+  <p:cSld>
+    <p:spTree>
+      <p:nvGrpSpPr>
+        <p:cNvPr id="1" name=""/>
+        <p:cNvGrpSpPr/>
+        <p:nvPr/>
+      </p:nvGrpSpPr>
+      <p:grpSpPr>
+        <a:xfrm>
+          <a:off x="0" y="0"/>
+          <a:ext cx="0" cy="0"/>
+          <a:chOff x="0" y="0"/>
+          <a:chExt cx="0" cy="0"/>
+        </a:xfrm>
+      </p:grpSpPr>
+      <p:sp>
+        <p:nvSpPr>
+          <p:cNvPr id="2" name="Title 1">
+            <a:extLst>
+              <a:ext uri="{FF2B5EF4-FFF2-40B4-BE49-F238E27FC236}">
+                <a16:creationId xmlns:a16="http://schemas.microsoft.com/office/drawing/2014/main" id="{B7447FCC-ABEC-0FF3-C369-E88DA6C8870F}"/>
+              </a:ext>
+            </a:extLst>
+          </p:cNvPr>
+          <p:cNvSpPr>
+            <a:spLocks noGrp="1"/>
+          </p:cNvSpPr>
+          <p:nvPr>
+            <p:ph type="title"/>
+          </p:nvPr>
+        </p:nvSpPr>
+        <p:spPr/>
+        <p:txBody>
+          <a:bodyPr/>
+          <a:lstStyle/>
+          <a:p>
+            <a:r>
+              <a:rPr lang="en-US" dirty="0" err="1"/>
+              <a:t>dMetablicCost</a:t>
+            </a:r>
+            <a:endParaRPr lang="en-US" dirty="0"/>
+          </a:p>
+        </p:txBody>
+      </p:sp>
+      <p:pic>
+        <p:nvPicPr>
+          <p:cNvPr id="5" name="Picture 4">
+            <a:extLst>
+              <a:ext uri="{FF2B5EF4-FFF2-40B4-BE49-F238E27FC236}">
+                <a16:creationId xmlns:a16="http://schemas.microsoft.com/office/drawing/2014/main" id="{ADC453FB-23C0-D313-77FF-61C6E90F5F90}"/>
+              </a:ext>
+            </a:extLst>
+          </p:cNvPr>
+          <p:cNvPicPr>
+            <a:picLocks noChangeAspect="1"/>
+          </p:cNvPicPr>
+          <p:nvPr/>
+        </p:nvPicPr>
+        <p:blipFill>
+          <a:blip r:embed="rId2"/>
+          <a:stretch>
+            <a:fillRect/>
+          </a:stretch>
+        </p:blipFill>
+        <p:spPr>
+          <a:xfrm>
+            <a:off x="1220982" y="1581764"/>
+            <a:ext cx="2950968" cy="4251932"/>
+          </a:xfrm>
+          <a:prstGeom prst="rect">
+            <a:avLst/>
+          </a:prstGeom>
+        </p:spPr>
+      </p:pic>
+      <p:pic>
+        <p:nvPicPr>
+          <p:cNvPr id="7" name="Picture 6">
+            <a:extLst>
+              <a:ext uri="{FF2B5EF4-FFF2-40B4-BE49-F238E27FC236}">
+                <a16:creationId xmlns:a16="http://schemas.microsoft.com/office/drawing/2014/main" id="{FF7AC5AE-676E-F49A-4A9D-894B74A46386}"/>
+              </a:ext>
+            </a:extLst>
+          </p:cNvPr>
+          <p:cNvPicPr>
+            <a:picLocks noChangeAspect="1"/>
+          </p:cNvPicPr>
+          <p:nvPr/>
+        </p:nvPicPr>
+        <p:blipFill>
+          <a:blip r:embed="rId3"/>
+          <a:stretch>
+            <a:fillRect/>
+          </a:stretch>
+        </p:blipFill>
+        <p:spPr>
+          <a:xfrm>
+            <a:off x="5606239" y="1581764"/>
+            <a:ext cx="4046571" cy="4328535"/>
+          </a:xfrm>
+          <a:prstGeom prst="rect">
+            <a:avLst/>
+          </a:prstGeom>
+        </p:spPr>
+      </p:pic>
+    </p:spTree>
+    <p:extLst>
+      <p:ext uri="{BB962C8B-B14F-4D97-AF65-F5344CB8AC3E}">
+        <p14:creationId xmlns:p14="http://schemas.microsoft.com/office/powerpoint/2010/main" val="2786175843"/>
+      </p:ext>
+    </p:extLst>
+  </p:cSld>
+  <p:clrMapOvr>
+    <a:masterClrMapping/>
+  </p:clrMapOvr>
+</p:sld>
+</file>
+
+<file path=ppt/slides/slide25.xml><?xml version="1.0" encoding="utf-8"?>
+<p:sld xmlns:a="http://schemas.openxmlformats.org/drawingml/2006/main" xmlns:r="http://schemas.openxmlformats.org/officeDocument/2006/relationships" xmlns:p="http://schemas.openxmlformats.org/presentationml/2006/main">
+  <p:cSld>
+    <p:spTree>
+      <p:nvGrpSpPr>
+        <p:cNvPr id="1" name=""/>
+        <p:cNvGrpSpPr/>
+        <p:nvPr/>
+      </p:nvGrpSpPr>
+      <p:grpSpPr>
+        <a:xfrm>
+          <a:off x="0" y="0"/>
+          <a:ext cx="0" cy="0"/>
+          <a:chOff x="0" y="0"/>
+          <a:chExt cx="0" cy="0"/>
+        </a:xfrm>
+      </p:grpSpPr>
+      <p:sp>
+        <p:nvSpPr>
+          <p:cNvPr id="2" name="Title 1">
+            <a:extLst>
+              <a:ext uri="{FF2B5EF4-FFF2-40B4-BE49-F238E27FC236}">
+                <a16:creationId xmlns:a16="http://schemas.microsoft.com/office/drawing/2014/main" id="{F289C90F-9CB0-4D8C-1892-305674F391FA}"/>
+              </a:ext>
+            </a:extLst>
+          </p:cNvPr>
+          <p:cNvSpPr>
+            <a:spLocks noGrp="1"/>
+          </p:cNvSpPr>
+          <p:nvPr>
+            <p:ph type="title"/>
+          </p:nvPr>
+        </p:nvSpPr>
+        <p:spPr/>
+        <p:txBody>
+          <a:bodyPr/>
+          <a:lstStyle/>
+          <a:p>
+            <a:endParaRPr lang="en-US"/>
+          </a:p>
+        </p:txBody>
+      </p:sp>
+      <p:pic>
+        <p:nvPicPr>
+          <p:cNvPr id="5" name="Picture 4">
+            <a:extLst>
+              <a:ext uri="{FF2B5EF4-FFF2-40B4-BE49-F238E27FC236}">
+                <a16:creationId xmlns:a16="http://schemas.microsoft.com/office/drawing/2014/main" id="{C0D6EA42-5791-1E7E-684A-CCBFD6AF83C3}"/>
+              </a:ext>
+            </a:extLst>
+          </p:cNvPr>
+          <p:cNvPicPr>
+            <a:picLocks noChangeAspect="1"/>
+          </p:cNvPicPr>
+          <p:nvPr/>
+        </p:nvPicPr>
+        <p:blipFill>
+          <a:blip r:embed="rId2"/>
+          <a:stretch>
+            <a:fillRect/>
+          </a:stretch>
+        </p:blipFill>
+        <p:spPr>
+          <a:xfrm>
+            <a:off x="0" y="44840"/>
+            <a:ext cx="12192000" cy="6768320"/>
+          </a:xfrm>
+          <a:prstGeom prst="rect">
+            <a:avLst/>
+          </a:prstGeom>
+        </p:spPr>
+      </p:pic>
+    </p:spTree>
+    <p:extLst>
+      <p:ext uri="{BB962C8B-B14F-4D97-AF65-F5344CB8AC3E}">
+        <p14:creationId xmlns:p14="http://schemas.microsoft.com/office/powerpoint/2010/main" val="1163068678"/>
+      </p:ext>
+    </p:extLst>
+  </p:cSld>
+  <p:clrMapOvr>
+    <a:masterClrMapping/>
+  </p:clrMapOvr>
+</p:sld>
+</file>
+
+<file path=ppt/slides/slide26.xml><?xml version="1.0" encoding="utf-8"?>
+<p:sld xmlns:a="http://schemas.openxmlformats.org/drawingml/2006/main" xmlns:r="http://schemas.openxmlformats.org/officeDocument/2006/relationships" xmlns:p="http://schemas.openxmlformats.org/presentationml/2006/main">
+  <p:cSld>
+    <p:spTree>
+      <p:nvGrpSpPr>
+        <p:cNvPr id="1" name=""/>
+        <p:cNvGrpSpPr/>
+        <p:nvPr/>
+      </p:nvGrpSpPr>
+      <p:grpSpPr>
+        <a:xfrm>
+          <a:off x="0" y="0"/>
+          <a:ext cx="0" cy="0"/>
+          <a:chOff x="0" y="0"/>
+          <a:chExt cx="0" cy="0"/>
+        </a:xfrm>
+      </p:grpSpPr>
+      <p:sp>
+        <p:nvSpPr>
+          <p:cNvPr id="2" name="Title 1">
+            <a:extLst>
+              <a:ext uri="{FF2B5EF4-FFF2-40B4-BE49-F238E27FC236}">
+                <a16:creationId xmlns:a16="http://schemas.microsoft.com/office/drawing/2014/main" id="{A15ECC13-7468-0B23-F581-302CC09117A3}"/>
+              </a:ext>
+            </a:extLst>
+          </p:cNvPr>
+          <p:cNvSpPr>
+            <a:spLocks noGrp="1"/>
+          </p:cNvSpPr>
+          <p:nvPr>
+            <p:ph type="title"/>
+          </p:nvPr>
+        </p:nvSpPr>
+        <p:spPr/>
+        <p:txBody>
+          <a:bodyPr/>
+          <a:lstStyle/>
+          <a:p>
+            <a:endParaRPr lang="en-US"/>
+          </a:p>
+        </p:txBody>
+      </p:sp>
+      <p:sp>
+        <p:nvSpPr>
+          <p:cNvPr id="3" name="Content Placeholder 2">
+            <a:extLst>
+              <a:ext uri="{FF2B5EF4-FFF2-40B4-BE49-F238E27FC236}">
+                <a16:creationId xmlns:a16="http://schemas.microsoft.com/office/drawing/2014/main" id="{C2121F2F-07C7-2641-8B81-1961849EFB29}"/>
+              </a:ext>
+            </a:extLst>
+          </p:cNvPr>
+          <p:cNvSpPr>
+            <a:spLocks noGrp="1"/>
+          </p:cNvSpPr>
+          <p:nvPr>
+            <p:ph idx="1"/>
+          </p:nvPr>
+        </p:nvSpPr>
+        <p:spPr/>
+        <p:txBody>
+          <a:bodyPr/>
+          <a:lstStyle/>
+          <a:p>
+            <a:endParaRPr lang="en-US"/>
+          </a:p>
+        </p:txBody>
+      </p:sp>
+      <p:pic>
+        <p:nvPicPr>
+          <p:cNvPr id="5" name="Picture 4">
+            <a:extLst>
+              <a:ext uri="{FF2B5EF4-FFF2-40B4-BE49-F238E27FC236}">
+                <a16:creationId xmlns:a16="http://schemas.microsoft.com/office/drawing/2014/main" id="{A4CAEEE1-407F-2E48-EDFE-C1938044F72B}"/>
+              </a:ext>
+            </a:extLst>
+          </p:cNvPr>
+          <p:cNvPicPr>
+            <a:picLocks noChangeAspect="1"/>
+          </p:cNvPicPr>
+          <p:nvPr/>
+        </p:nvPicPr>
+        <p:blipFill>
+          <a:blip r:embed="rId2"/>
+          <a:stretch>
+            <a:fillRect/>
+          </a:stretch>
+        </p:blipFill>
+        <p:spPr>
+          <a:xfrm>
+            <a:off x="0" y="361156"/>
+            <a:ext cx="12192000" cy="6135688"/>
+          </a:xfrm>
+          <a:prstGeom prst="rect">
+            <a:avLst/>
+          </a:prstGeom>
+        </p:spPr>
+      </p:pic>
+    </p:spTree>
+    <p:extLst>
+      <p:ext uri="{BB962C8B-B14F-4D97-AF65-F5344CB8AC3E}">
+        <p14:creationId xmlns:p14="http://schemas.microsoft.com/office/powerpoint/2010/main" val="3423581573"/>
+      </p:ext>
+    </p:extLst>
+  </p:cSld>
+  <p:clrMapOvr>
+    <a:masterClrMapping/>
+  </p:clrMapOvr>
+</p:sld>
+</file>
+
+<file path=ppt/slides/slide27.xml><?xml version="1.0" encoding="utf-8"?>
+<p:sld xmlns:a="http://schemas.openxmlformats.org/drawingml/2006/main" xmlns:r="http://schemas.openxmlformats.org/officeDocument/2006/relationships" xmlns:p="http://schemas.openxmlformats.org/presentationml/2006/main">
+  <p:cSld>
+    <p:spTree>
+      <p:nvGrpSpPr>
+        <p:cNvPr id="1" name=""/>
+        <p:cNvGrpSpPr/>
+        <p:nvPr/>
+      </p:nvGrpSpPr>
+      <p:grpSpPr>
+        <a:xfrm>
+          <a:off x="0" y="0"/>
+          <a:ext cx="0" cy="0"/>
+          <a:chOff x="0" y="0"/>
+          <a:chExt cx="0" cy="0"/>
+        </a:xfrm>
+      </p:grpSpPr>
+      <p:sp>
+        <p:nvSpPr>
+          <p:cNvPr id="2" name="Title 1">
+            <a:extLst>
+              <a:ext uri="{FF2B5EF4-FFF2-40B4-BE49-F238E27FC236}">
+                <a16:creationId xmlns:a16="http://schemas.microsoft.com/office/drawing/2014/main" id="{1BB73FF6-3500-160A-1140-A41CBC37FDEE}"/>
+              </a:ext>
+            </a:extLst>
+          </p:cNvPr>
+          <p:cNvSpPr>
+            <a:spLocks noGrp="1"/>
+          </p:cNvSpPr>
+          <p:nvPr>
+            <p:ph type="title"/>
+          </p:nvPr>
+        </p:nvSpPr>
+        <p:spPr/>
+        <p:txBody>
+          <a:bodyPr/>
+          <a:lstStyle/>
+          <a:p>
+            <a:endParaRPr lang="en-US"/>
+          </a:p>
+        </p:txBody>
+      </p:sp>
+      <p:sp>
+        <p:nvSpPr>
+          <p:cNvPr id="3" name="Content Placeholder 2">
+            <a:extLst>
+              <a:ext uri="{FF2B5EF4-FFF2-40B4-BE49-F238E27FC236}">
+                <a16:creationId xmlns:a16="http://schemas.microsoft.com/office/drawing/2014/main" id="{7780F363-710D-66CA-7CE4-92293CD712E4}"/>
+              </a:ext>
+            </a:extLst>
+          </p:cNvPr>
+          <p:cNvSpPr>
+            <a:spLocks noGrp="1"/>
+          </p:cNvSpPr>
+          <p:nvPr>
+            <p:ph idx="1"/>
+          </p:nvPr>
+        </p:nvSpPr>
+        <p:spPr/>
+        <p:txBody>
+          <a:bodyPr/>
+          <a:lstStyle/>
+          <a:p>
+            <a:endParaRPr lang="en-US"/>
+          </a:p>
+        </p:txBody>
+      </p:sp>
+      <p:pic>
+        <p:nvPicPr>
+          <p:cNvPr id="5" name="Picture 4">
+            <a:extLst>
+              <a:ext uri="{FF2B5EF4-FFF2-40B4-BE49-F238E27FC236}">
+                <a16:creationId xmlns:a16="http://schemas.microsoft.com/office/drawing/2014/main" id="{A76BEE52-E1EE-04E8-12EF-4809A7A359A4}"/>
+              </a:ext>
+            </a:extLst>
+          </p:cNvPr>
+          <p:cNvPicPr>
+            <a:picLocks noChangeAspect="1"/>
+          </p:cNvPicPr>
+          <p:nvPr/>
+        </p:nvPicPr>
+        <p:blipFill>
+          <a:blip r:embed="rId2"/>
+          <a:stretch>
+            <a:fillRect/>
+          </a:stretch>
+        </p:blipFill>
+        <p:spPr>
+          <a:xfrm>
+            <a:off x="856085" y="0"/>
+            <a:ext cx="10479829" cy="6858000"/>
+          </a:xfrm>
+          <a:prstGeom prst="rect">
+            <a:avLst/>
+          </a:prstGeom>
+        </p:spPr>
+      </p:pic>
+    </p:spTree>
+    <p:extLst>
+      <p:ext uri="{BB962C8B-B14F-4D97-AF65-F5344CB8AC3E}">
+        <p14:creationId xmlns:p14="http://schemas.microsoft.com/office/powerpoint/2010/main" val="878897111"/>
+      </p:ext>
+    </p:extLst>
+  </p:cSld>
+  <p:clrMapOvr>
+    <a:masterClrMapping/>
+  </p:clrMapOvr>
+</p:sld>
+</file>
+
+<file path=ppt/slides/slide28.xml><?xml version="1.0" encoding="utf-8"?>
+<p:sld xmlns:a="http://schemas.openxmlformats.org/drawingml/2006/main" xmlns:r="http://schemas.openxmlformats.org/officeDocument/2006/relationships" xmlns:p="http://schemas.openxmlformats.org/presentationml/2006/main">
+  <p:cSld>
+    <p:spTree>
+      <p:nvGrpSpPr>
+        <p:cNvPr id="1" name=""/>
+        <p:cNvGrpSpPr/>
+        <p:nvPr/>
+      </p:nvGrpSpPr>
+      <p:grpSpPr>
+        <a:xfrm>
+          <a:off x="0" y="0"/>
+          <a:ext cx="0" cy="0"/>
+          <a:chOff x="0" y="0"/>
+          <a:chExt cx="0" cy="0"/>
+        </a:xfrm>
+      </p:grpSpPr>
+      <p:sp>
+        <p:nvSpPr>
+          <p:cNvPr id="2" name="Title 1">
+            <a:extLst>
+              <a:ext uri="{FF2B5EF4-FFF2-40B4-BE49-F238E27FC236}">
+                <a16:creationId xmlns:a16="http://schemas.microsoft.com/office/drawing/2014/main" id="{1D9E5C5C-5F7B-E095-3F88-8969D031A023}"/>
+              </a:ext>
+            </a:extLst>
+          </p:cNvPr>
+          <p:cNvSpPr>
+            <a:spLocks noGrp="1"/>
+          </p:cNvSpPr>
+          <p:nvPr>
+            <p:ph type="title"/>
+          </p:nvPr>
+        </p:nvSpPr>
+        <p:spPr/>
+        <p:txBody>
+          <a:bodyPr/>
+          <a:lstStyle/>
+          <a:p>
+            <a:endParaRPr lang="en-US"/>
+          </a:p>
+        </p:txBody>
+      </p:sp>
+      <p:sp>
+        <p:nvSpPr>
+          <p:cNvPr id="3" name="Content Placeholder 2">
+            <a:extLst>
+              <a:ext uri="{FF2B5EF4-FFF2-40B4-BE49-F238E27FC236}">
+                <a16:creationId xmlns:a16="http://schemas.microsoft.com/office/drawing/2014/main" id="{35EC986B-9FD0-C9D0-74CA-854EDE9B9A5E}"/>
+              </a:ext>
+            </a:extLst>
+          </p:cNvPr>
+          <p:cNvSpPr>
+            <a:spLocks noGrp="1"/>
+          </p:cNvSpPr>
+          <p:nvPr>
+            <p:ph idx="1"/>
+          </p:nvPr>
+        </p:nvSpPr>
+        <p:spPr/>
+        <p:txBody>
+          <a:bodyPr/>
+          <a:lstStyle/>
+          <a:p>
+            <a:endParaRPr lang="en-US"/>
+          </a:p>
+        </p:txBody>
+      </p:sp>
+      <p:pic>
+        <p:nvPicPr>
+          <p:cNvPr id="5" name="Picture 4">
+            <a:extLst>
+              <a:ext uri="{FF2B5EF4-FFF2-40B4-BE49-F238E27FC236}">
+                <a16:creationId xmlns:a16="http://schemas.microsoft.com/office/drawing/2014/main" id="{F516BB06-4375-40F3-8A61-0EFD43268C69}"/>
+              </a:ext>
+            </a:extLst>
+          </p:cNvPr>
+          <p:cNvPicPr>
+            <a:picLocks noChangeAspect="1"/>
+          </p:cNvPicPr>
+          <p:nvPr/>
+        </p:nvPicPr>
+        <p:blipFill>
+          <a:blip r:embed="rId2"/>
+          <a:stretch>
+            <a:fillRect/>
+          </a:stretch>
+        </p:blipFill>
+        <p:spPr>
+          <a:xfrm>
+            <a:off x="1245935" y="0"/>
+            <a:ext cx="9700130" cy="6858000"/>
+          </a:xfrm>
+          <a:prstGeom prst="rect">
+            <a:avLst/>
+          </a:prstGeom>
+        </p:spPr>
+      </p:pic>
+    </p:spTree>
+    <p:extLst>
+      <p:ext uri="{BB962C8B-B14F-4D97-AF65-F5344CB8AC3E}">
+        <p14:creationId xmlns:p14="http://schemas.microsoft.com/office/powerpoint/2010/main" val="3566650808"/>
+      </p:ext>
+    </p:extLst>
+  </p:cSld>
+  <p:clrMapOvr>
+    <a:masterClrMapping/>
+  </p:clrMapOvr>
+</p:sld>
+</file>
+
+<file path=ppt/slides/slide29.xml><?xml version="1.0" encoding="utf-8"?>
+<p:sld xmlns:a="http://schemas.openxmlformats.org/drawingml/2006/main" xmlns:r="http://schemas.openxmlformats.org/officeDocument/2006/relationships" xmlns:p="http://schemas.openxmlformats.org/presentationml/2006/main">
+  <p:cSld>
+    <p:spTree>
+      <p:nvGrpSpPr>
+        <p:cNvPr id="1" name=""/>
+        <p:cNvGrpSpPr/>
+        <p:nvPr/>
+      </p:nvGrpSpPr>
+      <p:grpSpPr>
+        <a:xfrm>
+          <a:off x="0" y="0"/>
+          <a:ext cx="0" cy="0"/>
+          <a:chOff x="0" y="0"/>
+          <a:chExt cx="0" cy="0"/>
+        </a:xfrm>
+      </p:grpSpPr>
+      <p:sp>
+        <p:nvSpPr>
+          <p:cNvPr id="2" name="Title 1">
+            <a:extLst>
+              <a:ext uri="{FF2B5EF4-FFF2-40B4-BE49-F238E27FC236}">
+                <a16:creationId xmlns:a16="http://schemas.microsoft.com/office/drawing/2014/main" id="{98B53C03-555F-9AD9-6A52-44C14C23AACE}"/>
+              </a:ext>
+            </a:extLst>
+          </p:cNvPr>
+          <p:cNvSpPr>
+            <a:spLocks noGrp="1"/>
+          </p:cNvSpPr>
+          <p:nvPr>
+            <p:ph type="title"/>
+          </p:nvPr>
+        </p:nvSpPr>
+        <p:spPr/>
+        <p:txBody>
+          <a:bodyPr/>
+          <a:lstStyle/>
+          <a:p>
+            <a:endParaRPr lang="en-US"/>
+          </a:p>
+        </p:txBody>
+      </p:sp>
+      <p:sp>
+        <p:nvSpPr>
+          <p:cNvPr id="3" name="Content Placeholder 2">
+            <a:extLst>
+              <a:ext uri="{FF2B5EF4-FFF2-40B4-BE49-F238E27FC236}">
+                <a16:creationId xmlns:a16="http://schemas.microsoft.com/office/drawing/2014/main" id="{B185FAB7-79ED-5CAB-B585-6057520279FF}"/>
+              </a:ext>
+            </a:extLst>
+          </p:cNvPr>
+          <p:cNvSpPr>
+            <a:spLocks noGrp="1"/>
+          </p:cNvSpPr>
+          <p:nvPr>
+            <p:ph idx="1"/>
+          </p:nvPr>
+        </p:nvSpPr>
+        <p:spPr/>
+        <p:txBody>
+          <a:bodyPr/>
+          <a:lstStyle/>
+          <a:p>
+            <a:endParaRPr lang="en-US" dirty="0"/>
+          </a:p>
+        </p:txBody>
+      </p:sp>
+      <p:pic>
+        <p:nvPicPr>
+          <p:cNvPr id="5" name="Picture 4">
+            <a:extLst>
+              <a:ext uri="{FF2B5EF4-FFF2-40B4-BE49-F238E27FC236}">
+                <a16:creationId xmlns:a16="http://schemas.microsoft.com/office/drawing/2014/main" id="{5187CFF8-40DD-B98E-7420-CBBAE8B3BFA0}"/>
+              </a:ext>
+            </a:extLst>
+          </p:cNvPr>
+          <p:cNvPicPr>
+            <a:picLocks noChangeAspect="1"/>
+          </p:cNvPicPr>
+          <p:nvPr/>
+        </p:nvPicPr>
+        <p:blipFill>
+          <a:blip r:embed="rId2"/>
+          <a:stretch>
+            <a:fillRect/>
+          </a:stretch>
+        </p:blipFill>
+        <p:spPr>
+          <a:xfrm>
+            <a:off x="1245935" y="0"/>
+            <a:ext cx="9700130" cy="6858000"/>
+          </a:xfrm>
+          <a:prstGeom prst="rect">
+            <a:avLst/>
+          </a:prstGeom>
+        </p:spPr>
+      </p:pic>
+    </p:spTree>
+    <p:extLst>
+      <p:ext uri="{BB962C8B-B14F-4D97-AF65-F5344CB8AC3E}">
+        <p14:creationId xmlns:p14="http://schemas.microsoft.com/office/powerpoint/2010/main" val="2829043636"/>
       </p:ext>
     </p:extLst>
   </p:cSld>
@@ -3538,10 +6327,280 @@
       </p:grpSpPr>
       <p:pic>
         <p:nvPicPr>
-          <p:cNvPr id="8" name="Picture 7">
-            <a:extLst>
-              <a:ext uri="{FF2B5EF4-FFF2-40B4-BE49-F238E27FC236}">
-                <a16:creationId xmlns:a16="http://schemas.microsoft.com/office/drawing/2014/main" id="{2FFA706D-D187-EBFF-8E60-FC829EA3EE89}"/>
+          <p:cNvPr id="2" name="Picture 1">
+            <a:extLst>
+              <a:ext uri="{FF2B5EF4-FFF2-40B4-BE49-F238E27FC236}">
+                <a16:creationId xmlns:a16="http://schemas.microsoft.com/office/drawing/2014/main" id="{398C1F36-A713-3368-6AF1-9DB817EF5BF9}"/>
+              </a:ext>
+            </a:extLst>
+          </p:cNvPr>
+          <p:cNvPicPr>
+            <a:picLocks noChangeAspect="1"/>
+          </p:cNvPicPr>
+          <p:nvPr/>
+        </p:nvPicPr>
+        <p:blipFill>
+          <a:blip r:embed="rId2">
+            <a:extLst>
+              <a:ext uri="{28A0092B-C50C-407E-A947-70E740481C1C}">
+                <a14:useLocalDpi xmlns:a14="http://schemas.microsoft.com/office/drawing/2010/main" val="0"/>
+              </a:ext>
+            </a:extLst>
+          </a:blip>
+          <a:srcRect/>
+          <a:stretch>
+            <a:fillRect/>
+          </a:stretch>
+        </p:blipFill>
+        <p:spPr bwMode="auto">
+          <a:xfrm>
+            <a:off x="752620" y="3311013"/>
+            <a:ext cx="5086962" cy="3183070"/>
+          </a:xfrm>
+          <a:prstGeom prst="rect">
+            <a:avLst/>
+          </a:prstGeom>
+          <a:noFill/>
+        </p:spPr>
+      </p:pic>
+      <p:pic>
+        <p:nvPicPr>
+          <p:cNvPr id="3" name="Picture 2">
+            <a:extLst>
+              <a:ext uri="{FF2B5EF4-FFF2-40B4-BE49-F238E27FC236}">
+                <a16:creationId xmlns:a16="http://schemas.microsoft.com/office/drawing/2014/main" id="{5E0E7154-826C-5F75-5E96-593281340B10}"/>
+              </a:ext>
+            </a:extLst>
+          </p:cNvPr>
+          <p:cNvPicPr>
+            <a:picLocks noChangeAspect="1"/>
+          </p:cNvPicPr>
+          <p:nvPr/>
+        </p:nvPicPr>
+        <p:blipFill>
+          <a:blip r:embed="rId3">
+            <a:extLst>
+              <a:ext uri="{28A0092B-C50C-407E-A947-70E740481C1C}">
+                <a14:useLocalDpi xmlns:a14="http://schemas.microsoft.com/office/drawing/2010/main" val="0"/>
+              </a:ext>
+            </a:extLst>
+          </a:blip>
+          <a:srcRect/>
+          <a:stretch>
+            <a:fillRect/>
+          </a:stretch>
+        </p:blipFill>
+        <p:spPr bwMode="auto">
+          <a:xfrm>
+            <a:off x="752620" y="127942"/>
+            <a:ext cx="5086801" cy="3183071"/>
+          </a:xfrm>
+          <a:prstGeom prst="rect">
+            <a:avLst/>
+          </a:prstGeom>
+          <a:noFill/>
+        </p:spPr>
+      </p:pic>
+      <p:pic>
+        <p:nvPicPr>
+          <p:cNvPr id="6" name="Picture 5">
+            <a:extLst>
+              <a:ext uri="{FF2B5EF4-FFF2-40B4-BE49-F238E27FC236}">
+                <a16:creationId xmlns:a16="http://schemas.microsoft.com/office/drawing/2014/main" id="{1D97A5C4-B69B-EF49-9E99-E4A9C8F0EB7A}"/>
+              </a:ext>
+            </a:extLst>
+          </p:cNvPr>
+          <p:cNvPicPr>
+            <a:picLocks noChangeAspect="1"/>
+          </p:cNvPicPr>
+          <p:nvPr/>
+        </p:nvPicPr>
+        <p:blipFill>
+          <a:blip r:embed="rId4"/>
+          <a:stretch>
+            <a:fillRect/>
+          </a:stretch>
+        </p:blipFill>
+        <p:spPr>
+          <a:xfrm>
+            <a:off x="6699313" y="1321887"/>
+            <a:ext cx="3276884" cy="4214225"/>
+          </a:xfrm>
+          <a:prstGeom prst="rect">
+            <a:avLst/>
+          </a:prstGeom>
+        </p:spPr>
+      </p:pic>
+      <p:cxnSp>
+        <p:nvCxnSpPr>
+          <p:cNvPr id="10" name="Straight Arrow Connector 9">
+            <a:extLst>
+              <a:ext uri="{FF2B5EF4-FFF2-40B4-BE49-F238E27FC236}">
+                <a16:creationId xmlns:a16="http://schemas.microsoft.com/office/drawing/2014/main" id="{0A714630-B5D1-D169-99BA-CB58D5F02E49}"/>
+              </a:ext>
+            </a:extLst>
+          </p:cNvPr>
+          <p:cNvCxnSpPr/>
+          <p:nvPr/>
+        </p:nvCxnSpPr>
+        <p:spPr>
+          <a:xfrm flipH="1">
+            <a:off x="9530200" y="2025446"/>
+            <a:ext cx="452284" cy="344129"/>
+          </a:xfrm>
+          <a:prstGeom prst="straightConnector1">
+            <a:avLst/>
+          </a:prstGeom>
+          <a:ln w="57150">
+            <a:solidFill>
+              <a:srgbClr val="FF0000"/>
+            </a:solidFill>
+            <a:tailEnd type="triangle"/>
+          </a:ln>
+        </p:spPr>
+        <p:style>
+          <a:lnRef idx="2">
+            <a:schemeClr val="accent1"/>
+          </a:lnRef>
+          <a:fillRef idx="0">
+            <a:schemeClr val="accent1"/>
+          </a:fillRef>
+          <a:effectRef idx="1">
+            <a:schemeClr val="accent1"/>
+          </a:effectRef>
+          <a:fontRef idx="minor">
+            <a:schemeClr val="tx1"/>
+          </a:fontRef>
+        </p:style>
+      </p:cxnSp>
+      <p:cxnSp>
+        <p:nvCxnSpPr>
+          <p:cNvPr id="11" name="Straight Arrow Connector 10">
+            <a:extLst>
+              <a:ext uri="{FF2B5EF4-FFF2-40B4-BE49-F238E27FC236}">
+                <a16:creationId xmlns:a16="http://schemas.microsoft.com/office/drawing/2014/main" id="{5B04E33A-BA70-FC63-1DFB-CA2BE62DD5E5}"/>
+              </a:ext>
+            </a:extLst>
+          </p:cNvPr>
+          <p:cNvCxnSpPr/>
+          <p:nvPr/>
+        </p:nvCxnSpPr>
+        <p:spPr>
+          <a:xfrm flipH="1">
+            <a:off x="9613775" y="3311013"/>
+            <a:ext cx="452284" cy="344129"/>
+          </a:xfrm>
+          <a:prstGeom prst="straightConnector1">
+            <a:avLst/>
+          </a:prstGeom>
+          <a:ln w="57150">
+            <a:solidFill>
+              <a:srgbClr val="FF0000"/>
+            </a:solidFill>
+            <a:tailEnd type="triangle"/>
+          </a:ln>
+        </p:spPr>
+        <p:style>
+          <a:lnRef idx="2">
+            <a:schemeClr val="accent1"/>
+          </a:lnRef>
+          <a:fillRef idx="0">
+            <a:schemeClr val="accent1"/>
+          </a:fillRef>
+          <a:effectRef idx="1">
+            <a:schemeClr val="accent1"/>
+          </a:effectRef>
+          <a:fontRef idx="minor">
+            <a:schemeClr val="tx1"/>
+          </a:fontRef>
+        </p:style>
+      </p:cxnSp>
+    </p:spTree>
+    <p:extLst>
+      <p:ext uri="{BB962C8B-B14F-4D97-AF65-F5344CB8AC3E}">
+        <p14:creationId xmlns:p14="http://schemas.microsoft.com/office/powerpoint/2010/main" val="801888281"/>
+      </p:ext>
+    </p:extLst>
+  </p:cSld>
+  <p:clrMapOvr>
+    <a:masterClrMapping/>
+  </p:clrMapOvr>
+</p:sld>
+</file>
+
+<file path=ppt/slides/slide30.xml><?xml version="1.0" encoding="utf-8"?>
+<p:sld xmlns:a="http://schemas.openxmlformats.org/drawingml/2006/main" xmlns:r="http://schemas.openxmlformats.org/officeDocument/2006/relationships" xmlns:p="http://schemas.openxmlformats.org/presentationml/2006/main">
+  <p:cSld>
+    <p:spTree>
+      <p:nvGrpSpPr>
+        <p:cNvPr id="1" name=""/>
+        <p:cNvGrpSpPr/>
+        <p:nvPr/>
+      </p:nvGrpSpPr>
+      <p:grpSpPr>
+        <a:xfrm>
+          <a:off x="0" y="0"/>
+          <a:ext cx="0" cy="0"/>
+          <a:chOff x="0" y="0"/>
+          <a:chExt cx="0" cy="0"/>
+        </a:xfrm>
+      </p:grpSpPr>
+      <p:sp>
+        <p:nvSpPr>
+          <p:cNvPr id="2" name="Title 1">
+            <a:extLst>
+              <a:ext uri="{FF2B5EF4-FFF2-40B4-BE49-F238E27FC236}">
+                <a16:creationId xmlns:a16="http://schemas.microsoft.com/office/drawing/2014/main" id="{37ABFDA1-FCF8-CA4D-5C27-1BE6CAC654A1}"/>
+              </a:ext>
+            </a:extLst>
+          </p:cNvPr>
+          <p:cNvSpPr>
+            <a:spLocks noGrp="1"/>
+          </p:cNvSpPr>
+          <p:nvPr>
+            <p:ph type="title"/>
+          </p:nvPr>
+        </p:nvSpPr>
+        <p:spPr/>
+        <p:txBody>
+          <a:bodyPr/>
+          <a:lstStyle/>
+          <a:p>
+            <a:endParaRPr lang="en-US"/>
+          </a:p>
+        </p:txBody>
+      </p:sp>
+      <p:sp>
+        <p:nvSpPr>
+          <p:cNvPr id="3" name="Content Placeholder 2">
+            <a:extLst>
+              <a:ext uri="{FF2B5EF4-FFF2-40B4-BE49-F238E27FC236}">
+                <a16:creationId xmlns:a16="http://schemas.microsoft.com/office/drawing/2014/main" id="{C9F358B0-1285-2890-7E34-8DF11AF936E6}"/>
+              </a:ext>
+            </a:extLst>
+          </p:cNvPr>
+          <p:cNvSpPr>
+            <a:spLocks noGrp="1"/>
+          </p:cNvSpPr>
+          <p:nvPr>
+            <p:ph idx="1"/>
+          </p:nvPr>
+        </p:nvSpPr>
+        <p:spPr/>
+        <p:txBody>
+          <a:bodyPr/>
+          <a:lstStyle/>
+          <a:p>
+            <a:endParaRPr lang="en-US"/>
+          </a:p>
+        </p:txBody>
+      </p:sp>
+      <p:pic>
+        <p:nvPicPr>
+          <p:cNvPr id="5" name="Picture 4">
+            <a:extLst>
+              <a:ext uri="{FF2B5EF4-FFF2-40B4-BE49-F238E27FC236}">
+                <a16:creationId xmlns:a16="http://schemas.microsoft.com/office/drawing/2014/main" id="{69983F88-EC74-E66B-5472-2E6AB894447B}"/>
               </a:ext>
             </a:extLst>
           </p:cNvPr>
@@ -3558,8 +6617,8 @@
         </p:blipFill>
         <p:spPr>
           <a:xfrm>
-            <a:off x="38100" y="285750"/>
-            <a:ext cx="12115800" cy="6286500"/>
+            <a:off x="1245935" y="0"/>
+            <a:ext cx="9700130" cy="6858000"/>
           </a:xfrm>
           <a:prstGeom prst="rect">
             <a:avLst/>
@@ -3569,7 +6628,1006 @@
     </p:spTree>
     <p:extLst>
       <p:ext uri="{BB962C8B-B14F-4D97-AF65-F5344CB8AC3E}">
-        <p14:creationId xmlns:p14="http://schemas.microsoft.com/office/powerpoint/2010/main" val="546085493"/>
+        <p14:creationId xmlns:p14="http://schemas.microsoft.com/office/powerpoint/2010/main" val="3746078401"/>
+      </p:ext>
+    </p:extLst>
+  </p:cSld>
+  <p:clrMapOvr>
+    <a:masterClrMapping/>
+  </p:clrMapOvr>
+</p:sld>
+</file>
+
+<file path=ppt/slides/slide31.xml><?xml version="1.0" encoding="utf-8"?>
+<p:sld xmlns:a="http://schemas.openxmlformats.org/drawingml/2006/main" xmlns:r="http://schemas.openxmlformats.org/officeDocument/2006/relationships" xmlns:p="http://schemas.openxmlformats.org/presentationml/2006/main">
+  <p:cSld>
+    <p:spTree>
+      <p:nvGrpSpPr>
+        <p:cNvPr id="1" name=""/>
+        <p:cNvGrpSpPr/>
+        <p:nvPr/>
+      </p:nvGrpSpPr>
+      <p:grpSpPr>
+        <a:xfrm>
+          <a:off x="0" y="0"/>
+          <a:ext cx="0" cy="0"/>
+          <a:chOff x="0" y="0"/>
+          <a:chExt cx="0" cy="0"/>
+        </a:xfrm>
+      </p:grpSpPr>
+      <p:sp>
+        <p:nvSpPr>
+          <p:cNvPr id="2" name="Title 1">
+            <a:extLst>
+              <a:ext uri="{FF2B5EF4-FFF2-40B4-BE49-F238E27FC236}">
+                <a16:creationId xmlns:a16="http://schemas.microsoft.com/office/drawing/2014/main" id="{E7467750-C5B4-0D5B-0D10-25AC98DECA00}"/>
+              </a:ext>
+            </a:extLst>
+          </p:cNvPr>
+          <p:cNvSpPr>
+            <a:spLocks noGrp="1"/>
+          </p:cNvSpPr>
+          <p:nvPr>
+            <p:ph type="title"/>
+          </p:nvPr>
+        </p:nvSpPr>
+        <p:spPr/>
+        <p:txBody>
+          <a:bodyPr/>
+          <a:lstStyle/>
+          <a:p>
+            <a:endParaRPr lang="en-US"/>
+          </a:p>
+        </p:txBody>
+      </p:sp>
+      <p:sp>
+        <p:nvSpPr>
+          <p:cNvPr id="3" name="Content Placeholder 2">
+            <a:extLst>
+              <a:ext uri="{FF2B5EF4-FFF2-40B4-BE49-F238E27FC236}">
+                <a16:creationId xmlns:a16="http://schemas.microsoft.com/office/drawing/2014/main" id="{7FBCB280-9826-AD77-6FD9-6691DFF49F0B}"/>
+              </a:ext>
+            </a:extLst>
+          </p:cNvPr>
+          <p:cNvSpPr>
+            <a:spLocks noGrp="1"/>
+          </p:cNvSpPr>
+          <p:nvPr>
+            <p:ph idx="1"/>
+          </p:nvPr>
+        </p:nvSpPr>
+        <p:spPr/>
+        <p:txBody>
+          <a:bodyPr/>
+          <a:lstStyle/>
+          <a:p>
+            <a:endParaRPr lang="en-US"/>
+          </a:p>
+        </p:txBody>
+      </p:sp>
+      <p:pic>
+        <p:nvPicPr>
+          <p:cNvPr id="5" name="Picture 4">
+            <a:extLst>
+              <a:ext uri="{FF2B5EF4-FFF2-40B4-BE49-F238E27FC236}">
+                <a16:creationId xmlns:a16="http://schemas.microsoft.com/office/drawing/2014/main" id="{5B92A020-4F74-94E9-069C-DF0899EBD558}"/>
+              </a:ext>
+            </a:extLst>
+          </p:cNvPr>
+          <p:cNvPicPr>
+            <a:picLocks noChangeAspect="1"/>
+          </p:cNvPicPr>
+          <p:nvPr/>
+        </p:nvPicPr>
+        <p:blipFill>
+          <a:blip r:embed="rId2"/>
+          <a:stretch>
+            <a:fillRect/>
+          </a:stretch>
+        </p:blipFill>
+        <p:spPr>
+          <a:xfrm>
+            <a:off x="0" y="361156"/>
+            <a:ext cx="12192000" cy="6135688"/>
+          </a:xfrm>
+          <a:prstGeom prst="rect">
+            <a:avLst/>
+          </a:prstGeom>
+        </p:spPr>
+      </p:pic>
+    </p:spTree>
+    <p:extLst>
+      <p:ext uri="{BB962C8B-B14F-4D97-AF65-F5344CB8AC3E}">
+        <p14:creationId xmlns:p14="http://schemas.microsoft.com/office/powerpoint/2010/main" val="883160861"/>
+      </p:ext>
+    </p:extLst>
+  </p:cSld>
+  <p:clrMapOvr>
+    <a:masterClrMapping/>
+  </p:clrMapOvr>
+</p:sld>
+</file>
+
+<file path=ppt/slides/slide32.xml><?xml version="1.0" encoding="utf-8"?>
+<p:sld xmlns:a="http://schemas.openxmlformats.org/drawingml/2006/main" xmlns:r="http://schemas.openxmlformats.org/officeDocument/2006/relationships" xmlns:p="http://schemas.openxmlformats.org/presentationml/2006/main">
+  <p:cSld>
+    <p:spTree>
+      <p:nvGrpSpPr>
+        <p:cNvPr id="1" name=""/>
+        <p:cNvGrpSpPr/>
+        <p:nvPr/>
+      </p:nvGrpSpPr>
+      <p:grpSpPr>
+        <a:xfrm>
+          <a:off x="0" y="0"/>
+          <a:ext cx="0" cy="0"/>
+          <a:chOff x="0" y="0"/>
+          <a:chExt cx="0" cy="0"/>
+        </a:xfrm>
+      </p:grpSpPr>
+      <p:sp>
+        <p:nvSpPr>
+          <p:cNvPr id="2" name="Title 1">
+            <a:extLst>
+              <a:ext uri="{FF2B5EF4-FFF2-40B4-BE49-F238E27FC236}">
+                <a16:creationId xmlns:a16="http://schemas.microsoft.com/office/drawing/2014/main" id="{4E3905B0-65D3-BC0A-0B56-B41D5F8EEC90}"/>
+              </a:ext>
+            </a:extLst>
+          </p:cNvPr>
+          <p:cNvSpPr>
+            <a:spLocks noGrp="1"/>
+          </p:cNvSpPr>
+          <p:nvPr>
+            <p:ph type="title"/>
+          </p:nvPr>
+        </p:nvSpPr>
+        <p:spPr/>
+        <p:txBody>
+          <a:bodyPr/>
+          <a:lstStyle/>
+          <a:p>
+            <a:endParaRPr lang="en-US"/>
+          </a:p>
+        </p:txBody>
+      </p:sp>
+      <p:sp>
+        <p:nvSpPr>
+          <p:cNvPr id="3" name="Content Placeholder 2">
+            <a:extLst>
+              <a:ext uri="{FF2B5EF4-FFF2-40B4-BE49-F238E27FC236}">
+                <a16:creationId xmlns:a16="http://schemas.microsoft.com/office/drawing/2014/main" id="{31036A47-B19A-9978-852D-3244D7DAD17A}"/>
+              </a:ext>
+            </a:extLst>
+          </p:cNvPr>
+          <p:cNvSpPr>
+            <a:spLocks noGrp="1"/>
+          </p:cNvSpPr>
+          <p:nvPr>
+            <p:ph idx="1"/>
+          </p:nvPr>
+        </p:nvSpPr>
+        <p:spPr/>
+        <p:txBody>
+          <a:bodyPr/>
+          <a:lstStyle/>
+          <a:p>
+            <a:endParaRPr lang="en-US"/>
+          </a:p>
+        </p:txBody>
+      </p:sp>
+      <p:pic>
+        <p:nvPicPr>
+          <p:cNvPr id="5" name="Picture 4">
+            <a:extLst>
+              <a:ext uri="{FF2B5EF4-FFF2-40B4-BE49-F238E27FC236}">
+                <a16:creationId xmlns:a16="http://schemas.microsoft.com/office/drawing/2014/main" id="{3528182C-1E3C-7960-8397-B89498728FA6}"/>
+              </a:ext>
+            </a:extLst>
+          </p:cNvPr>
+          <p:cNvPicPr>
+            <a:picLocks noChangeAspect="1"/>
+          </p:cNvPicPr>
+          <p:nvPr/>
+        </p:nvPicPr>
+        <p:blipFill>
+          <a:blip r:embed="rId2"/>
+          <a:stretch>
+            <a:fillRect/>
+          </a:stretch>
+        </p:blipFill>
+        <p:spPr>
+          <a:xfrm>
+            <a:off x="0" y="361156"/>
+            <a:ext cx="12192000" cy="6135688"/>
+          </a:xfrm>
+          <a:prstGeom prst="rect">
+            <a:avLst/>
+          </a:prstGeom>
+        </p:spPr>
+      </p:pic>
+    </p:spTree>
+    <p:extLst>
+      <p:ext uri="{BB962C8B-B14F-4D97-AF65-F5344CB8AC3E}">
+        <p14:creationId xmlns:p14="http://schemas.microsoft.com/office/powerpoint/2010/main" val="644122953"/>
+      </p:ext>
+    </p:extLst>
+  </p:cSld>
+  <p:clrMapOvr>
+    <a:masterClrMapping/>
+  </p:clrMapOvr>
+</p:sld>
+</file>
+
+<file path=ppt/slides/slide33.xml><?xml version="1.0" encoding="utf-8"?>
+<p:sld xmlns:a="http://schemas.openxmlformats.org/drawingml/2006/main" xmlns:r="http://schemas.openxmlformats.org/officeDocument/2006/relationships" xmlns:p="http://schemas.openxmlformats.org/presentationml/2006/main">
+  <p:cSld>
+    <p:spTree>
+      <p:nvGrpSpPr>
+        <p:cNvPr id="1" name=""/>
+        <p:cNvGrpSpPr/>
+        <p:nvPr/>
+      </p:nvGrpSpPr>
+      <p:grpSpPr>
+        <a:xfrm>
+          <a:off x="0" y="0"/>
+          <a:ext cx="0" cy="0"/>
+          <a:chOff x="0" y="0"/>
+          <a:chExt cx="0" cy="0"/>
+        </a:xfrm>
+      </p:grpSpPr>
+      <p:sp>
+        <p:nvSpPr>
+          <p:cNvPr id="2" name="Title 1">
+            <a:extLst>
+              <a:ext uri="{FF2B5EF4-FFF2-40B4-BE49-F238E27FC236}">
+                <a16:creationId xmlns:a16="http://schemas.microsoft.com/office/drawing/2014/main" id="{E6AA1B40-4827-E69E-15D2-B23E8059204C}"/>
+              </a:ext>
+            </a:extLst>
+          </p:cNvPr>
+          <p:cNvSpPr>
+            <a:spLocks noGrp="1"/>
+          </p:cNvSpPr>
+          <p:nvPr>
+            <p:ph type="title"/>
+          </p:nvPr>
+        </p:nvSpPr>
+        <p:spPr/>
+        <p:txBody>
+          <a:bodyPr/>
+          <a:lstStyle/>
+          <a:p>
+            <a:endParaRPr lang="en-US"/>
+          </a:p>
+        </p:txBody>
+      </p:sp>
+      <p:sp>
+        <p:nvSpPr>
+          <p:cNvPr id="3" name="Content Placeholder 2">
+            <a:extLst>
+              <a:ext uri="{FF2B5EF4-FFF2-40B4-BE49-F238E27FC236}">
+                <a16:creationId xmlns:a16="http://schemas.microsoft.com/office/drawing/2014/main" id="{A5545D55-573E-C4A7-7AA5-98D6BBE81B99}"/>
+              </a:ext>
+            </a:extLst>
+          </p:cNvPr>
+          <p:cNvSpPr>
+            <a:spLocks noGrp="1"/>
+          </p:cNvSpPr>
+          <p:nvPr>
+            <p:ph idx="1"/>
+          </p:nvPr>
+        </p:nvSpPr>
+        <p:spPr/>
+        <p:txBody>
+          <a:bodyPr/>
+          <a:lstStyle/>
+          <a:p>
+            <a:endParaRPr lang="en-US"/>
+          </a:p>
+        </p:txBody>
+      </p:sp>
+      <p:pic>
+        <p:nvPicPr>
+          <p:cNvPr id="5" name="Picture 4">
+            <a:extLst>
+              <a:ext uri="{FF2B5EF4-FFF2-40B4-BE49-F238E27FC236}">
+                <a16:creationId xmlns:a16="http://schemas.microsoft.com/office/drawing/2014/main" id="{F450F8C0-6C3A-0662-E279-FF23D3E40FAF}"/>
+              </a:ext>
+            </a:extLst>
+          </p:cNvPr>
+          <p:cNvPicPr>
+            <a:picLocks noChangeAspect="1"/>
+          </p:cNvPicPr>
+          <p:nvPr/>
+        </p:nvPicPr>
+        <p:blipFill>
+          <a:blip r:embed="rId2"/>
+          <a:stretch>
+            <a:fillRect/>
+          </a:stretch>
+        </p:blipFill>
+        <p:spPr>
+          <a:xfrm>
+            <a:off x="0" y="361156"/>
+            <a:ext cx="12192000" cy="6135688"/>
+          </a:xfrm>
+          <a:prstGeom prst="rect">
+            <a:avLst/>
+          </a:prstGeom>
+        </p:spPr>
+      </p:pic>
+    </p:spTree>
+    <p:extLst>
+      <p:ext uri="{BB962C8B-B14F-4D97-AF65-F5344CB8AC3E}">
+        <p14:creationId xmlns:p14="http://schemas.microsoft.com/office/powerpoint/2010/main" val="1645045618"/>
+      </p:ext>
+    </p:extLst>
+  </p:cSld>
+  <p:clrMapOvr>
+    <a:masterClrMapping/>
+  </p:clrMapOvr>
+</p:sld>
+</file>
+
+<file path=ppt/slides/slide34.xml><?xml version="1.0" encoding="utf-8"?>
+<p:sld xmlns:a="http://schemas.openxmlformats.org/drawingml/2006/main" xmlns:r="http://schemas.openxmlformats.org/officeDocument/2006/relationships" xmlns:p="http://schemas.openxmlformats.org/presentationml/2006/main">
+  <p:cSld>
+    <p:spTree>
+      <p:nvGrpSpPr>
+        <p:cNvPr id="1" name=""/>
+        <p:cNvGrpSpPr/>
+        <p:nvPr/>
+      </p:nvGrpSpPr>
+      <p:grpSpPr>
+        <a:xfrm>
+          <a:off x="0" y="0"/>
+          <a:ext cx="0" cy="0"/>
+          <a:chOff x="0" y="0"/>
+          <a:chExt cx="0" cy="0"/>
+        </a:xfrm>
+      </p:grpSpPr>
+      <p:sp>
+        <p:nvSpPr>
+          <p:cNvPr id="2" name="Title 1">
+            <a:extLst>
+              <a:ext uri="{FF2B5EF4-FFF2-40B4-BE49-F238E27FC236}">
+                <a16:creationId xmlns:a16="http://schemas.microsoft.com/office/drawing/2014/main" id="{5F3784E3-9D7A-7DB7-3F51-6F2C2B34709C}"/>
+              </a:ext>
+            </a:extLst>
+          </p:cNvPr>
+          <p:cNvSpPr>
+            <a:spLocks noGrp="1"/>
+          </p:cNvSpPr>
+          <p:nvPr>
+            <p:ph type="title"/>
+          </p:nvPr>
+        </p:nvSpPr>
+        <p:spPr/>
+        <p:txBody>
+          <a:bodyPr/>
+          <a:lstStyle/>
+          <a:p>
+            <a:r>
+              <a:rPr lang="en-US" dirty="0" err="1"/>
+              <a:t>dFracKilled</a:t>
+            </a:r>
+            <a:endParaRPr lang="en-US" dirty="0"/>
+          </a:p>
+        </p:txBody>
+      </p:sp>
+      <p:pic>
+        <p:nvPicPr>
+          <p:cNvPr id="5" name="Picture 4">
+            <a:extLst>
+              <a:ext uri="{FF2B5EF4-FFF2-40B4-BE49-F238E27FC236}">
+                <a16:creationId xmlns:a16="http://schemas.microsoft.com/office/drawing/2014/main" id="{293352B8-0D55-7EB4-06C5-305E73BFB6C6}"/>
+              </a:ext>
+            </a:extLst>
+          </p:cNvPr>
+          <p:cNvPicPr>
+            <a:picLocks noChangeAspect="1"/>
+          </p:cNvPicPr>
+          <p:nvPr/>
+        </p:nvPicPr>
+        <p:blipFill>
+          <a:blip r:embed="rId2"/>
+          <a:stretch>
+            <a:fillRect/>
+          </a:stretch>
+        </p:blipFill>
+        <p:spPr>
+          <a:xfrm>
+            <a:off x="1313447" y="1690688"/>
+            <a:ext cx="3292125" cy="4305673"/>
+          </a:xfrm>
+          <a:prstGeom prst="rect">
+            <a:avLst/>
+          </a:prstGeom>
+        </p:spPr>
+      </p:pic>
+      <p:pic>
+        <p:nvPicPr>
+          <p:cNvPr id="7" name="Picture 6">
+            <a:extLst>
+              <a:ext uri="{FF2B5EF4-FFF2-40B4-BE49-F238E27FC236}">
+                <a16:creationId xmlns:a16="http://schemas.microsoft.com/office/drawing/2014/main" id="{4606842A-3DF5-6DB7-FB8B-8D1BF7E72900}"/>
+              </a:ext>
+            </a:extLst>
+          </p:cNvPr>
+          <p:cNvPicPr>
+            <a:picLocks noChangeAspect="1"/>
+          </p:cNvPicPr>
+          <p:nvPr/>
+        </p:nvPicPr>
+        <p:blipFill>
+          <a:blip r:embed="rId3"/>
+          <a:stretch>
+            <a:fillRect/>
+          </a:stretch>
+        </p:blipFill>
+        <p:spPr>
+          <a:xfrm>
+            <a:off x="5750833" y="1294414"/>
+            <a:ext cx="4092295" cy="4701947"/>
+          </a:xfrm>
+          <a:prstGeom prst="rect">
+            <a:avLst/>
+          </a:prstGeom>
+        </p:spPr>
+      </p:pic>
+    </p:spTree>
+    <p:extLst>
+      <p:ext uri="{BB962C8B-B14F-4D97-AF65-F5344CB8AC3E}">
+        <p14:creationId xmlns:p14="http://schemas.microsoft.com/office/powerpoint/2010/main" val="1887117523"/>
+      </p:ext>
+    </p:extLst>
+  </p:cSld>
+  <p:clrMapOvr>
+    <a:masterClrMapping/>
+  </p:clrMapOvr>
+</p:sld>
+</file>
+
+<file path=ppt/slides/slide35.xml><?xml version="1.0" encoding="utf-8"?>
+<p:sld xmlns:a="http://schemas.openxmlformats.org/drawingml/2006/main" xmlns:r="http://schemas.openxmlformats.org/officeDocument/2006/relationships" xmlns:p="http://schemas.openxmlformats.org/presentationml/2006/main">
+  <p:cSld>
+    <p:spTree>
+      <p:nvGrpSpPr>
+        <p:cNvPr id="1" name=""/>
+        <p:cNvGrpSpPr/>
+        <p:nvPr/>
+      </p:nvGrpSpPr>
+      <p:grpSpPr>
+        <a:xfrm>
+          <a:off x="0" y="0"/>
+          <a:ext cx="0" cy="0"/>
+          <a:chOff x="0" y="0"/>
+          <a:chExt cx="0" cy="0"/>
+        </a:xfrm>
+      </p:grpSpPr>
+      <p:sp>
+        <p:nvSpPr>
+          <p:cNvPr id="2" name="Title 1">
+            <a:extLst>
+              <a:ext uri="{FF2B5EF4-FFF2-40B4-BE49-F238E27FC236}">
+                <a16:creationId xmlns:a16="http://schemas.microsoft.com/office/drawing/2014/main" id="{B315BFC8-5909-8770-78FF-F3DBFB29C105}"/>
+              </a:ext>
+            </a:extLst>
+          </p:cNvPr>
+          <p:cNvSpPr>
+            <a:spLocks noGrp="1"/>
+          </p:cNvSpPr>
+          <p:nvPr>
+            <p:ph type="title"/>
+          </p:nvPr>
+        </p:nvSpPr>
+        <p:spPr/>
+        <p:txBody>
+          <a:bodyPr/>
+          <a:lstStyle/>
+          <a:p>
+            <a:endParaRPr lang="en-US"/>
+          </a:p>
+        </p:txBody>
+      </p:sp>
+      <p:sp>
+        <p:nvSpPr>
+          <p:cNvPr id="3" name="Content Placeholder 2">
+            <a:extLst>
+              <a:ext uri="{FF2B5EF4-FFF2-40B4-BE49-F238E27FC236}">
+                <a16:creationId xmlns:a16="http://schemas.microsoft.com/office/drawing/2014/main" id="{AC3EB4FD-05D8-064C-D5F3-CC200B9B5194}"/>
+              </a:ext>
+            </a:extLst>
+          </p:cNvPr>
+          <p:cNvSpPr>
+            <a:spLocks noGrp="1"/>
+          </p:cNvSpPr>
+          <p:nvPr>
+            <p:ph idx="1"/>
+          </p:nvPr>
+        </p:nvSpPr>
+        <p:spPr/>
+        <p:txBody>
+          <a:bodyPr/>
+          <a:lstStyle/>
+          <a:p>
+            <a:endParaRPr lang="en-US"/>
+          </a:p>
+        </p:txBody>
+      </p:sp>
+      <p:pic>
+        <p:nvPicPr>
+          <p:cNvPr id="5" name="Picture 4">
+            <a:extLst>
+              <a:ext uri="{FF2B5EF4-FFF2-40B4-BE49-F238E27FC236}">
+                <a16:creationId xmlns:a16="http://schemas.microsoft.com/office/drawing/2014/main" id="{676E2440-E6EE-0401-0063-149441BBEAD2}"/>
+              </a:ext>
+            </a:extLst>
+          </p:cNvPr>
+          <p:cNvPicPr>
+            <a:picLocks noChangeAspect="1"/>
+          </p:cNvPicPr>
+          <p:nvPr/>
+        </p:nvPicPr>
+        <p:blipFill>
+          <a:blip r:embed="rId2"/>
+          <a:stretch>
+            <a:fillRect/>
+          </a:stretch>
+        </p:blipFill>
+        <p:spPr>
+          <a:xfrm>
+            <a:off x="585787" y="261937"/>
+            <a:ext cx="11020425" cy="6334125"/>
+          </a:xfrm>
+          <a:prstGeom prst="rect">
+            <a:avLst/>
+          </a:prstGeom>
+        </p:spPr>
+      </p:pic>
+    </p:spTree>
+    <p:extLst>
+      <p:ext uri="{BB962C8B-B14F-4D97-AF65-F5344CB8AC3E}">
+        <p14:creationId xmlns:p14="http://schemas.microsoft.com/office/powerpoint/2010/main" val="386482367"/>
+      </p:ext>
+    </p:extLst>
+  </p:cSld>
+  <p:clrMapOvr>
+    <a:masterClrMapping/>
+  </p:clrMapOvr>
+</p:sld>
+</file>
+
+<file path=ppt/slides/slide36.xml><?xml version="1.0" encoding="utf-8"?>
+<p:sld xmlns:a="http://schemas.openxmlformats.org/drawingml/2006/main" xmlns:r="http://schemas.openxmlformats.org/officeDocument/2006/relationships" xmlns:p="http://schemas.openxmlformats.org/presentationml/2006/main">
+  <p:cSld>
+    <p:spTree>
+      <p:nvGrpSpPr>
+        <p:cNvPr id="1" name=""/>
+        <p:cNvGrpSpPr/>
+        <p:nvPr/>
+      </p:nvGrpSpPr>
+      <p:grpSpPr>
+        <a:xfrm>
+          <a:off x="0" y="0"/>
+          <a:ext cx="0" cy="0"/>
+          <a:chOff x="0" y="0"/>
+          <a:chExt cx="0" cy="0"/>
+        </a:xfrm>
+      </p:grpSpPr>
+      <p:sp>
+        <p:nvSpPr>
+          <p:cNvPr id="2" name="Title 1">
+            <a:extLst>
+              <a:ext uri="{FF2B5EF4-FFF2-40B4-BE49-F238E27FC236}">
+                <a16:creationId xmlns:a16="http://schemas.microsoft.com/office/drawing/2014/main" id="{984A21B8-6A93-F75A-648A-1DEDE8D99072}"/>
+              </a:ext>
+            </a:extLst>
+          </p:cNvPr>
+          <p:cNvSpPr>
+            <a:spLocks noGrp="1"/>
+          </p:cNvSpPr>
+          <p:nvPr>
+            <p:ph type="title"/>
+          </p:nvPr>
+        </p:nvSpPr>
+        <p:spPr/>
+        <p:txBody>
+          <a:bodyPr/>
+          <a:lstStyle/>
+          <a:p>
+            <a:endParaRPr lang="en-US"/>
+          </a:p>
+        </p:txBody>
+      </p:sp>
+      <p:sp>
+        <p:nvSpPr>
+          <p:cNvPr id="3" name="Content Placeholder 2">
+            <a:extLst>
+              <a:ext uri="{FF2B5EF4-FFF2-40B4-BE49-F238E27FC236}">
+                <a16:creationId xmlns:a16="http://schemas.microsoft.com/office/drawing/2014/main" id="{0E878FDD-23E1-F36A-A629-0BEF9846CAF9}"/>
+              </a:ext>
+            </a:extLst>
+          </p:cNvPr>
+          <p:cNvSpPr>
+            <a:spLocks noGrp="1"/>
+          </p:cNvSpPr>
+          <p:nvPr>
+            <p:ph idx="1"/>
+          </p:nvPr>
+        </p:nvSpPr>
+        <p:spPr/>
+        <p:txBody>
+          <a:bodyPr/>
+          <a:lstStyle/>
+          <a:p>
+            <a:endParaRPr lang="en-US"/>
+          </a:p>
+        </p:txBody>
+      </p:sp>
+      <p:pic>
+        <p:nvPicPr>
+          <p:cNvPr id="5" name="Picture 4">
+            <a:extLst>
+              <a:ext uri="{FF2B5EF4-FFF2-40B4-BE49-F238E27FC236}">
+                <a16:creationId xmlns:a16="http://schemas.microsoft.com/office/drawing/2014/main" id="{D9442D66-8CC9-F255-5C60-D5DA37A04647}"/>
+              </a:ext>
+            </a:extLst>
+          </p:cNvPr>
+          <p:cNvPicPr>
+            <a:picLocks noChangeAspect="1"/>
+          </p:cNvPicPr>
+          <p:nvPr/>
+        </p:nvPicPr>
+        <p:blipFill>
+          <a:blip r:embed="rId2"/>
+          <a:stretch>
+            <a:fillRect/>
+          </a:stretch>
+        </p:blipFill>
+        <p:spPr>
+          <a:xfrm>
+            <a:off x="585787" y="261937"/>
+            <a:ext cx="11020425" cy="6334125"/>
+          </a:xfrm>
+          <a:prstGeom prst="rect">
+            <a:avLst/>
+          </a:prstGeom>
+        </p:spPr>
+      </p:pic>
+    </p:spTree>
+    <p:extLst>
+      <p:ext uri="{BB962C8B-B14F-4D97-AF65-F5344CB8AC3E}">
+        <p14:creationId xmlns:p14="http://schemas.microsoft.com/office/powerpoint/2010/main" val="4019597971"/>
+      </p:ext>
+    </p:extLst>
+  </p:cSld>
+  <p:clrMapOvr>
+    <a:masterClrMapping/>
+  </p:clrMapOvr>
+</p:sld>
+</file>
+
+<file path=ppt/slides/slide37.xml><?xml version="1.0" encoding="utf-8"?>
+<p:sld xmlns:a="http://schemas.openxmlformats.org/drawingml/2006/main" xmlns:r="http://schemas.openxmlformats.org/officeDocument/2006/relationships" xmlns:p="http://schemas.openxmlformats.org/presentationml/2006/main">
+  <p:cSld>
+    <p:spTree>
+      <p:nvGrpSpPr>
+        <p:cNvPr id="1" name=""/>
+        <p:cNvGrpSpPr/>
+        <p:nvPr/>
+      </p:nvGrpSpPr>
+      <p:grpSpPr>
+        <a:xfrm>
+          <a:off x="0" y="0"/>
+          <a:ext cx="0" cy="0"/>
+          <a:chOff x="0" y="0"/>
+          <a:chExt cx="0" cy="0"/>
+        </a:xfrm>
+      </p:grpSpPr>
+      <p:sp>
+        <p:nvSpPr>
+          <p:cNvPr id="2" name="Title 1">
+            <a:extLst>
+              <a:ext uri="{FF2B5EF4-FFF2-40B4-BE49-F238E27FC236}">
+                <a16:creationId xmlns:a16="http://schemas.microsoft.com/office/drawing/2014/main" id="{BA3F1C38-3E23-139C-AA9E-4F72E33286ED}"/>
+              </a:ext>
+            </a:extLst>
+          </p:cNvPr>
+          <p:cNvSpPr>
+            <a:spLocks noGrp="1"/>
+          </p:cNvSpPr>
+          <p:nvPr>
+            <p:ph type="title"/>
+          </p:nvPr>
+        </p:nvSpPr>
+        <p:spPr/>
+        <p:txBody>
+          <a:bodyPr/>
+          <a:lstStyle/>
+          <a:p>
+            <a:endParaRPr lang="en-US"/>
+          </a:p>
+        </p:txBody>
+      </p:sp>
+      <p:sp>
+        <p:nvSpPr>
+          <p:cNvPr id="3" name="Content Placeholder 2">
+            <a:extLst>
+              <a:ext uri="{FF2B5EF4-FFF2-40B4-BE49-F238E27FC236}">
+                <a16:creationId xmlns:a16="http://schemas.microsoft.com/office/drawing/2014/main" id="{36F8A955-D0A7-CEE9-E80B-8BEBCFBF4971}"/>
+              </a:ext>
+            </a:extLst>
+          </p:cNvPr>
+          <p:cNvSpPr>
+            <a:spLocks noGrp="1"/>
+          </p:cNvSpPr>
+          <p:nvPr>
+            <p:ph idx="1"/>
+          </p:nvPr>
+        </p:nvSpPr>
+        <p:spPr/>
+        <p:txBody>
+          <a:bodyPr/>
+          <a:lstStyle/>
+          <a:p>
+            <a:endParaRPr lang="en-US"/>
+          </a:p>
+        </p:txBody>
+      </p:sp>
+      <p:pic>
+        <p:nvPicPr>
+          <p:cNvPr id="5" name="Picture 4">
+            <a:extLst>
+              <a:ext uri="{FF2B5EF4-FFF2-40B4-BE49-F238E27FC236}">
+                <a16:creationId xmlns:a16="http://schemas.microsoft.com/office/drawing/2014/main" id="{32D5D750-3542-4349-3097-2FC4FD7F969A}"/>
+              </a:ext>
+            </a:extLst>
+          </p:cNvPr>
+          <p:cNvPicPr>
+            <a:picLocks noChangeAspect="1"/>
+          </p:cNvPicPr>
+          <p:nvPr/>
+        </p:nvPicPr>
+        <p:blipFill>
+          <a:blip r:embed="rId2"/>
+          <a:stretch>
+            <a:fillRect/>
+          </a:stretch>
+        </p:blipFill>
+        <p:spPr>
+          <a:xfrm>
+            <a:off x="585787" y="261937"/>
+            <a:ext cx="11020425" cy="6334125"/>
+          </a:xfrm>
+          <a:prstGeom prst="rect">
+            <a:avLst/>
+          </a:prstGeom>
+        </p:spPr>
+      </p:pic>
+    </p:spTree>
+    <p:extLst>
+      <p:ext uri="{BB962C8B-B14F-4D97-AF65-F5344CB8AC3E}">
+        <p14:creationId xmlns:p14="http://schemas.microsoft.com/office/powerpoint/2010/main" val="1502885475"/>
+      </p:ext>
+    </p:extLst>
+  </p:cSld>
+  <p:clrMapOvr>
+    <a:masterClrMapping/>
+  </p:clrMapOvr>
+</p:sld>
+</file>
+
+<file path=ppt/slides/slide38.xml><?xml version="1.0" encoding="utf-8"?>
+<p:sld xmlns:a="http://schemas.openxmlformats.org/drawingml/2006/main" xmlns:r="http://schemas.openxmlformats.org/officeDocument/2006/relationships" xmlns:p="http://schemas.openxmlformats.org/presentationml/2006/main">
+  <p:cSld>
+    <p:spTree>
+      <p:nvGrpSpPr>
+        <p:cNvPr id="1" name=""/>
+        <p:cNvGrpSpPr/>
+        <p:nvPr/>
+      </p:nvGrpSpPr>
+      <p:grpSpPr>
+        <a:xfrm>
+          <a:off x="0" y="0"/>
+          <a:ext cx="0" cy="0"/>
+          <a:chOff x="0" y="0"/>
+          <a:chExt cx="0" cy="0"/>
+        </a:xfrm>
+      </p:grpSpPr>
+      <p:sp>
+        <p:nvSpPr>
+          <p:cNvPr id="2" name="Title 1">
+            <a:extLst>
+              <a:ext uri="{FF2B5EF4-FFF2-40B4-BE49-F238E27FC236}">
+                <a16:creationId xmlns:a16="http://schemas.microsoft.com/office/drawing/2014/main" id="{CC997D75-F4EE-C6DB-5F08-D0906DE8EDC3}"/>
+              </a:ext>
+            </a:extLst>
+          </p:cNvPr>
+          <p:cNvSpPr>
+            <a:spLocks noGrp="1"/>
+          </p:cNvSpPr>
+          <p:nvPr>
+            <p:ph type="title"/>
+          </p:nvPr>
+        </p:nvSpPr>
+        <p:spPr/>
+        <p:txBody>
+          <a:bodyPr/>
+          <a:lstStyle/>
+          <a:p>
+            <a:endParaRPr lang="en-US"/>
+          </a:p>
+        </p:txBody>
+      </p:sp>
+      <p:sp>
+        <p:nvSpPr>
+          <p:cNvPr id="3" name="Content Placeholder 2">
+            <a:extLst>
+              <a:ext uri="{FF2B5EF4-FFF2-40B4-BE49-F238E27FC236}">
+                <a16:creationId xmlns:a16="http://schemas.microsoft.com/office/drawing/2014/main" id="{D7CEFE33-B738-CD4C-1D18-85AD416800D6}"/>
+              </a:ext>
+            </a:extLst>
+          </p:cNvPr>
+          <p:cNvSpPr>
+            <a:spLocks noGrp="1"/>
+          </p:cNvSpPr>
+          <p:nvPr>
+            <p:ph idx="1"/>
+          </p:nvPr>
+        </p:nvSpPr>
+        <p:spPr/>
+        <p:txBody>
+          <a:bodyPr/>
+          <a:lstStyle/>
+          <a:p>
+            <a:endParaRPr lang="en-US" dirty="0"/>
+          </a:p>
+        </p:txBody>
+      </p:sp>
+      <p:pic>
+        <p:nvPicPr>
+          <p:cNvPr id="7" name="Picture 6">
+            <a:extLst>
+              <a:ext uri="{FF2B5EF4-FFF2-40B4-BE49-F238E27FC236}">
+                <a16:creationId xmlns:a16="http://schemas.microsoft.com/office/drawing/2014/main" id="{D58BB31F-931B-A753-C5A1-7CEDCCA805ED}"/>
+              </a:ext>
+            </a:extLst>
+          </p:cNvPr>
+          <p:cNvPicPr>
+            <a:picLocks noChangeAspect="1"/>
+          </p:cNvPicPr>
+          <p:nvPr/>
+        </p:nvPicPr>
+        <p:blipFill>
+          <a:blip r:embed="rId2"/>
+          <a:stretch>
+            <a:fillRect/>
+          </a:stretch>
+        </p:blipFill>
+        <p:spPr>
+          <a:xfrm>
+            <a:off x="457200" y="295275"/>
+            <a:ext cx="11277600" cy="6267450"/>
+          </a:xfrm>
+          <a:prstGeom prst="rect">
+            <a:avLst/>
+          </a:prstGeom>
+        </p:spPr>
+      </p:pic>
+    </p:spTree>
+    <p:extLst>
+      <p:ext uri="{BB962C8B-B14F-4D97-AF65-F5344CB8AC3E}">
+        <p14:creationId xmlns:p14="http://schemas.microsoft.com/office/powerpoint/2010/main" val="4069997432"/>
+      </p:ext>
+    </p:extLst>
+  </p:cSld>
+  <p:clrMapOvr>
+    <a:masterClrMapping/>
+  </p:clrMapOvr>
+</p:sld>
+</file>
+
+<file path=ppt/slides/slide39.xml><?xml version="1.0" encoding="utf-8"?>
+<p:sld xmlns:a="http://schemas.openxmlformats.org/drawingml/2006/main" xmlns:r="http://schemas.openxmlformats.org/officeDocument/2006/relationships" xmlns:p="http://schemas.openxmlformats.org/presentationml/2006/main">
+  <p:cSld>
+    <p:spTree>
+      <p:nvGrpSpPr>
+        <p:cNvPr id="1" name=""/>
+        <p:cNvGrpSpPr/>
+        <p:nvPr/>
+      </p:nvGrpSpPr>
+      <p:grpSpPr>
+        <a:xfrm>
+          <a:off x="0" y="0"/>
+          <a:ext cx="0" cy="0"/>
+          <a:chOff x="0" y="0"/>
+          <a:chExt cx="0" cy="0"/>
+        </a:xfrm>
+      </p:grpSpPr>
+      <p:sp>
+        <p:nvSpPr>
+          <p:cNvPr id="2" name="Title 1">
+            <a:extLst>
+              <a:ext uri="{FF2B5EF4-FFF2-40B4-BE49-F238E27FC236}">
+                <a16:creationId xmlns:a16="http://schemas.microsoft.com/office/drawing/2014/main" id="{8A5C80A0-D1B6-F366-ED58-1AF47AEBFF25}"/>
+              </a:ext>
+            </a:extLst>
+          </p:cNvPr>
+          <p:cNvSpPr>
+            <a:spLocks noGrp="1"/>
+          </p:cNvSpPr>
+          <p:nvPr>
+            <p:ph type="title"/>
+          </p:nvPr>
+        </p:nvSpPr>
+        <p:spPr/>
+        <p:txBody>
+          <a:bodyPr/>
+          <a:lstStyle/>
+          <a:p>
+            <a:endParaRPr lang="en-US"/>
+          </a:p>
+        </p:txBody>
+      </p:sp>
+      <p:sp>
+        <p:nvSpPr>
+          <p:cNvPr id="3" name="Content Placeholder 2">
+            <a:extLst>
+              <a:ext uri="{FF2B5EF4-FFF2-40B4-BE49-F238E27FC236}">
+                <a16:creationId xmlns:a16="http://schemas.microsoft.com/office/drawing/2014/main" id="{AB330ABC-ACA2-D263-6CCA-F640BF7B3146}"/>
+              </a:ext>
+            </a:extLst>
+          </p:cNvPr>
+          <p:cNvSpPr>
+            <a:spLocks noGrp="1"/>
+          </p:cNvSpPr>
+          <p:nvPr>
+            <p:ph idx="1"/>
+          </p:nvPr>
+        </p:nvSpPr>
+        <p:spPr/>
+        <p:txBody>
+          <a:bodyPr/>
+          <a:lstStyle/>
+          <a:p>
+            <a:endParaRPr lang="en-US"/>
+          </a:p>
+        </p:txBody>
+      </p:sp>
+      <p:pic>
+        <p:nvPicPr>
+          <p:cNvPr id="4" name="Picture 3">
+            <a:extLst>
+              <a:ext uri="{FF2B5EF4-FFF2-40B4-BE49-F238E27FC236}">
+                <a16:creationId xmlns:a16="http://schemas.microsoft.com/office/drawing/2014/main" id="{CB95DB40-2A37-7BDB-6B47-02AEC2075527}"/>
+              </a:ext>
+            </a:extLst>
+          </p:cNvPr>
+          <p:cNvPicPr>
+            <a:picLocks noChangeAspect="1"/>
+          </p:cNvPicPr>
+          <p:nvPr/>
+        </p:nvPicPr>
+        <p:blipFill>
+          <a:blip r:embed="rId2"/>
+          <a:stretch>
+            <a:fillRect/>
+          </a:stretch>
+        </p:blipFill>
+        <p:spPr>
+          <a:xfrm>
+            <a:off x="585787" y="261937"/>
+            <a:ext cx="11020425" cy="6334125"/>
+          </a:xfrm>
+          <a:prstGeom prst="rect">
+            <a:avLst/>
+          </a:prstGeom>
+        </p:spPr>
+      </p:pic>
+    </p:spTree>
+    <p:extLst>
+      <p:ext uri="{BB962C8B-B14F-4D97-AF65-F5344CB8AC3E}">
+        <p14:creationId xmlns:p14="http://schemas.microsoft.com/office/powerpoint/2010/main" val="54393266"/>
       </p:ext>
     </p:extLst>
   </p:cSld>
@@ -3601,7 +7659,7 @@
           <p:cNvPr id="2" name="Title 1">
             <a:extLst>
               <a:ext uri="{FF2B5EF4-FFF2-40B4-BE49-F238E27FC236}">
-                <a16:creationId xmlns:a16="http://schemas.microsoft.com/office/drawing/2014/main" id="{AE2168C2-429C-BC25-B484-3998DCDCE52D}"/>
+                <a16:creationId xmlns:a16="http://schemas.microsoft.com/office/drawing/2014/main" id="{5CE0750E-6C55-FFCF-CFBE-38B14840687C}"/>
               </a:ext>
             </a:extLst>
           </p:cNvPr>
@@ -3617,7 +7675,7 @@
           <a:bodyPr/>
           <a:lstStyle/>
           <a:p>
-            <a:endParaRPr lang="en-IN"/>
+            <a:endParaRPr lang="en-US"/>
           </a:p>
         </p:txBody>
       </p:sp>
@@ -3626,7 +7684,7 @@
           <p:cNvPr id="3" name="Content Placeholder 2">
             <a:extLst>
               <a:ext uri="{FF2B5EF4-FFF2-40B4-BE49-F238E27FC236}">
-                <a16:creationId xmlns:a16="http://schemas.microsoft.com/office/drawing/2014/main" id="{FBDD70BE-2BFC-63A5-7339-AE6EE84BE566}"/>
+                <a16:creationId xmlns:a16="http://schemas.microsoft.com/office/drawing/2014/main" id="{7915DDB9-6F05-927A-EB1D-8E6B4540CDEF}"/>
               </a:ext>
             </a:extLst>
           </p:cNvPr>
@@ -3642,16 +7700,16 @@
           <a:bodyPr/>
           <a:lstStyle/>
           <a:p>
-            <a:endParaRPr lang="en-IN"/>
+            <a:endParaRPr lang="en-US"/>
           </a:p>
         </p:txBody>
       </p:sp>
       <p:pic>
         <p:nvPicPr>
-          <p:cNvPr id="6" name="Picture 5">
-            <a:extLst>
-              <a:ext uri="{FF2B5EF4-FFF2-40B4-BE49-F238E27FC236}">
-                <a16:creationId xmlns:a16="http://schemas.microsoft.com/office/drawing/2014/main" id="{24545C48-BB4A-C577-BE6F-42C82EFB1914}"/>
+          <p:cNvPr id="5" name="Picture 4">
+            <a:extLst>
+              <a:ext uri="{FF2B5EF4-FFF2-40B4-BE49-F238E27FC236}">
+                <a16:creationId xmlns:a16="http://schemas.microsoft.com/office/drawing/2014/main" id="{63E70738-6D52-9D9E-B9F6-1FF342765620}"/>
               </a:ext>
             </a:extLst>
           </p:cNvPr>
@@ -3668,8 +7726,8 @@
         </p:blipFill>
         <p:spPr>
           <a:xfrm>
-            <a:off x="38100" y="285750"/>
-            <a:ext cx="12115800" cy="6286500"/>
+            <a:off x="0" y="384721"/>
+            <a:ext cx="12192000" cy="6088557"/>
           </a:xfrm>
           <a:prstGeom prst="rect">
             <a:avLst/>
@@ -3679,7 +7737,1062 @@
     </p:spTree>
     <p:extLst>
       <p:ext uri="{BB962C8B-B14F-4D97-AF65-F5344CB8AC3E}">
-        <p14:creationId xmlns:p14="http://schemas.microsoft.com/office/powerpoint/2010/main" val="65508476"/>
+        <p14:creationId xmlns:p14="http://schemas.microsoft.com/office/powerpoint/2010/main" val="3968044091"/>
+      </p:ext>
+    </p:extLst>
+  </p:cSld>
+  <p:clrMapOvr>
+    <a:masterClrMapping/>
+  </p:clrMapOvr>
+</p:sld>
+</file>
+
+<file path=ppt/slides/slide40.xml><?xml version="1.0" encoding="utf-8"?>
+<p:sld xmlns:a="http://schemas.openxmlformats.org/drawingml/2006/main" xmlns:r="http://schemas.openxmlformats.org/officeDocument/2006/relationships" xmlns:p="http://schemas.openxmlformats.org/presentationml/2006/main">
+  <p:cSld>
+    <p:spTree>
+      <p:nvGrpSpPr>
+        <p:cNvPr id="1" name=""/>
+        <p:cNvGrpSpPr/>
+        <p:nvPr/>
+      </p:nvGrpSpPr>
+      <p:grpSpPr>
+        <a:xfrm>
+          <a:off x="0" y="0"/>
+          <a:ext cx="0" cy="0"/>
+          <a:chOff x="0" y="0"/>
+          <a:chExt cx="0" cy="0"/>
+        </a:xfrm>
+      </p:grpSpPr>
+      <p:sp>
+        <p:nvSpPr>
+          <p:cNvPr id="2" name="Title 1">
+            <a:extLst>
+              <a:ext uri="{FF2B5EF4-FFF2-40B4-BE49-F238E27FC236}">
+                <a16:creationId xmlns:a16="http://schemas.microsoft.com/office/drawing/2014/main" id="{A87415A6-D2FE-2F46-E9FF-6E70DDA8EDDF}"/>
+              </a:ext>
+            </a:extLst>
+          </p:cNvPr>
+          <p:cNvSpPr>
+            <a:spLocks noGrp="1"/>
+          </p:cNvSpPr>
+          <p:nvPr>
+            <p:ph type="title"/>
+          </p:nvPr>
+        </p:nvSpPr>
+        <p:spPr/>
+        <p:txBody>
+          <a:bodyPr/>
+          <a:lstStyle/>
+          <a:p>
+            <a:endParaRPr lang="en-US"/>
+          </a:p>
+        </p:txBody>
+      </p:sp>
+      <p:pic>
+        <p:nvPicPr>
+          <p:cNvPr id="5" name="Content Placeholder 4">
+            <a:extLst>
+              <a:ext uri="{FF2B5EF4-FFF2-40B4-BE49-F238E27FC236}">
+                <a16:creationId xmlns:a16="http://schemas.microsoft.com/office/drawing/2014/main" id="{1E8DCDCB-DA39-4CAD-DEC2-5991A71B77A7}"/>
+              </a:ext>
+            </a:extLst>
+          </p:cNvPr>
+          <p:cNvPicPr>
+            <a:picLocks noGrp="1" noChangeAspect="1"/>
+          </p:cNvPicPr>
+          <p:nvPr>
+            <p:ph idx="1"/>
+          </p:nvPr>
+        </p:nvPicPr>
+        <p:blipFill>
+          <a:blip r:embed="rId2"/>
+          <a:stretch>
+            <a:fillRect/>
+          </a:stretch>
+        </p:blipFill>
+        <p:spPr>
+          <a:xfrm>
+            <a:off x="176981" y="624348"/>
+            <a:ext cx="11694451" cy="5868527"/>
+          </a:xfrm>
+        </p:spPr>
+      </p:pic>
+    </p:spTree>
+    <p:extLst>
+      <p:ext uri="{BB962C8B-B14F-4D97-AF65-F5344CB8AC3E}">
+        <p14:creationId xmlns:p14="http://schemas.microsoft.com/office/powerpoint/2010/main" val="3870722268"/>
+      </p:ext>
+    </p:extLst>
+  </p:cSld>
+  <p:clrMapOvr>
+    <a:masterClrMapping/>
+  </p:clrMapOvr>
+</p:sld>
+</file>
+
+<file path=ppt/slides/slide41.xml><?xml version="1.0" encoding="utf-8"?>
+<p:sld xmlns:a="http://schemas.openxmlformats.org/drawingml/2006/main" xmlns:r="http://schemas.openxmlformats.org/officeDocument/2006/relationships" xmlns:p="http://schemas.openxmlformats.org/presentationml/2006/main">
+  <p:cSld>
+    <p:spTree>
+      <p:nvGrpSpPr>
+        <p:cNvPr id="1" name=""/>
+        <p:cNvGrpSpPr/>
+        <p:nvPr/>
+      </p:nvGrpSpPr>
+      <p:grpSpPr>
+        <a:xfrm>
+          <a:off x="0" y="0"/>
+          <a:ext cx="0" cy="0"/>
+          <a:chOff x="0" y="0"/>
+          <a:chExt cx="0" cy="0"/>
+        </a:xfrm>
+      </p:grpSpPr>
+      <p:sp>
+        <p:nvSpPr>
+          <p:cNvPr id="2" name="Title 1">
+            <a:extLst>
+              <a:ext uri="{FF2B5EF4-FFF2-40B4-BE49-F238E27FC236}">
+                <a16:creationId xmlns:a16="http://schemas.microsoft.com/office/drawing/2014/main" id="{8AD66B46-DF78-FBC1-63D1-78633815E508}"/>
+              </a:ext>
+            </a:extLst>
+          </p:cNvPr>
+          <p:cNvSpPr>
+            <a:spLocks noGrp="1"/>
+          </p:cNvSpPr>
+          <p:nvPr>
+            <p:ph type="title"/>
+          </p:nvPr>
+        </p:nvSpPr>
+        <p:spPr/>
+        <p:txBody>
+          <a:bodyPr/>
+          <a:lstStyle/>
+          <a:p>
+            <a:endParaRPr lang="en-US"/>
+          </a:p>
+        </p:txBody>
+      </p:sp>
+      <p:sp>
+        <p:nvSpPr>
+          <p:cNvPr id="3" name="Content Placeholder 2">
+            <a:extLst>
+              <a:ext uri="{FF2B5EF4-FFF2-40B4-BE49-F238E27FC236}">
+                <a16:creationId xmlns:a16="http://schemas.microsoft.com/office/drawing/2014/main" id="{6E4204EE-D454-5C3B-E8FE-6DE64A40857D}"/>
+              </a:ext>
+            </a:extLst>
+          </p:cNvPr>
+          <p:cNvSpPr>
+            <a:spLocks noGrp="1"/>
+          </p:cNvSpPr>
+          <p:nvPr>
+            <p:ph idx="1"/>
+          </p:nvPr>
+        </p:nvSpPr>
+        <p:spPr/>
+        <p:txBody>
+          <a:bodyPr/>
+          <a:lstStyle/>
+          <a:p>
+            <a:endParaRPr lang="en-US"/>
+          </a:p>
+        </p:txBody>
+      </p:sp>
+      <p:pic>
+        <p:nvPicPr>
+          <p:cNvPr id="5" name="Picture 4">
+            <a:extLst>
+              <a:ext uri="{FF2B5EF4-FFF2-40B4-BE49-F238E27FC236}">
+                <a16:creationId xmlns:a16="http://schemas.microsoft.com/office/drawing/2014/main" id="{7D0FFD13-D762-6317-9059-CB17D5B287EE}"/>
+              </a:ext>
+            </a:extLst>
+          </p:cNvPr>
+          <p:cNvPicPr>
+            <a:picLocks noChangeAspect="1"/>
+          </p:cNvPicPr>
+          <p:nvPr/>
+        </p:nvPicPr>
+        <p:blipFill>
+          <a:blip r:embed="rId2"/>
+          <a:stretch>
+            <a:fillRect/>
+          </a:stretch>
+        </p:blipFill>
+        <p:spPr>
+          <a:xfrm>
+            <a:off x="866775" y="804862"/>
+            <a:ext cx="10458450" cy="5248275"/>
+          </a:xfrm>
+          <a:prstGeom prst="rect">
+            <a:avLst/>
+          </a:prstGeom>
+        </p:spPr>
+      </p:pic>
+    </p:spTree>
+    <p:extLst>
+      <p:ext uri="{BB962C8B-B14F-4D97-AF65-F5344CB8AC3E}">
+        <p14:creationId xmlns:p14="http://schemas.microsoft.com/office/powerpoint/2010/main" val="3836447835"/>
+      </p:ext>
+    </p:extLst>
+  </p:cSld>
+  <p:clrMapOvr>
+    <a:masterClrMapping/>
+  </p:clrMapOvr>
+</p:sld>
+</file>
+
+<file path=ppt/slides/slide42.xml><?xml version="1.0" encoding="utf-8"?>
+<p:sld xmlns:a="http://schemas.openxmlformats.org/drawingml/2006/main" xmlns:r="http://schemas.openxmlformats.org/officeDocument/2006/relationships" xmlns:p="http://schemas.openxmlformats.org/presentationml/2006/main">
+  <p:cSld>
+    <p:spTree>
+      <p:nvGrpSpPr>
+        <p:cNvPr id="1" name=""/>
+        <p:cNvGrpSpPr/>
+        <p:nvPr/>
+      </p:nvGrpSpPr>
+      <p:grpSpPr>
+        <a:xfrm>
+          <a:off x="0" y="0"/>
+          <a:ext cx="0" cy="0"/>
+          <a:chOff x="0" y="0"/>
+          <a:chExt cx="0" cy="0"/>
+        </a:xfrm>
+      </p:grpSpPr>
+      <p:sp>
+        <p:nvSpPr>
+          <p:cNvPr id="2" name="Title 1">
+            <a:extLst>
+              <a:ext uri="{FF2B5EF4-FFF2-40B4-BE49-F238E27FC236}">
+                <a16:creationId xmlns:a16="http://schemas.microsoft.com/office/drawing/2014/main" id="{4EC07D8E-CA6F-58BE-5A6C-E205D61FAE4D}"/>
+              </a:ext>
+            </a:extLst>
+          </p:cNvPr>
+          <p:cNvSpPr>
+            <a:spLocks noGrp="1"/>
+          </p:cNvSpPr>
+          <p:nvPr>
+            <p:ph type="title"/>
+          </p:nvPr>
+        </p:nvSpPr>
+        <p:spPr/>
+        <p:txBody>
+          <a:bodyPr/>
+          <a:lstStyle/>
+          <a:p>
+            <a:r>
+              <a:rPr lang="en-US" dirty="0"/>
+              <a:t> </a:t>
+            </a:r>
+          </a:p>
+        </p:txBody>
+      </p:sp>
+      <p:sp>
+        <p:nvSpPr>
+          <p:cNvPr id="3" name="Content Placeholder 2">
+            <a:extLst>
+              <a:ext uri="{FF2B5EF4-FFF2-40B4-BE49-F238E27FC236}">
+                <a16:creationId xmlns:a16="http://schemas.microsoft.com/office/drawing/2014/main" id="{11BD1863-6359-78EA-E6E9-6660D55DAF29}"/>
+              </a:ext>
+            </a:extLst>
+          </p:cNvPr>
+          <p:cNvSpPr>
+            <a:spLocks noGrp="1"/>
+          </p:cNvSpPr>
+          <p:nvPr>
+            <p:ph idx="1"/>
+          </p:nvPr>
+        </p:nvSpPr>
+        <p:spPr/>
+        <p:txBody>
+          <a:bodyPr/>
+          <a:lstStyle/>
+          <a:p>
+            <a:endParaRPr lang="en-US"/>
+          </a:p>
+        </p:txBody>
+      </p:sp>
+      <p:pic>
+        <p:nvPicPr>
+          <p:cNvPr id="5" name="Picture 4">
+            <a:extLst>
+              <a:ext uri="{FF2B5EF4-FFF2-40B4-BE49-F238E27FC236}">
+                <a16:creationId xmlns:a16="http://schemas.microsoft.com/office/drawing/2014/main" id="{59A75B87-AFF2-58F6-3F03-071E9F9206E9}"/>
+              </a:ext>
+            </a:extLst>
+          </p:cNvPr>
+          <p:cNvPicPr>
+            <a:picLocks noChangeAspect="1"/>
+          </p:cNvPicPr>
+          <p:nvPr/>
+        </p:nvPicPr>
+        <p:blipFill>
+          <a:blip r:embed="rId2"/>
+          <a:stretch>
+            <a:fillRect/>
+          </a:stretch>
+        </p:blipFill>
+        <p:spPr>
+          <a:xfrm>
+            <a:off x="866775" y="804862"/>
+            <a:ext cx="10458450" cy="5248275"/>
+          </a:xfrm>
+          <a:prstGeom prst="rect">
+            <a:avLst/>
+          </a:prstGeom>
+        </p:spPr>
+      </p:pic>
+    </p:spTree>
+    <p:extLst>
+      <p:ext uri="{BB962C8B-B14F-4D97-AF65-F5344CB8AC3E}">
+        <p14:creationId xmlns:p14="http://schemas.microsoft.com/office/powerpoint/2010/main" val="3092914768"/>
+      </p:ext>
+    </p:extLst>
+  </p:cSld>
+  <p:clrMapOvr>
+    <a:masterClrMapping/>
+  </p:clrMapOvr>
+</p:sld>
+</file>
+
+<file path=ppt/slides/slide43.xml><?xml version="1.0" encoding="utf-8"?>
+<p:sld xmlns:a="http://schemas.openxmlformats.org/drawingml/2006/main" xmlns:r="http://schemas.openxmlformats.org/officeDocument/2006/relationships" xmlns:p="http://schemas.openxmlformats.org/presentationml/2006/main">
+  <p:cSld>
+    <p:spTree>
+      <p:nvGrpSpPr>
+        <p:cNvPr id="1" name=""/>
+        <p:cNvGrpSpPr/>
+        <p:nvPr/>
+      </p:nvGrpSpPr>
+      <p:grpSpPr>
+        <a:xfrm>
+          <a:off x="0" y="0"/>
+          <a:ext cx="0" cy="0"/>
+          <a:chOff x="0" y="0"/>
+          <a:chExt cx="0" cy="0"/>
+        </a:xfrm>
+      </p:grpSpPr>
+      <p:sp>
+        <p:nvSpPr>
+          <p:cNvPr id="2" name="Title 1">
+            <a:extLst>
+              <a:ext uri="{FF2B5EF4-FFF2-40B4-BE49-F238E27FC236}">
+                <a16:creationId xmlns:a16="http://schemas.microsoft.com/office/drawing/2014/main" id="{EAAD194F-1524-AB28-91AA-7CDA91489936}"/>
+              </a:ext>
+            </a:extLst>
+          </p:cNvPr>
+          <p:cNvSpPr>
+            <a:spLocks noGrp="1"/>
+          </p:cNvSpPr>
+          <p:nvPr>
+            <p:ph type="title"/>
+          </p:nvPr>
+        </p:nvSpPr>
+        <p:spPr/>
+        <p:txBody>
+          <a:bodyPr/>
+          <a:lstStyle/>
+          <a:p>
+            <a:r>
+              <a:rPr lang="en-US" dirty="0"/>
+              <a:t>Constant Food</a:t>
+            </a:r>
+          </a:p>
+        </p:txBody>
+      </p:sp>
+      <p:pic>
+        <p:nvPicPr>
+          <p:cNvPr id="5" name="Picture 4">
+            <a:extLst>
+              <a:ext uri="{FF2B5EF4-FFF2-40B4-BE49-F238E27FC236}">
+                <a16:creationId xmlns:a16="http://schemas.microsoft.com/office/drawing/2014/main" id="{841F99C5-227F-FC11-3597-400A52EB5CFD}"/>
+              </a:ext>
+            </a:extLst>
+          </p:cNvPr>
+          <p:cNvPicPr>
+            <a:picLocks noChangeAspect="1"/>
+          </p:cNvPicPr>
+          <p:nvPr/>
+        </p:nvPicPr>
+        <p:blipFill>
+          <a:blip r:embed="rId2"/>
+          <a:stretch>
+            <a:fillRect/>
+          </a:stretch>
+        </p:blipFill>
+        <p:spPr>
+          <a:xfrm>
+            <a:off x="1196155" y="1377252"/>
+            <a:ext cx="9799689" cy="4360331"/>
+          </a:xfrm>
+          <a:prstGeom prst="rect">
+            <a:avLst/>
+          </a:prstGeom>
+        </p:spPr>
+      </p:pic>
+    </p:spTree>
+    <p:extLst>
+      <p:ext uri="{BB962C8B-B14F-4D97-AF65-F5344CB8AC3E}">
+        <p14:creationId xmlns:p14="http://schemas.microsoft.com/office/powerpoint/2010/main" val="4047577734"/>
+      </p:ext>
+    </p:extLst>
+  </p:cSld>
+  <p:clrMapOvr>
+    <a:masterClrMapping/>
+  </p:clrMapOvr>
+</p:sld>
+</file>
+
+<file path=ppt/slides/slide44.xml><?xml version="1.0" encoding="utf-8"?>
+<p:sld xmlns:a="http://schemas.openxmlformats.org/drawingml/2006/main" xmlns:r="http://schemas.openxmlformats.org/officeDocument/2006/relationships" xmlns:p="http://schemas.openxmlformats.org/presentationml/2006/main">
+  <p:cSld>
+    <p:spTree>
+      <p:nvGrpSpPr>
+        <p:cNvPr id="1" name=""/>
+        <p:cNvGrpSpPr/>
+        <p:nvPr/>
+      </p:nvGrpSpPr>
+      <p:grpSpPr>
+        <a:xfrm>
+          <a:off x="0" y="0"/>
+          <a:ext cx="0" cy="0"/>
+          <a:chOff x="0" y="0"/>
+          <a:chExt cx="0" cy="0"/>
+        </a:xfrm>
+      </p:grpSpPr>
+      <p:sp>
+        <p:nvSpPr>
+          <p:cNvPr id="2" name="Title 1">
+            <a:extLst>
+              <a:ext uri="{FF2B5EF4-FFF2-40B4-BE49-F238E27FC236}">
+                <a16:creationId xmlns:a16="http://schemas.microsoft.com/office/drawing/2014/main" id="{E6A8CA09-A96F-963E-743D-BEE91369D19E}"/>
+              </a:ext>
+            </a:extLst>
+          </p:cNvPr>
+          <p:cNvSpPr>
+            <a:spLocks noGrp="1"/>
+          </p:cNvSpPr>
+          <p:nvPr>
+            <p:ph type="title"/>
+          </p:nvPr>
+        </p:nvSpPr>
+        <p:spPr/>
+        <p:txBody>
+          <a:bodyPr/>
+          <a:lstStyle/>
+          <a:p>
+            <a:endParaRPr lang="en-US"/>
+          </a:p>
+        </p:txBody>
+      </p:sp>
+      <p:sp>
+        <p:nvSpPr>
+          <p:cNvPr id="3" name="Content Placeholder 2">
+            <a:extLst>
+              <a:ext uri="{FF2B5EF4-FFF2-40B4-BE49-F238E27FC236}">
+                <a16:creationId xmlns:a16="http://schemas.microsoft.com/office/drawing/2014/main" id="{776EA0ED-4919-27DE-AC9D-BE8F47339918}"/>
+              </a:ext>
+            </a:extLst>
+          </p:cNvPr>
+          <p:cNvSpPr>
+            <a:spLocks noGrp="1"/>
+          </p:cNvSpPr>
+          <p:nvPr>
+            <p:ph idx="1"/>
+          </p:nvPr>
+        </p:nvSpPr>
+        <p:spPr/>
+        <p:txBody>
+          <a:bodyPr/>
+          <a:lstStyle/>
+          <a:p>
+            <a:endParaRPr lang="en-US"/>
+          </a:p>
+        </p:txBody>
+      </p:sp>
+      <p:pic>
+        <p:nvPicPr>
+          <p:cNvPr id="7" name="Picture 6">
+            <a:extLst>
+              <a:ext uri="{FF2B5EF4-FFF2-40B4-BE49-F238E27FC236}">
+                <a16:creationId xmlns:a16="http://schemas.microsoft.com/office/drawing/2014/main" id="{4A849E37-D38E-8AB0-4460-928B4007DE81}"/>
+              </a:ext>
+            </a:extLst>
+          </p:cNvPr>
+          <p:cNvPicPr>
+            <a:picLocks noChangeAspect="1"/>
+          </p:cNvPicPr>
+          <p:nvPr/>
+        </p:nvPicPr>
+        <p:blipFill>
+          <a:blip r:embed="rId2"/>
+          <a:stretch>
+            <a:fillRect/>
+          </a:stretch>
+        </p:blipFill>
+        <p:spPr>
+          <a:xfrm>
+            <a:off x="1798197" y="0"/>
+            <a:ext cx="8595606" cy="6858000"/>
+          </a:xfrm>
+          <a:prstGeom prst="rect">
+            <a:avLst/>
+          </a:prstGeom>
+        </p:spPr>
+      </p:pic>
+    </p:spTree>
+    <p:extLst>
+      <p:ext uri="{BB962C8B-B14F-4D97-AF65-F5344CB8AC3E}">
+        <p14:creationId xmlns:p14="http://schemas.microsoft.com/office/powerpoint/2010/main" val="2812984495"/>
+      </p:ext>
+    </p:extLst>
+  </p:cSld>
+  <p:clrMapOvr>
+    <a:masterClrMapping/>
+  </p:clrMapOvr>
+</p:sld>
+</file>
+
+<file path=ppt/slides/slide45.xml><?xml version="1.0" encoding="utf-8"?>
+<p:sld xmlns:a="http://schemas.openxmlformats.org/drawingml/2006/main" xmlns:r="http://schemas.openxmlformats.org/officeDocument/2006/relationships" xmlns:p="http://schemas.openxmlformats.org/presentationml/2006/main">
+  <p:cSld>
+    <p:spTree>
+      <p:nvGrpSpPr>
+        <p:cNvPr id="1" name=""/>
+        <p:cNvGrpSpPr/>
+        <p:nvPr/>
+      </p:nvGrpSpPr>
+      <p:grpSpPr>
+        <a:xfrm>
+          <a:off x="0" y="0"/>
+          <a:ext cx="0" cy="0"/>
+          <a:chOff x="0" y="0"/>
+          <a:chExt cx="0" cy="0"/>
+        </a:xfrm>
+      </p:grpSpPr>
+      <p:sp>
+        <p:nvSpPr>
+          <p:cNvPr id="2" name="Title 1">
+            <a:extLst>
+              <a:ext uri="{FF2B5EF4-FFF2-40B4-BE49-F238E27FC236}">
+                <a16:creationId xmlns:a16="http://schemas.microsoft.com/office/drawing/2014/main" id="{B34C06F9-C7CF-EB85-4B0D-4D335DE80D3A}"/>
+              </a:ext>
+            </a:extLst>
+          </p:cNvPr>
+          <p:cNvSpPr>
+            <a:spLocks noGrp="1"/>
+          </p:cNvSpPr>
+          <p:nvPr>
+            <p:ph type="title"/>
+          </p:nvPr>
+        </p:nvSpPr>
+        <p:spPr/>
+        <p:txBody>
+          <a:bodyPr/>
+          <a:lstStyle/>
+          <a:p>
+            <a:endParaRPr lang="en-US"/>
+          </a:p>
+        </p:txBody>
+      </p:sp>
+      <p:sp>
+        <p:nvSpPr>
+          <p:cNvPr id="3" name="Content Placeholder 2">
+            <a:extLst>
+              <a:ext uri="{FF2B5EF4-FFF2-40B4-BE49-F238E27FC236}">
+                <a16:creationId xmlns:a16="http://schemas.microsoft.com/office/drawing/2014/main" id="{F835A5B0-8586-B661-58FC-BD42F9A3BE43}"/>
+              </a:ext>
+            </a:extLst>
+          </p:cNvPr>
+          <p:cNvSpPr>
+            <a:spLocks noGrp="1"/>
+          </p:cNvSpPr>
+          <p:nvPr>
+            <p:ph idx="1"/>
+          </p:nvPr>
+        </p:nvSpPr>
+        <p:spPr/>
+        <p:txBody>
+          <a:bodyPr/>
+          <a:lstStyle/>
+          <a:p>
+            <a:endParaRPr lang="en-US"/>
+          </a:p>
+        </p:txBody>
+      </p:sp>
+      <p:pic>
+        <p:nvPicPr>
+          <p:cNvPr id="5" name="Picture 4">
+            <a:extLst>
+              <a:ext uri="{FF2B5EF4-FFF2-40B4-BE49-F238E27FC236}">
+                <a16:creationId xmlns:a16="http://schemas.microsoft.com/office/drawing/2014/main" id="{57B693E3-9BB8-7CC0-735F-2FE04BE72E6C}"/>
+              </a:ext>
+            </a:extLst>
+          </p:cNvPr>
+          <p:cNvPicPr>
+            <a:picLocks noChangeAspect="1"/>
+          </p:cNvPicPr>
+          <p:nvPr/>
+        </p:nvPicPr>
+        <p:blipFill>
+          <a:blip r:embed="rId2"/>
+          <a:stretch>
+            <a:fillRect/>
+          </a:stretch>
+        </p:blipFill>
+        <p:spPr>
+          <a:xfrm>
+            <a:off x="1798197" y="0"/>
+            <a:ext cx="8595606" cy="6858000"/>
+          </a:xfrm>
+          <a:prstGeom prst="rect">
+            <a:avLst/>
+          </a:prstGeom>
+        </p:spPr>
+      </p:pic>
+    </p:spTree>
+    <p:extLst>
+      <p:ext uri="{BB962C8B-B14F-4D97-AF65-F5344CB8AC3E}">
+        <p14:creationId xmlns:p14="http://schemas.microsoft.com/office/powerpoint/2010/main" val="3288191587"/>
+      </p:ext>
+    </p:extLst>
+  </p:cSld>
+  <p:clrMapOvr>
+    <a:masterClrMapping/>
+  </p:clrMapOvr>
+</p:sld>
+</file>
+
+<file path=ppt/slides/slide46.xml><?xml version="1.0" encoding="utf-8"?>
+<p:sld xmlns:a="http://schemas.openxmlformats.org/drawingml/2006/main" xmlns:r="http://schemas.openxmlformats.org/officeDocument/2006/relationships" xmlns:p="http://schemas.openxmlformats.org/presentationml/2006/main">
+  <p:cSld>
+    <p:spTree>
+      <p:nvGrpSpPr>
+        <p:cNvPr id="1" name=""/>
+        <p:cNvGrpSpPr/>
+        <p:nvPr/>
+      </p:nvGrpSpPr>
+      <p:grpSpPr>
+        <a:xfrm>
+          <a:off x="0" y="0"/>
+          <a:ext cx="0" cy="0"/>
+          <a:chOff x="0" y="0"/>
+          <a:chExt cx="0" cy="0"/>
+        </a:xfrm>
+      </p:grpSpPr>
+      <p:sp>
+        <p:nvSpPr>
+          <p:cNvPr id="2" name="Title 1">
+            <a:extLst>
+              <a:ext uri="{FF2B5EF4-FFF2-40B4-BE49-F238E27FC236}">
+                <a16:creationId xmlns:a16="http://schemas.microsoft.com/office/drawing/2014/main" id="{05BCCB85-F3AE-5B5B-9190-1EB5E7637C20}"/>
+              </a:ext>
+            </a:extLst>
+          </p:cNvPr>
+          <p:cNvSpPr>
+            <a:spLocks noGrp="1"/>
+          </p:cNvSpPr>
+          <p:nvPr>
+            <p:ph type="title"/>
+          </p:nvPr>
+        </p:nvSpPr>
+        <p:spPr/>
+        <p:txBody>
+          <a:bodyPr/>
+          <a:lstStyle/>
+          <a:p>
+            <a:endParaRPr lang="en-US"/>
+          </a:p>
+        </p:txBody>
+      </p:sp>
+      <p:sp>
+        <p:nvSpPr>
+          <p:cNvPr id="3" name="Content Placeholder 2">
+            <a:extLst>
+              <a:ext uri="{FF2B5EF4-FFF2-40B4-BE49-F238E27FC236}">
+                <a16:creationId xmlns:a16="http://schemas.microsoft.com/office/drawing/2014/main" id="{ABF72844-8549-1BE6-9F82-0D18868CA6F5}"/>
+              </a:ext>
+            </a:extLst>
+          </p:cNvPr>
+          <p:cNvSpPr>
+            <a:spLocks noGrp="1"/>
+          </p:cNvSpPr>
+          <p:nvPr>
+            <p:ph idx="1"/>
+          </p:nvPr>
+        </p:nvSpPr>
+        <p:spPr/>
+        <p:txBody>
+          <a:bodyPr/>
+          <a:lstStyle/>
+          <a:p>
+            <a:endParaRPr lang="en-US"/>
+          </a:p>
+        </p:txBody>
+      </p:sp>
+      <p:pic>
+        <p:nvPicPr>
+          <p:cNvPr id="5" name="Picture 4">
+            <a:extLst>
+              <a:ext uri="{FF2B5EF4-FFF2-40B4-BE49-F238E27FC236}">
+                <a16:creationId xmlns:a16="http://schemas.microsoft.com/office/drawing/2014/main" id="{C44CF836-8DA0-8DF2-D442-7636FDEE4435}"/>
+              </a:ext>
+            </a:extLst>
+          </p:cNvPr>
+          <p:cNvPicPr>
+            <a:picLocks noChangeAspect="1"/>
+          </p:cNvPicPr>
+          <p:nvPr/>
+        </p:nvPicPr>
+        <p:blipFill>
+          <a:blip r:embed="rId2"/>
+          <a:stretch>
+            <a:fillRect/>
+          </a:stretch>
+        </p:blipFill>
+        <p:spPr>
+          <a:xfrm>
+            <a:off x="1798197" y="0"/>
+            <a:ext cx="8595606" cy="6858000"/>
+          </a:xfrm>
+          <a:prstGeom prst="rect">
+            <a:avLst/>
+          </a:prstGeom>
+        </p:spPr>
+      </p:pic>
+    </p:spTree>
+    <p:extLst>
+      <p:ext uri="{BB962C8B-B14F-4D97-AF65-F5344CB8AC3E}">
+        <p14:creationId xmlns:p14="http://schemas.microsoft.com/office/powerpoint/2010/main" val="1164279173"/>
+      </p:ext>
+    </p:extLst>
+  </p:cSld>
+  <p:clrMapOvr>
+    <a:masterClrMapping/>
+  </p:clrMapOvr>
+</p:sld>
+</file>
+
+<file path=ppt/slides/slide47.xml><?xml version="1.0" encoding="utf-8"?>
+<p:sld xmlns:a="http://schemas.openxmlformats.org/drawingml/2006/main" xmlns:r="http://schemas.openxmlformats.org/officeDocument/2006/relationships" xmlns:p="http://schemas.openxmlformats.org/presentationml/2006/main">
+  <p:cSld>
+    <p:spTree>
+      <p:nvGrpSpPr>
+        <p:cNvPr id="1" name=""/>
+        <p:cNvGrpSpPr/>
+        <p:nvPr/>
+      </p:nvGrpSpPr>
+      <p:grpSpPr>
+        <a:xfrm>
+          <a:off x="0" y="0"/>
+          <a:ext cx="0" cy="0"/>
+          <a:chOff x="0" y="0"/>
+          <a:chExt cx="0" cy="0"/>
+        </a:xfrm>
+      </p:grpSpPr>
+      <p:sp>
+        <p:nvSpPr>
+          <p:cNvPr id="2" name="Title 1">
+            <a:extLst>
+              <a:ext uri="{FF2B5EF4-FFF2-40B4-BE49-F238E27FC236}">
+                <a16:creationId xmlns:a16="http://schemas.microsoft.com/office/drawing/2014/main" id="{63AD86DD-0B64-4D4C-F681-4C7C965FF9E0}"/>
+              </a:ext>
+            </a:extLst>
+          </p:cNvPr>
+          <p:cNvSpPr>
+            <a:spLocks noGrp="1"/>
+          </p:cNvSpPr>
+          <p:nvPr>
+            <p:ph type="title"/>
+          </p:nvPr>
+        </p:nvSpPr>
+        <p:spPr/>
+        <p:txBody>
+          <a:bodyPr/>
+          <a:lstStyle/>
+          <a:p>
+            <a:endParaRPr lang="en-US"/>
+          </a:p>
+        </p:txBody>
+      </p:sp>
+      <p:sp>
+        <p:nvSpPr>
+          <p:cNvPr id="3" name="Content Placeholder 2">
+            <a:extLst>
+              <a:ext uri="{FF2B5EF4-FFF2-40B4-BE49-F238E27FC236}">
+                <a16:creationId xmlns:a16="http://schemas.microsoft.com/office/drawing/2014/main" id="{CB06C411-CD89-EA8B-0BD0-774715B2BA3B}"/>
+              </a:ext>
+            </a:extLst>
+          </p:cNvPr>
+          <p:cNvSpPr>
+            <a:spLocks noGrp="1"/>
+          </p:cNvSpPr>
+          <p:nvPr>
+            <p:ph idx="1"/>
+          </p:nvPr>
+        </p:nvSpPr>
+        <p:spPr/>
+        <p:txBody>
+          <a:bodyPr/>
+          <a:lstStyle/>
+          <a:p>
+            <a:endParaRPr lang="en-US"/>
+          </a:p>
+        </p:txBody>
+      </p:sp>
+      <p:pic>
+        <p:nvPicPr>
+          <p:cNvPr id="5" name="Picture 4">
+            <a:extLst>
+              <a:ext uri="{FF2B5EF4-FFF2-40B4-BE49-F238E27FC236}">
+                <a16:creationId xmlns:a16="http://schemas.microsoft.com/office/drawing/2014/main" id="{1F2CF493-227B-952D-E47B-88AD08DEDE68}"/>
+              </a:ext>
+            </a:extLst>
+          </p:cNvPr>
+          <p:cNvPicPr>
+            <a:picLocks noChangeAspect="1"/>
+          </p:cNvPicPr>
+          <p:nvPr/>
+        </p:nvPicPr>
+        <p:blipFill>
+          <a:blip r:embed="rId2"/>
+          <a:stretch>
+            <a:fillRect/>
+          </a:stretch>
+        </p:blipFill>
+        <p:spPr>
+          <a:xfrm>
+            <a:off x="1798197" y="0"/>
+            <a:ext cx="8595606" cy="6858000"/>
+          </a:xfrm>
+          <a:prstGeom prst="rect">
+            <a:avLst/>
+          </a:prstGeom>
+        </p:spPr>
+      </p:pic>
+    </p:spTree>
+    <p:extLst>
+      <p:ext uri="{BB962C8B-B14F-4D97-AF65-F5344CB8AC3E}">
+        <p14:creationId xmlns:p14="http://schemas.microsoft.com/office/powerpoint/2010/main" val="2585769186"/>
+      </p:ext>
+    </p:extLst>
+  </p:cSld>
+  <p:clrMapOvr>
+    <a:masterClrMapping/>
+  </p:clrMapOvr>
+</p:sld>
+</file>
+
+<file path=ppt/slides/slide48.xml><?xml version="1.0" encoding="utf-8"?>
+<p:sld xmlns:a="http://schemas.openxmlformats.org/drawingml/2006/main" xmlns:r="http://schemas.openxmlformats.org/officeDocument/2006/relationships" xmlns:p="http://schemas.openxmlformats.org/presentationml/2006/main">
+  <p:cSld>
+    <p:spTree>
+      <p:nvGrpSpPr>
+        <p:cNvPr id="1" name=""/>
+        <p:cNvGrpSpPr/>
+        <p:nvPr/>
+      </p:nvGrpSpPr>
+      <p:grpSpPr>
+        <a:xfrm>
+          <a:off x="0" y="0"/>
+          <a:ext cx="0" cy="0"/>
+          <a:chOff x="0" y="0"/>
+          <a:chExt cx="0" cy="0"/>
+        </a:xfrm>
+      </p:grpSpPr>
+      <p:sp>
+        <p:nvSpPr>
+          <p:cNvPr id="2" name="Title 1">
+            <a:extLst>
+              <a:ext uri="{FF2B5EF4-FFF2-40B4-BE49-F238E27FC236}">
+                <a16:creationId xmlns:a16="http://schemas.microsoft.com/office/drawing/2014/main" id="{D8FF1F55-99CB-E598-E715-D79EED8B5DC7}"/>
+              </a:ext>
+            </a:extLst>
+          </p:cNvPr>
+          <p:cNvSpPr>
+            <a:spLocks noGrp="1"/>
+          </p:cNvSpPr>
+          <p:nvPr>
+            <p:ph type="title"/>
+          </p:nvPr>
+        </p:nvSpPr>
+        <p:spPr/>
+        <p:txBody>
+          <a:bodyPr/>
+          <a:lstStyle/>
+          <a:p>
+            <a:endParaRPr lang="en-US"/>
+          </a:p>
+        </p:txBody>
+      </p:sp>
+      <p:sp>
+        <p:nvSpPr>
+          <p:cNvPr id="3" name="Content Placeholder 2">
+            <a:extLst>
+              <a:ext uri="{FF2B5EF4-FFF2-40B4-BE49-F238E27FC236}">
+                <a16:creationId xmlns:a16="http://schemas.microsoft.com/office/drawing/2014/main" id="{51855B88-9116-EA2B-AA60-5F7B920A610E}"/>
+              </a:ext>
+            </a:extLst>
+          </p:cNvPr>
+          <p:cNvSpPr>
+            <a:spLocks noGrp="1"/>
+          </p:cNvSpPr>
+          <p:nvPr>
+            <p:ph idx="1"/>
+          </p:nvPr>
+        </p:nvSpPr>
+        <p:spPr/>
+        <p:txBody>
+          <a:bodyPr/>
+          <a:lstStyle/>
+          <a:p>
+            <a:endParaRPr lang="en-US"/>
+          </a:p>
+        </p:txBody>
+      </p:sp>
+      <p:pic>
+        <p:nvPicPr>
+          <p:cNvPr id="5" name="Picture 4">
+            <a:extLst>
+              <a:ext uri="{FF2B5EF4-FFF2-40B4-BE49-F238E27FC236}">
+                <a16:creationId xmlns:a16="http://schemas.microsoft.com/office/drawing/2014/main" id="{E7BA2B7E-8088-E817-BAD0-FA3B58A2D0CC}"/>
+              </a:ext>
+            </a:extLst>
+          </p:cNvPr>
+          <p:cNvPicPr>
+            <a:picLocks noChangeAspect="1"/>
+          </p:cNvPicPr>
+          <p:nvPr/>
+        </p:nvPicPr>
+        <p:blipFill>
+          <a:blip r:embed="rId2"/>
+          <a:stretch>
+            <a:fillRect/>
+          </a:stretch>
+        </p:blipFill>
+        <p:spPr>
+          <a:xfrm>
+            <a:off x="1798197" y="0"/>
+            <a:ext cx="8595606" cy="6858000"/>
+          </a:xfrm>
+          <a:prstGeom prst="rect">
+            <a:avLst/>
+          </a:prstGeom>
+        </p:spPr>
+      </p:pic>
+    </p:spTree>
+    <p:extLst>
+      <p:ext uri="{BB962C8B-B14F-4D97-AF65-F5344CB8AC3E}">
+        <p14:creationId xmlns:p14="http://schemas.microsoft.com/office/powerpoint/2010/main" val="506174705"/>
+      </p:ext>
+    </p:extLst>
+  </p:cSld>
+  <p:clrMapOvr>
+    <a:masterClrMapping/>
+  </p:clrMapOvr>
+</p:sld>
+</file>
+
+<file path=ppt/slides/slide49.xml><?xml version="1.0" encoding="utf-8"?>
+<p:sld xmlns:a="http://schemas.openxmlformats.org/drawingml/2006/main" xmlns:r="http://schemas.openxmlformats.org/officeDocument/2006/relationships" xmlns:p="http://schemas.openxmlformats.org/presentationml/2006/main">
+  <p:cSld>
+    <p:spTree>
+      <p:nvGrpSpPr>
+        <p:cNvPr id="1" name=""/>
+        <p:cNvGrpSpPr/>
+        <p:nvPr/>
+      </p:nvGrpSpPr>
+      <p:grpSpPr>
+        <a:xfrm>
+          <a:off x="0" y="0"/>
+          <a:ext cx="0" cy="0"/>
+          <a:chOff x="0" y="0"/>
+          <a:chExt cx="0" cy="0"/>
+        </a:xfrm>
+      </p:grpSpPr>
+      <p:sp>
+        <p:nvSpPr>
+          <p:cNvPr id="2" name="Title 1">
+            <a:extLst>
+              <a:ext uri="{FF2B5EF4-FFF2-40B4-BE49-F238E27FC236}">
+                <a16:creationId xmlns:a16="http://schemas.microsoft.com/office/drawing/2014/main" id="{22FFFA96-BBD0-CFA7-43A1-309F0D65EDCE}"/>
+              </a:ext>
+            </a:extLst>
+          </p:cNvPr>
+          <p:cNvSpPr>
+            <a:spLocks noGrp="1"/>
+          </p:cNvSpPr>
+          <p:nvPr>
+            <p:ph type="title"/>
+          </p:nvPr>
+        </p:nvSpPr>
+        <p:spPr/>
+        <p:txBody>
+          <a:bodyPr/>
+          <a:lstStyle/>
+          <a:p>
+            <a:endParaRPr lang="en-US"/>
+          </a:p>
+        </p:txBody>
+      </p:sp>
+      <p:sp>
+        <p:nvSpPr>
+          <p:cNvPr id="3" name="Content Placeholder 2">
+            <a:extLst>
+              <a:ext uri="{FF2B5EF4-FFF2-40B4-BE49-F238E27FC236}">
+                <a16:creationId xmlns:a16="http://schemas.microsoft.com/office/drawing/2014/main" id="{D9579BA1-9F96-108D-C9AA-DD79AD000DAE}"/>
+              </a:ext>
+            </a:extLst>
+          </p:cNvPr>
+          <p:cNvSpPr>
+            <a:spLocks noGrp="1"/>
+          </p:cNvSpPr>
+          <p:nvPr>
+            <p:ph idx="1"/>
+          </p:nvPr>
+        </p:nvSpPr>
+        <p:spPr/>
+        <p:txBody>
+          <a:bodyPr/>
+          <a:lstStyle/>
+          <a:p>
+            <a:endParaRPr lang="en-US"/>
+          </a:p>
+        </p:txBody>
+      </p:sp>
+      <p:pic>
+        <p:nvPicPr>
+          <p:cNvPr id="5" name="Picture 4">
+            <a:extLst>
+              <a:ext uri="{FF2B5EF4-FFF2-40B4-BE49-F238E27FC236}">
+                <a16:creationId xmlns:a16="http://schemas.microsoft.com/office/drawing/2014/main" id="{C44BC316-586C-9F77-F4AF-56EFF9BCCFDB}"/>
+              </a:ext>
+            </a:extLst>
+          </p:cNvPr>
+          <p:cNvPicPr>
+            <a:picLocks noChangeAspect="1"/>
+          </p:cNvPicPr>
+          <p:nvPr/>
+        </p:nvPicPr>
+        <p:blipFill>
+          <a:blip r:embed="rId2"/>
+          <a:stretch>
+            <a:fillRect/>
+          </a:stretch>
+        </p:blipFill>
+        <p:spPr>
+          <a:xfrm>
+            <a:off x="590550" y="1147762"/>
+            <a:ext cx="11010900" cy="4562475"/>
+          </a:xfrm>
+          <a:prstGeom prst="rect">
+            <a:avLst/>
+          </a:prstGeom>
+        </p:spPr>
+      </p:pic>
+    </p:spTree>
+    <p:extLst>
+      <p:ext uri="{BB962C8B-B14F-4D97-AF65-F5344CB8AC3E}">
+        <p14:creationId xmlns:p14="http://schemas.microsoft.com/office/powerpoint/2010/main" val="4174781975"/>
       </p:ext>
     </p:extLst>
   </p:cSld>
@@ -3706,12 +8819,62 @@
           <a:chExt cx="0" cy="0"/>
         </a:xfrm>
       </p:grpSpPr>
+      <p:sp>
+        <p:nvSpPr>
+          <p:cNvPr id="2" name="Title 1">
+            <a:extLst>
+              <a:ext uri="{FF2B5EF4-FFF2-40B4-BE49-F238E27FC236}">
+                <a16:creationId xmlns:a16="http://schemas.microsoft.com/office/drawing/2014/main" id="{A8581CD4-8280-A72E-296E-FB7233ADE03B}"/>
+              </a:ext>
+            </a:extLst>
+          </p:cNvPr>
+          <p:cNvSpPr>
+            <a:spLocks noGrp="1"/>
+          </p:cNvSpPr>
+          <p:nvPr>
+            <p:ph type="title"/>
+          </p:nvPr>
+        </p:nvSpPr>
+        <p:spPr/>
+        <p:txBody>
+          <a:bodyPr/>
+          <a:lstStyle/>
+          <a:p>
+            <a:endParaRPr lang="en-US"/>
+          </a:p>
+        </p:txBody>
+      </p:sp>
+      <p:sp>
+        <p:nvSpPr>
+          <p:cNvPr id="3" name="Content Placeholder 2">
+            <a:extLst>
+              <a:ext uri="{FF2B5EF4-FFF2-40B4-BE49-F238E27FC236}">
+                <a16:creationId xmlns:a16="http://schemas.microsoft.com/office/drawing/2014/main" id="{86EB5A44-4398-89A0-29AE-71BB9EA649F1}"/>
+              </a:ext>
+            </a:extLst>
+          </p:cNvPr>
+          <p:cNvSpPr>
+            <a:spLocks noGrp="1"/>
+          </p:cNvSpPr>
+          <p:nvPr>
+            <p:ph idx="1"/>
+          </p:nvPr>
+        </p:nvSpPr>
+        <p:spPr/>
+        <p:txBody>
+          <a:bodyPr/>
+          <a:lstStyle/>
+          <a:p>
+            <a:endParaRPr lang="en-US"/>
+          </a:p>
+        </p:txBody>
+      </p:sp>
       <p:pic>
         <p:nvPicPr>
-          <p:cNvPr id="5" name="Picture 4">
-            <a:extLst>
-              <a:ext uri="{FF2B5EF4-FFF2-40B4-BE49-F238E27FC236}">
-                <a16:creationId xmlns:a16="http://schemas.microsoft.com/office/drawing/2014/main" id="{F9205EF2-583A-7245-62EE-19BAB13F05AD}"/>
+          <p:cNvPr id="4" name="Picture 3">
+            <a:extLst>
+              <a:ext uri="{FF2B5EF4-FFF2-40B4-BE49-F238E27FC236}">
+                <a16:creationId xmlns:a16="http://schemas.microsoft.com/office/drawing/2014/main" id="{97CDAF52-09AB-54BA-8485-56C696268898}"/>
               </a:ext>
             </a:extLst>
           </p:cNvPr>
@@ -3728,8 +8891,398 @@
         </p:blipFill>
         <p:spPr>
           <a:xfrm>
-            <a:off x="1060678" y="3388178"/>
-            <a:ext cx="4450214" cy="3024861"/>
+            <a:off x="30275" y="0"/>
+            <a:ext cx="12131450" cy="6858000"/>
+          </a:xfrm>
+          <a:prstGeom prst="rect">
+            <a:avLst/>
+          </a:prstGeom>
+        </p:spPr>
+      </p:pic>
+    </p:spTree>
+    <p:extLst>
+      <p:ext uri="{BB962C8B-B14F-4D97-AF65-F5344CB8AC3E}">
+        <p14:creationId xmlns:p14="http://schemas.microsoft.com/office/powerpoint/2010/main" val="2830669147"/>
+      </p:ext>
+    </p:extLst>
+  </p:cSld>
+  <p:clrMapOvr>
+    <a:masterClrMapping/>
+  </p:clrMapOvr>
+</p:sld>
+</file>
+
+<file path=ppt/slides/slide50.xml><?xml version="1.0" encoding="utf-8"?>
+<p:sld xmlns:a="http://schemas.openxmlformats.org/drawingml/2006/main" xmlns:r="http://schemas.openxmlformats.org/officeDocument/2006/relationships" xmlns:p="http://schemas.openxmlformats.org/presentationml/2006/main">
+  <p:cSld>
+    <p:spTree>
+      <p:nvGrpSpPr>
+        <p:cNvPr id="1" name=""/>
+        <p:cNvGrpSpPr/>
+        <p:nvPr/>
+      </p:nvGrpSpPr>
+      <p:grpSpPr>
+        <a:xfrm>
+          <a:off x="0" y="0"/>
+          <a:ext cx="0" cy="0"/>
+          <a:chOff x="0" y="0"/>
+          <a:chExt cx="0" cy="0"/>
+        </a:xfrm>
+      </p:grpSpPr>
+      <p:sp>
+        <p:nvSpPr>
+          <p:cNvPr id="2" name="Title 1">
+            <a:extLst>
+              <a:ext uri="{FF2B5EF4-FFF2-40B4-BE49-F238E27FC236}">
+                <a16:creationId xmlns:a16="http://schemas.microsoft.com/office/drawing/2014/main" id="{BB745519-BBD3-9D57-1C25-7C804597DF13}"/>
+              </a:ext>
+            </a:extLst>
+          </p:cNvPr>
+          <p:cNvSpPr>
+            <a:spLocks noGrp="1"/>
+          </p:cNvSpPr>
+          <p:nvPr>
+            <p:ph type="title"/>
+          </p:nvPr>
+        </p:nvSpPr>
+        <p:spPr/>
+        <p:txBody>
+          <a:bodyPr/>
+          <a:lstStyle/>
+          <a:p>
+            <a:endParaRPr lang="en-US"/>
+          </a:p>
+        </p:txBody>
+      </p:sp>
+      <p:sp>
+        <p:nvSpPr>
+          <p:cNvPr id="3" name="Content Placeholder 2">
+            <a:extLst>
+              <a:ext uri="{FF2B5EF4-FFF2-40B4-BE49-F238E27FC236}">
+                <a16:creationId xmlns:a16="http://schemas.microsoft.com/office/drawing/2014/main" id="{53D3A57C-0345-AE3C-2033-0C234D791E15}"/>
+              </a:ext>
+            </a:extLst>
+          </p:cNvPr>
+          <p:cNvSpPr>
+            <a:spLocks noGrp="1"/>
+          </p:cNvSpPr>
+          <p:nvPr>
+            <p:ph idx="1"/>
+          </p:nvPr>
+        </p:nvSpPr>
+        <p:spPr/>
+        <p:txBody>
+          <a:bodyPr/>
+          <a:lstStyle/>
+          <a:p>
+            <a:endParaRPr lang="en-US"/>
+          </a:p>
+        </p:txBody>
+      </p:sp>
+      <p:pic>
+        <p:nvPicPr>
+          <p:cNvPr id="5" name="Picture 4">
+            <a:extLst>
+              <a:ext uri="{FF2B5EF4-FFF2-40B4-BE49-F238E27FC236}">
+                <a16:creationId xmlns:a16="http://schemas.microsoft.com/office/drawing/2014/main" id="{BB8FA386-E12C-35D7-4D61-9EA1128BAB52}"/>
+              </a:ext>
+            </a:extLst>
+          </p:cNvPr>
+          <p:cNvPicPr>
+            <a:picLocks noChangeAspect="1"/>
+          </p:cNvPicPr>
+          <p:nvPr/>
+        </p:nvPicPr>
+        <p:blipFill>
+          <a:blip r:embed="rId2"/>
+          <a:stretch>
+            <a:fillRect/>
+          </a:stretch>
+        </p:blipFill>
+        <p:spPr>
+          <a:xfrm>
+            <a:off x="590550" y="1147762"/>
+            <a:ext cx="11010900" cy="4562475"/>
+          </a:xfrm>
+          <a:prstGeom prst="rect">
+            <a:avLst/>
+          </a:prstGeom>
+        </p:spPr>
+      </p:pic>
+    </p:spTree>
+    <p:extLst>
+      <p:ext uri="{BB962C8B-B14F-4D97-AF65-F5344CB8AC3E}">
+        <p14:creationId xmlns:p14="http://schemas.microsoft.com/office/powerpoint/2010/main" val="3663711276"/>
+      </p:ext>
+    </p:extLst>
+  </p:cSld>
+  <p:clrMapOvr>
+    <a:masterClrMapping/>
+  </p:clrMapOvr>
+</p:sld>
+</file>
+
+<file path=ppt/slides/slide51.xml><?xml version="1.0" encoding="utf-8"?>
+<p:sld xmlns:a="http://schemas.openxmlformats.org/drawingml/2006/main" xmlns:r="http://schemas.openxmlformats.org/officeDocument/2006/relationships" xmlns:p="http://schemas.openxmlformats.org/presentationml/2006/main">
+  <p:cSld>
+    <p:spTree>
+      <p:nvGrpSpPr>
+        <p:cNvPr id="1" name=""/>
+        <p:cNvGrpSpPr/>
+        <p:nvPr/>
+      </p:nvGrpSpPr>
+      <p:grpSpPr>
+        <a:xfrm>
+          <a:off x="0" y="0"/>
+          <a:ext cx="0" cy="0"/>
+          <a:chOff x="0" y="0"/>
+          <a:chExt cx="0" cy="0"/>
+        </a:xfrm>
+      </p:grpSpPr>
+      <p:sp>
+        <p:nvSpPr>
+          <p:cNvPr id="2" name="Title 1">
+            <a:extLst>
+              <a:ext uri="{FF2B5EF4-FFF2-40B4-BE49-F238E27FC236}">
+                <a16:creationId xmlns:a16="http://schemas.microsoft.com/office/drawing/2014/main" id="{4F72D17D-EFF8-DE61-4830-A68C25C7E33F}"/>
+              </a:ext>
+            </a:extLst>
+          </p:cNvPr>
+          <p:cNvSpPr>
+            <a:spLocks noGrp="1"/>
+          </p:cNvSpPr>
+          <p:nvPr>
+            <p:ph type="title"/>
+          </p:nvPr>
+        </p:nvSpPr>
+        <p:spPr/>
+        <p:txBody>
+          <a:bodyPr/>
+          <a:lstStyle/>
+          <a:p>
+            <a:endParaRPr lang="en-US"/>
+          </a:p>
+        </p:txBody>
+      </p:sp>
+      <p:sp>
+        <p:nvSpPr>
+          <p:cNvPr id="3" name="Content Placeholder 2">
+            <a:extLst>
+              <a:ext uri="{FF2B5EF4-FFF2-40B4-BE49-F238E27FC236}">
+                <a16:creationId xmlns:a16="http://schemas.microsoft.com/office/drawing/2014/main" id="{B72AF749-DBFD-33C2-51C0-EBA5CFCDC9BF}"/>
+              </a:ext>
+            </a:extLst>
+          </p:cNvPr>
+          <p:cNvSpPr>
+            <a:spLocks noGrp="1"/>
+          </p:cNvSpPr>
+          <p:nvPr>
+            <p:ph idx="1"/>
+          </p:nvPr>
+        </p:nvSpPr>
+        <p:spPr/>
+        <p:txBody>
+          <a:bodyPr/>
+          <a:lstStyle/>
+          <a:p>
+            <a:endParaRPr lang="en-US"/>
+          </a:p>
+        </p:txBody>
+      </p:sp>
+      <p:pic>
+        <p:nvPicPr>
+          <p:cNvPr id="5" name="Picture 4">
+            <a:extLst>
+              <a:ext uri="{FF2B5EF4-FFF2-40B4-BE49-F238E27FC236}">
+                <a16:creationId xmlns:a16="http://schemas.microsoft.com/office/drawing/2014/main" id="{65EF0251-D3B0-5192-4B13-F17FD382D65E}"/>
+              </a:ext>
+            </a:extLst>
+          </p:cNvPr>
+          <p:cNvPicPr>
+            <a:picLocks noChangeAspect="1"/>
+          </p:cNvPicPr>
+          <p:nvPr/>
+        </p:nvPicPr>
+        <p:blipFill>
+          <a:blip r:embed="rId2"/>
+          <a:stretch>
+            <a:fillRect/>
+          </a:stretch>
+        </p:blipFill>
+        <p:spPr>
+          <a:xfrm>
+            <a:off x="590550" y="1147762"/>
+            <a:ext cx="11010900" cy="4562475"/>
+          </a:xfrm>
+          <a:prstGeom prst="rect">
+            <a:avLst/>
+          </a:prstGeom>
+        </p:spPr>
+      </p:pic>
+    </p:spTree>
+    <p:extLst>
+      <p:ext uri="{BB962C8B-B14F-4D97-AF65-F5344CB8AC3E}">
+        <p14:creationId xmlns:p14="http://schemas.microsoft.com/office/powerpoint/2010/main" val="2718059549"/>
+      </p:ext>
+    </p:extLst>
+  </p:cSld>
+  <p:clrMapOvr>
+    <a:masterClrMapping/>
+  </p:clrMapOvr>
+</p:sld>
+</file>
+
+<file path=ppt/slides/slide52.xml><?xml version="1.0" encoding="utf-8"?>
+<p:sld xmlns:a="http://schemas.openxmlformats.org/drawingml/2006/main" xmlns:r="http://schemas.openxmlformats.org/officeDocument/2006/relationships" xmlns:p="http://schemas.openxmlformats.org/presentationml/2006/main">
+  <p:cSld>
+    <p:spTree>
+      <p:nvGrpSpPr>
+        <p:cNvPr id="1" name=""/>
+        <p:cNvGrpSpPr/>
+        <p:nvPr/>
+      </p:nvGrpSpPr>
+      <p:grpSpPr>
+        <a:xfrm>
+          <a:off x="0" y="0"/>
+          <a:ext cx="0" cy="0"/>
+          <a:chOff x="0" y="0"/>
+          <a:chExt cx="0" cy="0"/>
+        </a:xfrm>
+      </p:grpSpPr>
+      <p:sp>
+        <p:nvSpPr>
+          <p:cNvPr id="2" name="Title 1">
+            <a:extLst>
+              <a:ext uri="{FF2B5EF4-FFF2-40B4-BE49-F238E27FC236}">
+                <a16:creationId xmlns:a16="http://schemas.microsoft.com/office/drawing/2014/main" id="{E0F1A625-8F60-7F71-4C11-514A99BC74B5}"/>
+              </a:ext>
+            </a:extLst>
+          </p:cNvPr>
+          <p:cNvSpPr>
+            <a:spLocks noGrp="1"/>
+          </p:cNvSpPr>
+          <p:nvPr>
+            <p:ph type="title"/>
+          </p:nvPr>
+        </p:nvSpPr>
+        <p:spPr/>
+        <p:txBody>
+          <a:bodyPr/>
+          <a:lstStyle/>
+          <a:p>
+            <a:endParaRPr lang="en-US"/>
+          </a:p>
+        </p:txBody>
+      </p:sp>
+      <p:sp>
+        <p:nvSpPr>
+          <p:cNvPr id="3" name="Content Placeholder 2">
+            <a:extLst>
+              <a:ext uri="{FF2B5EF4-FFF2-40B4-BE49-F238E27FC236}">
+                <a16:creationId xmlns:a16="http://schemas.microsoft.com/office/drawing/2014/main" id="{7E740537-D42B-5A09-ED69-9B5AB832FFEE}"/>
+              </a:ext>
+            </a:extLst>
+          </p:cNvPr>
+          <p:cNvSpPr>
+            <a:spLocks noGrp="1"/>
+          </p:cNvSpPr>
+          <p:nvPr>
+            <p:ph idx="1"/>
+          </p:nvPr>
+        </p:nvSpPr>
+        <p:spPr/>
+        <p:txBody>
+          <a:bodyPr/>
+          <a:lstStyle/>
+          <a:p>
+            <a:endParaRPr lang="en-US"/>
+          </a:p>
+        </p:txBody>
+      </p:sp>
+      <p:pic>
+        <p:nvPicPr>
+          <p:cNvPr id="5" name="Picture 4">
+            <a:extLst>
+              <a:ext uri="{FF2B5EF4-FFF2-40B4-BE49-F238E27FC236}">
+                <a16:creationId xmlns:a16="http://schemas.microsoft.com/office/drawing/2014/main" id="{0593F69A-BC95-FFBE-6228-420AC124BA05}"/>
+              </a:ext>
+            </a:extLst>
+          </p:cNvPr>
+          <p:cNvPicPr>
+            <a:picLocks noChangeAspect="1"/>
+          </p:cNvPicPr>
+          <p:nvPr/>
+        </p:nvPicPr>
+        <p:blipFill>
+          <a:blip r:embed="rId2"/>
+          <a:stretch>
+            <a:fillRect/>
+          </a:stretch>
+        </p:blipFill>
+        <p:spPr>
+          <a:xfrm>
+            <a:off x="590550" y="1147762"/>
+            <a:ext cx="11010900" cy="4562475"/>
+          </a:xfrm>
+          <a:prstGeom prst="rect">
+            <a:avLst/>
+          </a:prstGeom>
+        </p:spPr>
+      </p:pic>
+    </p:spTree>
+    <p:extLst>
+      <p:ext uri="{BB962C8B-B14F-4D97-AF65-F5344CB8AC3E}">
+        <p14:creationId xmlns:p14="http://schemas.microsoft.com/office/powerpoint/2010/main" val="634002535"/>
+      </p:ext>
+    </p:extLst>
+  </p:cSld>
+  <p:clrMapOvr>
+    <a:masterClrMapping/>
+  </p:clrMapOvr>
+</p:sld>
+</file>
+
+<file path=ppt/slides/slide6.xml><?xml version="1.0" encoding="utf-8"?>
+<p:sld xmlns:a="http://schemas.openxmlformats.org/drawingml/2006/main" xmlns:r="http://schemas.openxmlformats.org/officeDocument/2006/relationships" xmlns:p="http://schemas.openxmlformats.org/presentationml/2006/main">
+  <p:cSld>
+    <p:spTree>
+      <p:nvGrpSpPr>
+        <p:cNvPr id="1" name=""/>
+        <p:cNvGrpSpPr/>
+        <p:nvPr/>
+      </p:nvGrpSpPr>
+      <p:grpSpPr>
+        <a:xfrm>
+          <a:off x="0" y="0"/>
+          <a:ext cx="0" cy="0"/>
+          <a:chOff x="0" y="0"/>
+          <a:chExt cx="0" cy="0"/>
+        </a:xfrm>
+      </p:grpSpPr>
+      <p:pic>
+        <p:nvPicPr>
+          <p:cNvPr id="5" name="Picture 4">
+            <a:extLst>
+              <a:ext uri="{FF2B5EF4-FFF2-40B4-BE49-F238E27FC236}">
+                <a16:creationId xmlns:a16="http://schemas.microsoft.com/office/drawing/2014/main" id="{AC8641E3-52A4-3CF4-2A6C-FC5E2ACAC68B}"/>
+              </a:ext>
+            </a:extLst>
+          </p:cNvPr>
+          <p:cNvPicPr>
+            <a:picLocks noChangeAspect="1"/>
+          </p:cNvPicPr>
+          <p:nvPr/>
+        </p:nvPicPr>
+        <p:blipFill>
+          <a:blip r:embed="rId2"/>
+          <a:stretch>
+            <a:fillRect/>
+          </a:stretch>
+        </p:blipFill>
+        <p:spPr>
+          <a:xfrm>
+            <a:off x="447710" y="0"/>
+            <a:ext cx="7679619" cy="6858000"/>
           </a:xfrm>
           <a:prstGeom prst="rect">
             <a:avLst/>
@@ -3741,7 +9294,7 @@
           <p:cNvPr id="7" name="Picture 6">
             <a:extLst>
               <a:ext uri="{FF2B5EF4-FFF2-40B4-BE49-F238E27FC236}">
-                <a16:creationId xmlns:a16="http://schemas.microsoft.com/office/drawing/2014/main" id="{71316030-F577-90DD-2E45-3736D185D121}"/>
+                <a16:creationId xmlns:a16="http://schemas.microsoft.com/office/drawing/2014/main" id="{3DB536F4-5A88-0F67-3B57-CB9BBEC948A4}"/>
               </a:ext>
             </a:extLst>
           </p:cNvPr>
@@ -3758,8 +9311,118 @@
         </p:blipFill>
         <p:spPr>
           <a:xfrm>
-            <a:off x="1060678" y="208194"/>
-            <a:ext cx="4450214" cy="3024863"/>
+            <a:off x="8056208" y="2050714"/>
+            <a:ext cx="3231551" cy="2756572"/>
+          </a:xfrm>
+          <a:prstGeom prst="rect">
+            <a:avLst/>
+          </a:prstGeom>
+        </p:spPr>
+      </p:pic>
+    </p:spTree>
+    <p:extLst>
+      <p:ext uri="{BB962C8B-B14F-4D97-AF65-F5344CB8AC3E}">
+        <p14:creationId xmlns:p14="http://schemas.microsoft.com/office/powerpoint/2010/main" val="3271577357"/>
+      </p:ext>
+    </p:extLst>
+  </p:cSld>
+  <p:clrMapOvr>
+    <a:masterClrMapping/>
+  </p:clrMapOvr>
+</p:sld>
+</file>
+
+<file path=ppt/slides/slide7.xml><?xml version="1.0" encoding="utf-8"?>
+<p:sld xmlns:a="http://schemas.openxmlformats.org/drawingml/2006/main" xmlns:r="http://schemas.openxmlformats.org/officeDocument/2006/relationships" xmlns:p="http://schemas.openxmlformats.org/presentationml/2006/main">
+  <p:cSld>
+    <p:spTree>
+      <p:nvGrpSpPr>
+        <p:cNvPr id="1" name=""/>
+        <p:cNvGrpSpPr/>
+        <p:nvPr/>
+      </p:nvGrpSpPr>
+      <p:grpSpPr>
+        <a:xfrm>
+          <a:off x="0" y="0"/>
+          <a:ext cx="0" cy="0"/>
+          <a:chOff x="0" y="0"/>
+          <a:chExt cx="0" cy="0"/>
+        </a:xfrm>
+      </p:grpSpPr>
+      <p:sp>
+        <p:nvSpPr>
+          <p:cNvPr id="2" name="Title 1">
+            <a:extLst>
+              <a:ext uri="{FF2B5EF4-FFF2-40B4-BE49-F238E27FC236}">
+                <a16:creationId xmlns:a16="http://schemas.microsoft.com/office/drawing/2014/main" id="{54C5D520-D83C-6F4E-AFB8-6B5EFB47E3FA}"/>
+              </a:ext>
+            </a:extLst>
+          </p:cNvPr>
+          <p:cNvSpPr>
+            <a:spLocks noGrp="1"/>
+          </p:cNvSpPr>
+          <p:nvPr>
+            <p:ph type="title"/>
+          </p:nvPr>
+        </p:nvSpPr>
+        <p:spPr/>
+        <p:txBody>
+          <a:bodyPr/>
+          <a:lstStyle/>
+          <a:p>
+            <a:endParaRPr lang="en-US"/>
+          </a:p>
+        </p:txBody>
+      </p:sp>
+      <p:sp>
+        <p:nvSpPr>
+          <p:cNvPr id="3" name="Content Placeholder 2">
+            <a:extLst>
+              <a:ext uri="{FF2B5EF4-FFF2-40B4-BE49-F238E27FC236}">
+                <a16:creationId xmlns:a16="http://schemas.microsoft.com/office/drawing/2014/main" id="{4AA0AED7-2254-B898-AAD1-BD4E9F966FDD}"/>
+              </a:ext>
+            </a:extLst>
+          </p:cNvPr>
+          <p:cNvSpPr>
+            <a:spLocks noGrp="1"/>
+          </p:cNvSpPr>
+          <p:nvPr>
+            <p:ph idx="1"/>
+          </p:nvPr>
+        </p:nvSpPr>
+        <p:spPr/>
+        <p:txBody>
+          <a:bodyPr/>
+          <a:lstStyle/>
+          <a:p>
+            <a:endParaRPr lang="en-US" dirty="0"/>
+          </a:p>
+        </p:txBody>
+      </p:sp>
+      <p:pic>
+        <p:nvPicPr>
+          <p:cNvPr id="5" name="Picture 4">
+            <a:extLst>
+              <a:ext uri="{FF2B5EF4-FFF2-40B4-BE49-F238E27FC236}">
+                <a16:creationId xmlns:a16="http://schemas.microsoft.com/office/drawing/2014/main" id="{C9160806-79D5-2302-96FC-73E910A070F2}"/>
+              </a:ext>
+            </a:extLst>
+          </p:cNvPr>
+          <p:cNvPicPr>
+            <a:picLocks noChangeAspect="1"/>
+          </p:cNvPicPr>
+          <p:nvPr/>
+        </p:nvPicPr>
+        <p:blipFill>
+          <a:blip r:embed="rId2"/>
+          <a:stretch>
+            <a:fillRect/>
+          </a:stretch>
+        </p:blipFill>
+        <p:spPr>
+          <a:xfrm>
+            <a:off x="7901641" y="2306853"/>
+            <a:ext cx="3452159" cy="2339543"/>
           </a:xfrm>
           <a:prstGeom prst="rect">
             <a:avLst/>
@@ -3771,7 +9434,7 @@
           <p:cNvPr id="9" name="Picture 8">
             <a:extLst>
               <a:ext uri="{FF2B5EF4-FFF2-40B4-BE49-F238E27FC236}">
-                <a16:creationId xmlns:a16="http://schemas.microsoft.com/office/drawing/2014/main" id="{9A768209-D9F2-8ED8-32A6-A18D900224C0}"/>
+                <a16:creationId xmlns:a16="http://schemas.microsoft.com/office/drawing/2014/main" id="{477DF5D6-BE86-53B3-7A7D-37BBBEEAD0A8}"/>
               </a:ext>
             </a:extLst>
           </p:cNvPr>
@@ -3781,15 +9444,15 @@
           <p:nvPr/>
         </p:nvPicPr>
         <p:blipFill>
-          <a:blip r:embed="rId4"/>
+          <a:blip r:embed="rId3"/>
           <a:stretch>
             <a:fillRect/>
           </a:stretch>
         </p:blipFill>
         <p:spPr>
           <a:xfrm>
-            <a:off x="6406104" y="208193"/>
-            <a:ext cx="4450214" cy="6060769"/>
+            <a:off x="0" y="0"/>
+            <a:ext cx="7852893" cy="6858000"/>
           </a:xfrm>
           <a:prstGeom prst="rect">
             <a:avLst/>
@@ -3799,7 +9462,207 @@
     </p:spTree>
     <p:extLst>
       <p:ext uri="{BB962C8B-B14F-4D97-AF65-F5344CB8AC3E}">
-        <p14:creationId xmlns:p14="http://schemas.microsoft.com/office/powerpoint/2010/main" val="801888281"/>
+        <p14:creationId xmlns:p14="http://schemas.microsoft.com/office/powerpoint/2010/main" val="73023103"/>
+      </p:ext>
+    </p:extLst>
+  </p:cSld>
+  <p:clrMapOvr>
+    <a:masterClrMapping/>
+  </p:clrMapOvr>
+</p:sld>
+</file>
+
+<file path=ppt/slides/slide8.xml><?xml version="1.0" encoding="utf-8"?>
+<p:sld xmlns:a="http://schemas.openxmlformats.org/drawingml/2006/main" xmlns:r="http://schemas.openxmlformats.org/officeDocument/2006/relationships" xmlns:p="http://schemas.openxmlformats.org/presentationml/2006/main">
+  <p:cSld>
+    <p:spTree>
+      <p:nvGrpSpPr>
+        <p:cNvPr id="1" name=""/>
+        <p:cNvGrpSpPr/>
+        <p:nvPr/>
+      </p:nvGrpSpPr>
+      <p:grpSpPr>
+        <a:xfrm>
+          <a:off x="0" y="0"/>
+          <a:ext cx="0" cy="0"/>
+          <a:chOff x="0" y="0"/>
+          <a:chExt cx="0" cy="0"/>
+        </a:xfrm>
+      </p:grpSpPr>
+      <p:pic>
+        <p:nvPicPr>
+          <p:cNvPr id="9" name="Picture 8">
+            <a:extLst>
+              <a:ext uri="{FF2B5EF4-FFF2-40B4-BE49-F238E27FC236}">
+                <a16:creationId xmlns:a16="http://schemas.microsoft.com/office/drawing/2014/main" id="{6C501141-7FE7-C764-C95F-DA94F0905504}"/>
+              </a:ext>
+            </a:extLst>
+          </p:cNvPr>
+          <p:cNvPicPr>
+            <a:picLocks noChangeAspect="1"/>
+          </p:cNvPicPr>
+          <p:nvPr/>
+        </p:nvPicPr>
+        <p:blipFill>
+          <a:blip r:embed="rId2"/>
+          <a:stretch>
+            <a:fillRect/>
+          </a:stretch>
+        </p:blipFill>
+        <p:spPr>
+          <a:xfrm>
+            <a:off x="449897" y="1424146"/>
+            <a:ext cx="5416861" cy="4009707"/>
+          </a:xfrm>
+          <a:prstGeom prst="rect">
+            <a:avLst/>
+          </a:prstGeom>
+        </p:spPr>
+      </p:pic>
+      <p:pic>
+        <p:nvPicPr>
+          <p:cNvPr id="12" name="Picture 11">
+            <a:extLst>
+              <a:ext uri="{FF2B5EF4-FFF2-40B4-BE49-F238E27FC236}">
+                <a16:creationId xmlns:a16="http://schemas.microsoft.com/office/drawing/2014/main" id="{F2487752-DAD3-014A-7822-D5E8F87EE900}"/>
+              </a:ext>
+            </a:extLst>
+          </p:cNvPr>
+          <p:cNvPicPr>
+            <a:picLocks noChangeAspect="1"/>
+          </p:cNvPicPr>
+          <p:nvPr/>
+        </p:nvPicPr>
+        <p:blipFill>
+          <a:blip r:embed="rId3"/>
+          <a:stretch>
+            <a:fillRect/>
+          </a:stretch>
+        </p:blipFill>
+        <p:spPr>
+          <a:xfrm>
+            <a:off x="6325241" y="1424146"/>
+            <a:ext cx="5416862" cy="4009707"/>
+          </a:xfrm>
+          <a:prstGeom prst="rect">
+            <a:avLst/>
+          </a:prstGeom>
+        </p:spPr>
+      </p:pic>
+    </p:spTree>
+    <p:extLst>
+      <p:ext uri="{BB962C8B-B14F-4D97-AF65-F5344CB8AC3E}">
+        <p14:creationId xmlns:p14="http://schemas.microsoft.com/office/powerpoint/2010/main" val="893853023"/>
+      </p:ext>
+    </p:extLst>
+  </p:cSld>
+  <p:clrMapOvr>
+    <a:masterClrMapping/>
+  </p:clrMapOvr>
+</p:sld>
+</file>
+
+<file path=ppt/slides/slide9.xml><?xml version="1.0" encoding="utf-8"?>
+<p:sld xmlns:a="http://schemas.openxmlformats.org/drawingml/2006/main" xmlns:r="http://schemas.openxmlformats.org/officeDocument/2006/relationships" xmlns:p="http://schemas.openxmlformats.org/presentationml/2006/main">
+  <p:cSld>
+    <p:spTree>
+      <p:nvGrpSpPr>
+        <p:cNvPr id="1" name=""/>
+        <p:cNvGrpSpPr/>
+        <p:nvPr/>
+      </p:nvGrpSpPr>
+      <p:grpSpPr>
+        <a:xfrm>
+          <a:off x="0" y="0"/>
+          <a:ext cx="0" cy="0"/>
+          <a:chOff x="0" y="0"/>
+          <a:chExt cx="0" cy="0"/>
+        </a:xfrm>
+      </p:grpSpPr>
+      <p:sp>
+        <p:nvSpPr>
+          <p:cNvPr id="2" name="Title 1">
+            <a:extLst>
+              <a:ext uri="{FF2B5EF4-FFF2-40B4-BE49-F238E27FC236}">
+                <a16:creationId xmlns:a16="http://schemas.microsoft.com/office/drawing/2014/main" id="{84DC87A8-8964-DB92-16EA-0F92FE7FD647}"/>
+              </a:ext>
+            </a:extLst>
+          </p:cNvPr>
+          <p:cNvSpPr>
+            <a:spLocks noGrp="1"/>
+          </p:cNvSpPr>
+          <p:nvPr>
+            <p:ph type="title"/>
+          </p:nvPr>
+        </p:nvSpPr>
+        <p:spPr/>
+        <p:txBody>
+          <a:bodyPr/>
+          <a:lstStyle/>
+          <a:p>
+            <a:endParaRPr lang="en-US"/>
+          </a:p>
+        </p:txBody>
+      </p:sp>
+      <p:sp>
+        <p:nvSpPr>
+          <p:cNvPr id="3" name="Content Placeholder 2">
+            <a:extLst>
+              <a:ext uri="{FF2B5EF4-FFF2-40B4-BE49-F238E27FC236}">
+                <a16:creationId xmlns:a16="http://schemas.microsoft.com/office/drawing/2014/main" id="{C2EB7371-2D15-B76A-B956-F1538A41974D}"/>
+              </a:ext>
+            </a:extLst>
+          </p:cNvPr>
+          <p:cNvSpPr>
+            <a:spLocks noGrp="1"/>
+          </p:cNvSpPr>
+          <p:nvPr>
+            <p:ph idx="1"/>
+          </p:nvPr>
+        </p:nvSpPr>
+        <p:spPr/>
+        <p:txBody>
+          <a:bodyPr/>
+          <a:lstStyle/>
+          <a:p>
+            <a:endParaRPr lang="en-US"/>
+          </a:p>
+        </p:txBody>
+      </p:sp>
+      <p:pic>
+        <p:nvPicPr>
+          <p:cNvPr id="6" name="Picture 5">
+            <a:extLst>
+              <a:ext uri="{FF2B5EF4-FFF2-40B4-BE49-F238E27FC236}">
+                <a16:creationId xmlns:a16="http://schemas.microsoft.com/office/drawing/2014/main" id="{08BC2646-B797-67EF-39F7-05546BEC43A2}"/>
+              </a:ext>
+            </a:extLst>
+          </p:cNvPr>
+          <p:cNvPicPr>
+            <a:picLocks noChangeAspect="1"/>
+          </p:cNvPicPr>
+          <p:nvPr/>
+        </p:nvPicPr>
+        <p:blipFill>
+          <a:blip r:embed="rId2"/>
+          <a:stretch>
+            <a:fillRect/>
+          </a:stretch>
+        </p:blipFill>
+        <p:spPr>
+          <a:xfrm>
+            <a:off x="235679" y="0"/>
+            <a:ext cx="11720641" cy="6858000"/>
+          </a:xfrm>
+          <a:prstGeom prst="rect">
+            <a:avLst/>
+          </a:prstGeom>
+        </p:spPr>
+      </p:pic>
+    </p:spTree>
+    <p:extLst>
+      <p:ext uri="{BB962C8B-B14F-4D97-AF65-F5344CB8AC3E}">
+        <p14:creationId xmlns:p14="http://schemas.microsoft.com/office/powerpoint/2010/main" val="520025958"/>
       </p:ext>
     </p:extLst>
   </p:cSld>
@@ -4122,4 +9985,319 @@
     </a:ext>
   </a:extLst>
 </a:theme>
+</file>
+
+<file path=ppt/theme/theme2.xml><?xml version="1.0" encoding="utf-8"?>
+<a:theme xmlns:a="http://schemas.openxmlformats.org/drawingml/2006/main" name="Office Theme">
+  <a:themeElements>
+    <a:clrScheme name="Office">
+      <a:dk1>
+        <a:sysClr val="windowText" lastClr="000000"/>
+      </a:dk1>
+      <a:lt1>
+        <a:sysClr val="window" lastClr="FFFFFF"/>
+      </a:lt1>
+      <a:dk2>
+        <a:srgbClr val="0E2841"/>
+      </a:dk2>
+      <a:lt2>
+        <a:srgbClr val="E8E8E8"/>
+      </a:lt2>
+      <a:accent1>
+        <a:srgbClr val="156082"/>
+      </a:accent1>
+      <a:accent2>
+        <a:srgbClr val="E97132"/>
+      </a:accent2>
+      <a:accent3>
+        <a:srgbClr val="196B24"/>
+      </a:accent3>
+      <a:accent4>
+        <a:srgbClr val="0F9ED5"/>
+      </a:accent4>
+      <a:accent5>
+        <a:srgbClr val="A02B93"/>
+      </a:accent5>
+      <a:accent6>
+        <a:srgbClr val="4EA72E"/>
+      </a:accent6>
+      <a:hlink>
+        <a:srgbClr val="467886"/>
+      </a:hlink>
+      <a:folHlink>
+        <a:srgbClr val="96607D"/>
+      </a:folHlink>
+    </a:clrScheme>
+    <a:fontScheme name="Office">
+      <a:majorFont>
+        <a:latin typeface="Aptos Display" panose="02110004020202020204"/>
+        <a:ea typeface=""/>
+        <a:cs typeface=""/>
+        <a:font script="Jpan" typeface="游ゴシック Light"/>
+        <a:font script="Hang" typeface="맑은 고딕"/>
+        <a:font script="Hans" typeface="等线 Light"/>
+        <a:font script="Hant" typeface="新細明體"/>
+        <a:font script="Arab" typeface="Times New Roman"/>
+        <a:font script="Hebr" typeface="Times New Roman"/>
+        <a:font script="Thai" typeface="Angsana New"/>
+        <a:font script="Ethi" typeface="Nyala"/>
+        <a:font script="Beng" typeface="Vrinda"/>
+        <a:font script="Gujr" typeface="Shruti"/>
+        <a:font script="Khmr" typeface="MoolBoran"/>
+        <a:font script="Knda" typeface="Tunga"/>
+        <a:font script="Guru" typeface="Raavi"/>
+        <a:font script="Cans" typeface="Euphemia"/>
+        <a:font script="Cher" typeface="Plantagenet Cherokee"/>
+        <a:font script="Yiii" typeface="Microsoft Yi Baiti"/>
+        <a:font script="Tibt" typeface="Microsoft Himalaya"/>
+        <a:font script="Thaa" typeface="MV Boli"/>
+        <a:font script="Deva" typeface="Mangal"/>
+        <a:font script="Telu" typeface="Gautami"/>
+        <a:font script="Taml" typeface="Latha"/>
+        <a:font script="Syrc" typeface="Estrangelo Edessa"/>
+        <a:font script="Orya" typeface="Kalinga"/>
+        <a:font script="Mlym" typeface="Kartika"/>
+        <a:font script="Laoo" typeface="DokChampa"/>
+        <a:font script="Sinh" typeface="Iskoola Pota"/>
+        <a:font script="Mong" typeface="Mongolian Baiti"/>
+        <a:font script="Viet" typeface="Times New Roman"/>
+        <a:font script="Uigh" typeface="Microsoft Uighur"/>
+        <a:font script="Geor" typeface="Sylfaen"/>
+        <a:font script="Armn" typeface="Arial"/>
+        <a:font script="Bugi" typeface="Leelawadee UI"/>
+        <a:font script="Bopo" typeface="Microsoft JhengHei"/>
+        <a:font script="Java" typeface="Javanese Text"/>
+        <a:font script="Lisu" typeface="Segoe UI"/>
+        <a:font script="Mymr" typeface="Myanmar Text"/>
+        <a:font script="Nkoo" typeface="Ebrima"/>
+        <a:font script="Olck" typeface="Nirmala UI"/>
+        <a:font script="Osma" typeface="Ebrima"/>
+        <a:font script="Phag" typeface="Phagspa"/>
+        <a:font script="Syrn" typeface="Estrangelo Edessa"/>
+        <a:font script="Syrj" typeface="Estrangelo Edessa"/>
+        <a:font script="Syre" typeface="Estrangelo Edessa"/>
+        <a:font script="Sora" typeface="Nirmala UI"/>
+        <a:font script="Tale" typeface="Microsoft Tai Le"/>
+        <a:font script="Talu" typeface="Microsoft New Tai Lue"/>
+        <a:font script="Tfng" typeface="Ebrima"/>
+      </a:majorFont>
+      <a:minorFont>
+        <a:latin typeface="Aptos" panose="02110004020202020204"/>
+        <a:ea typeface=""/>
+        <a:cs typeface=""/>
+        <a:font script="Jpan" typeface="游ゴシック"/>
+        <a:font script="Hang" typeface="맑은 고딕"/>
+        <a:font script="Hans" typeface="等线"/>
+        <a:font script="Hant" typeface="新細明體"/>
+        <a:font script="Arab" typeface="Arial"/>
+        <a:font script="Hebr" typeface="Arial"/>
+        <a:font script="Thai" typeface="Cordia New"/>
+        <a:font script="Ethi" typeface="Nyala"/>
+        <a:font script="Beng" typeface="Vrinda"/>
+        <a:font script="Gujr" typeface="Shruti"/>
+        <a:font script="Khmr" typeface="DaunPenh"/>
+        <a:font script="Knda" typeface="Tunga"/>
+        <a:font script="Guru" typeface="Raavi"/>
+        <a:font script="Cans" typeface="Euphemia"/>
+        <a:font script="Cher" typeface="Plantagenet Cherokee"/>
+        <a:font script="Yiii" typeface="Microsoft Yi Baiti"/>
+        <a:font script="Tibt" typeface="Microsoft Himalaya"/>
+        <a:font script="Thaa" typeface="MV Boli"/>
+        <a:font script="Deva" typeface="Mangal"/>
+        <a:font script="Telu" typeface="Gautami"/>
+        <a:font script="Taml" typeface="Latha"/>
+        <a:font script="Syrc" typeface="Estrangelo Edessa"/>
+        <a:font script="Orya" typeface="Kalinga"/>
+        <a:font script="Mlym" typeface="Kartika"/>
+        <a:font script="Laoo" typeface="DokChampa"/>
+        <a:font script="Sinh" typeface="Iskoola Pota"/>
+        <a:font script="Mong" typeface="Mongolian Baiti"/>
+        <a:font script="Viet" typeface="Arial"/>
+        <a:font script="Uigh" typeface="Microsoft Uighur"/>
+        <a:font script="Geor" typeface="Sylfaen"/>
+        <a:font script="Armn" typeface="Arial"/>
+        <a:font script="Bugi" typeface="Leelawadee UI"/>
+        <a:font script="Bopo" typeface="Microsoft JhengHei"/>
+        <a:font script="Java" typeface="Javanese Text"/>
+        <a:font script="Lisu" typeface="Segoe UI"/>
+        <a:font script="Mymr" typeface="Myanmar Text"/>
+        <a:font script="Nkoo" typeface="Ebrima"/>
+        <a:font script="Olck" typeface="Nirmala UI"/>
+        <a:font script="Osma" typeface="Ebrima"/>
+        <a:font script="Phag" typeface="Phagspa"/>
+        <a:font script="Syrn" typeface="Estrangelo Edessa"/>
+        <a:font script="Syrj" typeface="Estrangelo Edessa"/>
+        <a:font script="Syre" typeface="Estrangelo Edessa"/>
+        <a:font script="Sora" typeface="Nirmala UI"/>
+        <a:font script="Tale" typeface="Microsoft Tai Le"/>
+        <a:font script="Talu" typeface="Microsoft New Tai Lue"/>
+        <a:font script="Tfng" typeface="Ebrima"/>
+      </a:minorFont>
+    </a:fontScheme>
+    <a:fmtScheme name="Office">
+      <a:fillStyleLst>
+        <a:solidFill>
+          <a:schemeClr val="phClr"/>
+        </a:solidFill>
+        <a:gradFill rotWithShape="1">
+          <a:gsLst>
+            <a:gs pos="0">
+              <a:schemeClr val="phClr">
+                <a:lumMod val="110000"/>
+                <a:satMod val="105000"/>
+                <a:tint val="67000"/>
+              </a:schemeClr>
+            </a:gs>
+            <a:gs pos="50000">
+              <a:schemeClr val="phClr">
+                <a:lumMod val="105000"/>
+                <a:satMod val="103000"/>
+                <a:tint val="73000"/>
+              </a:schemeClr>
+            </a:gs>
+            <a:gs pos="100000">
+              <a:schemeClr val="phClr">
+                <a:lumMod val="105000"/>
+                <a:satMod val="109000"/>
+                <a:tint val="81000"/>
+              </a:schemeClr>
+            </a:gs>
+          </a:gsLst>
+          <a:lin ang="5400000" scaled="0"/>
+        </a:gradFill>
+        <a:gradFill rotWithShape="1">
+          <a:gsLst>
+            <a:gs pos="0">
+              <a:schemeClr val="phClr">
+                <a:satMod val="103000"/>
+                <a:lumMod val="102000"/>
+                <a:tint val="94000"/>
+              </a:schemeClr>
+            </a:gs>
+            <a:gs pos="50000">
+              <a:schemeClr val="phClr">
+                <a:satMod val="110000"/>
+                <a:lumMod val="100000"/>
+                <a:shade val="100000"/>
+              </a:schemeClr>
+            </a:gs>
+            <a:gs pos="100000">
+              <a:schemeClr val="phClr">
+                <a:lumMod val="99000"/>
+                <a:satMod val="120000"/>
+                <a:shade val="78000"/>
+              </a:schemeClr>
+            </a:gs>
+          </a:gsLst>
+          <a:lin ang="5400000" scaled="0"/>
+        </a:gradFill>
+      </a:fillStyleLst>
+      <a:lnStyleLst>
+        <a:ln w="12700" cap="flat" cmpd="sng" algn="ctr">
+          <a:solidFill>
+            <a:schemeClr val="phClr"/>
+          </a:solidFill>
+          <a:prstDash val="solid"/>
+          <a:miter lim="800000"/>
+        </a:ln>
+        <a:ln w="19050" cap="flat" cmpd="sng" algn="ctr">
+          <a:solidFill>
+            <a:schemeClr val="phClr"/>
+          </a:solidFill>
+          <a:prstDash val="solid"/>
+          <a:miter lim="800000"/>
+        </a:ln>
+        <a:ln w="25400" cap="flat" cmpd="sng" algn="ctr">
+          <a:solidFill>
+            <a:schemeClr val="phClr"/>
+          </a:solidFill>
+          <a:prstDash val="solid"/>
+          <a:miter lim="800000"/>
+        </a:ln>
+      </a:lnStyleLst>
+      <a:effectStyleLst>
+        <a:effectStyle>
+          <a:effectLst/>
+        </a:effectStyle>
+        <a:effectStyle>
+          <a:effectLst/>
+        </a:effectStyle>
+        <a:effectStyle>
+          <a:effectLst>
+            <a:outerShdw blurRad="57150" dist="19050" dir="5400000" algn="ctr" rotWithShape="0">
+              <a:srgbClr val="000000">
+                <a:alpha val="63000"/>
+              </a:srgbClr>
+            </a:outerShdw>
+          </a:effectLst>
+        </a:effectStyle>
+      </a:effectStyleLst>
+      <a:bgFillStyleLst>
+        <a:solidFill>
+          <a:schemeClr val="phClr"/>
+        </a:solidFill>
+        <a:solidFill>
+          <a:schemeClr val="phClr">
+            <a:tint val="95000"/>
+            <a:satMod val="170000"/>
+          </a:schemeClr>
+        </a:solidFill>
+        <a:gradFill rotWithShape="1">
+          <a:gsLst>
+            <a:gs pos="0">
+              <a:schemeClr val="phClr">
+                <a:tint val="93000"/>
+                <a:satMod val="150000"/>
+                <a:shade val="98000"/>
+                <a:lumMod val="102000"/>
+              </a:schemeClr>
+            </a:gs>
+            <a:gs pos="50000">
+              <a:schemeClr val="phClr">
+                <a:tint val="98000"/>
+                <a:satMod val="130000"/>
+                <a:shade val="90000"/>
+                <a:lumMod val="103000"/>
+              </a:schemeClr>
+            </a:gs>
+            <a:gs pos="100000">
+              <a:schemeClr val="phClr">
+                <a:shade val="63000"/>
+                <a:satMod val="120000"/>
+              </a:schemeClr>
+            </a:gs>
+          </a:gsLst>
+          <a:lin ang="5400000" scaled="0"/>
+        </a:gradFill>
+      </a:bgFillStyleLst>
+    </a:fmtScheme>
+  </a:themeElements>
+  <a:objectDefaults>
+    <a:lnDef>
+      <a:spPr/>
+      <a:bodyPr/>
+      <a:lstStyle/>
+      <a:style>
+        <a:lnRef idx="2">
+          <a:schemeClr val="accent1"/>
+        </a:lnRef>
+        <a:fillRef idx="0">
+          <a:schemeClr val="accent1"/>
+        </a:fillRef>
+        <a:effectRef idx="1">
+          <a:schemeClr val="accent1"/>
+        </a:effectRef>
+        <a:fontRef idx="minor">
+          <a:schemeClr val="tx1"/>
+        </a:fontRef>
+      </a:style>
+    </a:lnDef>
+  </a:objectDefaults>
+  <a:extraClrSchemeLst/>
+  <a:extLst>
+    <a:ext uri="{05A4C25C-085E-4340-85A3-A5531E510DB2}">
+      <thm15:themeFamily xmlns:thm15="http://schemas.microsoft.com/office/thememl/2012/main" name="Office Theme" id="{2E142A2C-CD16-42D6-873A-C26D2A0506FA}" vid="{1BDDFF52-6CD6-40A5-AB3C-68EB2F1E4D0A}"/>
+    </a:ext>
+  </a:extLst>
+</a:theme>
 </file>